--- a/operating_system/ghOSt/Shenango.pptx
+++ b/operating_system/ghOSt/Shenango.pptx
@@ -32,6 +32,8 @@
     <p:sldId id="303" r:id="rId26"/>
     <p:sldId id="304" r:id="rId27"/>
     <p:sldId id="305" r:id="rId28"/>
+    <p:sldId id="308" r:id="rId29"/>
+    <p:sldId id="309" r:id="rId30"/>
   </p:sldIdLst>
   <p:sldSz cx="12192000" cy="6858000"/>
   <p:notesSz cx="6858000" cy="9144000"/>
@@ -33874,8 +33876,8 @@
         </p:nvSpPr>
         <p:spPr>
           <a:xfrm>
-            <a:off x="3290442" y="4270965"/>
-            <a:ext cx="6862024" cy="1569660"/>
+            <a:off x="3267729" y="4410794"/>
+            <a:ext cx="6862024" cy="1077218"/>
           </a:xfrm>
           <a:prstGeom prst="rect">
             <a:avLst/>
@@ -33891,7 +33893,7 @@
             <a:pPr algn="ctr"/>
             <a:r>
               <a:rPr kumimoji="1" lang="en-US" altLang="ko-Kore-KR" sz="3200"/>
-              <a:t>Relaxing abstraction of CPU virtualization based on application metrics</a:t>
+              <a:t>Releasing CPU virtualization method based on application metrics</a:t>
             </a:r>
             <a:endParaRPr kumimoji="1" lang="ko-Kore-KR" altLang="en-US" sz="3200"/>
           </a:p>
@@ -36635,8 +36637,8 @@
         </p:nvSpPr>
         <p:spPr>
           <a:xfrm>
-            <a:off x="660449" y="1163269"/>
-            <a:ext cx="6862024" cy="1569660"/>
+            <a:off x="660449" y="1280228"/>
+            <a:ext cx="6862024" cy="1077218"/>
           </a:xfrm>
           <a:prstGeom prst="rect">
             <a:avLst/>
@@ -36652,7 +36654,7 @@
             <a:pPr algn="ctr"/>
             <a:r>
               <a:rPr kumimoji="1" lang="en-US" altLang="ko-Kore-KR" sz="3200"/>
-              <a:t>Relaxing abstraction of CPU virtualization based on application metrics</a:t>
+              <a:t>Releasing CPU virtualization method based on application metrics</a:t>
             </a:r>
             <a:endParaRPr kumimoji="1" lang="ko-Kore-KR" altLang="en-US" sz="3200"/>
           </a:p>
@@ -39382,43 +39384,6 @@
           </a:fontRef>
         </p:style>
       </p:cxnSp>
-      <p:sp>
-        <p:nvSpPr>
-          <p:cNvPr id="57" name="TextBox 56">
-            <a:extLst>
-              <a:ext uri="{FF2B5EF4-FFF2-40B4-BE49-F238E27FC236}">
-                <a16:creationId xmlns:a16="http://schemas.microsoft.com/office/drawing/2014/main" id="{8FC31E7D-1054-BA04-BA70-9A2FA6D82EB0}"/>
-              </a:ext>
-            </a:extLst>
-          </p:cNvPr>
-          <p:cNvSpPr txBox="1"/>
-          <p:nvPr/>
-        </p:nvSpPr>
-        <p:spPr>
-          <a:xfrm>
-            <a:off x="660449" y="1163269"/>
-            <a:ext cx="6862024" cy="1569660"/>
-          </a:xfrm>
-          <a:prstGeom prst="rect">
-            <a:avLst/>
-          </a:prstGeom>
-          <a:noFill/>
-        </p:spPr>
-        <p:txBody>
-          <a:bodyPr wrap="square" rtlCol="0">
-            <a:spAutoFit/>
-          </a:bodyPr>
-          <a:lstStyle/>
-          <a:p>
-            <a:pPr algn="ctr"/>
-            <a:r>
-              <a:rPr kumimoji="1" lang="en-US" altLang="ko-Kore-KR" sz="3200"/>
-              <a:t>Relaxing abstraction of CPU virtualization based on application metrics</a:t>
-            </a:r>
-            <a:endParaRPr kumimoji="1" lang="ko-Kore-KR" altLang="en-US" sz="3200"/>
-          </a:p>
-        </p:txBody>
-      </p:sp>
       <p:cxnSp>
         <p:nvCxnSpPr>
           <p:cNvPr id="59" name="구부러진 연결선[U] 58">
@@ -39651,6 +39616,43 @@
           <a:p>
             <a:pPr algn="ctr"/>
             <a:endParaRPr kumimoji="1" lang="ko-Kore-KR" altLang="en-US"/>
+          </a:p>
+        </p:txBody>
+      </p:sp>
+      <p:sp>
+        <p:nvSpPr>
+          <p:cNvPr id="58" name="TextBox 57">
+            <a:extLst>
+              <a:ext uri="{FF2B5EF4-FFF2-40B4-BE49-F238E27FC236}">
+                <a16:creationId xmlns:a16="http://schemas.microsoft.com/office/drawing/2014/main" id="{27C686B5-4553-E44A-7C4C-2E0CD7269B34}"/>
+              </a:ext>
+            </a:extLst>
+          </p:cNvPr>
+          <p:cNvSpPr txBox="1"/>
+          <p:nvPr/>
+        </p:nvSpPr>
+        <p:spPr>
+          <a:xfrm>
+            <a:off x="660449" y="1280228"/>
+            <a:ext cx="6862024" cy="1077218"/>
+          </a:xfrm>
+          <a:prstGeom prst="rect">
+            <a:avLst/>
+          </a:prstGeom>
+          <a:noFill/>
+        </p:spPr>
+        <p:txBody>
+          <a:bodyPr wrap="square" rtlCol="0">
+            <a:spAutoFit/>
+          </a:bodyPr>
+          <a:lstStyle/>
+          <a:p>
+            <a:pPr algn="ctr"/>
+            <a:r>
+              <a:rPr kumimoji="1" lang="en-US" altLang="ko-Kore-KR" sz="3200"/>
+              <a:t>Releasing CPU virtualization method based on application metrics</a:t>
+            </a:r>
+            <a:endParaRPr kumimoji="1" lang="ko-Kore-KR" altLang="en-US" sz="3200"/>
           </a:p>
         </p:txBody>
       </p:sp>
@@ -42279,43 +42281,6 @@
           </a:fontRef>
         </p:style>
       </p:cxnSp>
-      <p:sp>
-        <p:nvSpPr>
-          <p:cNvPr id="57" name="TextBox 56">
-            <a:extLst>
-              <a:ext uri="{FF2B5EF4-FFF2-40B4-BE49-F238E27FC236}">
-                <a16:creationId xmlns:a16="http://schemas.microsoft.com/office/drawing/2014/main" id="{8FC31E7D-1054-BA04-BA70-9A2FA6D82EB0}"/>
-              </a:ext>
-            </a:extLst>
-          </p:cNvPr>
-          <p:cNvSpPr txBox="1"/>
-          <p:nvPr/>
-        </p:nvSpPr>
-        <p:spPr>
-          <a:xfrm>
-            <a:off x="660449" y="1163269"/>
-            <a:ext cx="6862024" cy="1569660"/>
-          </a:xfrm>
-          <a:prstGeom prst="rect">
-            <a:avLst/>
-          </a:prstGeom>
-          <a:noFill/>
-        </p:spPr>
-        <p:txBody>
-          <a:bodyPr wrap="square" rtlCol="0">
-            <a:spAutoFit/>
-          </a:bodyPr>
-          <a:lstStyle/>
-          <a:p>
-            <a:pPr algn="ctr"/>
-            <a:r>
-              <a:rPr kumimoji="1" lang="en-US" altLang="ko-Kore-KR" sz="3200"/>
-              <a:t>Relaxing abstraction of CPU virtualization based on application metrics</a:t>
-            </a:r>
-            <a:endParaRPr kumimoji="1" lang="ko-Kore-KR" altLang="en-US" sz="3200"/>
-          </a:p>
-        </p:txBody>
-      </p:sp>
       <p:cxnSp>
         <p:nvCxnSpPr>
           <p:cNvPr id="59" name="구부러진 연결선[U] 58">
@@ -42530,7 +42495,7 @@
             <a:pPr algn="ctr"/>
             <a:r>
               <a:rPr kumimoji="1" lang="en-US" altLang="ko-Kore-KR" sz="3200"/>
-              <a:t>How about targeting other resources? not the CPU virtualization.</a:t>
+              <a:t>How about targeting other resources? not the CPU virtualization method.</a:t>
             </a:r>
             <a:endParaRPr kumimoji="1" lang="ko-Kore-KR" altLang="en-US" sz="3200"/>
           </a:p>
@@ -42823,10 +42788,6655 @@
           </a:p>
         </p:txBody>
       </p:sp>
+      <p:sp>
+        <p:nvSpPr>
+          <p:cNvPr id="58" name="TextBox 57">
+            <a:extLst>
+              <a:ext uri="{FF2B5EF4-FFF2-40B4-BE49-F238E27FC236}">
+                <a16:creationId xmlns:a16="http://schemas.microsoft.com/office/drawing/2014/main" id="{E3400DD9-75AF-9BE6-0A55-1983A602180D}"/>
+              </a:ext>
+            </a:extLst>
+          </p:cNvPr>
+          <p:cNvSpPr txBox="1"/>
+          <p:nvPr/>
+        </p:nvSpPr>
+        <p:spPr>
+          <a:xfrm>
+            <a:off x="660449" y="1280228"/>
+            <a:ext cx="6862024" cy="1077218"/>
+          </a:xfrm>
+          <a:prstGeom prst="rect">
+            <a:avLst/>
+          </a:prstGeom>
+          <a:noFill/>
+        </p:spPr>
+        <p:txBody>
+          <a:bodyPr wrap="square" rtlCol="0">
+            <a:spAutoFit/>
+          </a:bodyPr>
+          <a:lstStyle/>
+          <a:p>
+            <a:pPr algn="ctr"/>
+            <a:r>
+              <a:rPr kumimoji="1" lang="en-US" altLang="ko-Kore-KR" sz="3200"/>
+              <a:t>Releasing CPU virtualization method based on application metrics</a:t>
+            </a:r>
+            <a:endParaRPr kumimoji="1" lang="ko-Kore-KR" altLang="en-US" sz="3200"/>
+          </a:p>
+        </p:txBody>
+      </p:sp>
     </p:spTree>
     <p:extLst>
       <p:ext uri="{BB962C8B-B14F-4D97-AF65-F5344CB8AC3E}">
         <p14:creationId xmlns:p14="http://schemas.microsoft.com/office/powerpoint/2010/main" val="4214609957"/>
+      </p:ext>
+    </p:extLst>
+  </p:cSld>
+  <p:clrMapOvr>
+    <a:masterClrMapping/>
+  </p:clrMapOvr>
+  <mc:AlternateContent xmlns:mc="http://schemas.openxmlformats.org/markup-compatibility/2006" xmlns:p159="http://schemas.microsoft.com/office/powerpoint/2015/09/main">
+    <mc:Choice Requires="p159">
+      <p:transition spd="slow" advClick="0">
+        <p159:morph option="byObject"/>
+      </p:transition>
+    </mc:Choice>
+    <mc:Fallback xmlns="">
+      <p:transition spd="slow" advClick="0">
+        <p:fade/>
+      </p:transition>
+    </mc:Fallback>
+  </mc:AlternateContent>
+</p:sld>
+</file>
+
+<file path=ppt/slides/slide28.xml><?xml version="1.0" encoding="utf-8"?>
+<p:sld xmlns:a="http://schemas.openxmlformats.org/drawingml/2006/main" xmlns:r="http://schemas.openxmlformats.org/officeDocument/2006/relationships" xmlns:p="http://schemas.openxmlformats.org/presentationml/2006/main">
+  <p:cSld>
+    <p:spTree>
+      <p:nvGrpSpPr>
+        <p:cNvPr id="1" name=""/>
+        <p:cNvGrpSpPr/>
+        <p:nvPr/>
+      </p:nvGrpSpPr>
+      <p:grpSpPr>
+        <a:xfrm>
+          <a:off x="0" y="0"/>
+          <a:ext cx="0" cy="0"/>
+          <a:chOff x="0" y="0"/>
+          <a:chExt cx="0" cy="0"/>
+        </a:xfrm>
+      </p:grpSpPr>
+      <p:sp>
+        <p:nvSpPr>
+          <p:cNvPr id="4" name="타원 3">
+            <a:extLst>
+              <a:ext uri="{FF2B5EF4-FFF2-40B4-BE49-F238E27FC236}">
+                <a16:creationId xmlns:a16="http://schemas.microsoft.com/office/drawing/2014/main" id="{2047CB6D-7FEA-369B-530D-2F0B4C57B997}"/>
+              </a:ext>
+            </a:extLst>
+          </p:cNvPr>
+          <p:cNvSpPr/>
+          <p:nvPr/>
+        </p:nvSpPr>
+        <p:spPr>
+          <a:xfrm>
+            <a:off x="-7304020" y="-19243898"/>
+            <a:ext cx="6790807" cy="1200329"/>
+          </a:xfrm>
+          <a:prstGeom prst="ellipse">
+            <a:avLst/>
+          </a:prstGeom>
+          <a:noFill/>
+          <a:ln w="19050">
+            <a:solidFill>
+              <a:schemeClr val="tx1"/>
+            </a:solidFill>
+          </a:ln>
+        </p:spPr>
+        <p:style>
+          <a:lnRef idx="2">
+            <a:schemeClr val="accent1">
+              <a:shade val="15000"/>
+            </a:schemeClr>
+          </a:lnRef>
+          <a:fillRef idx="1">
+            <a:schemeClr val="accent1"/>
+          </a:fillRef>
+          <a:effectRef idx="0">
+            <a:schemeClr val="accent1"/>
+          </a:effectRef>
+          <a:fontRef idx="minor">
+            <a:schemeClr val="lt1"/>
+          </a:fontRef>
+        </p:style>
+        <p:txBody>
+          <a:bodyPr rtlCol="0" anchor="ctr"/>
+          <a:lstStyle/>
+          <a:p>
+            <a:pPr algn="ctr"/>
+            <a:endParaRPr kumimoji="1" lang="ko-Kore-KR" altLang="en-US"/>
+          </a:p>
+        </p:txBody>
+      </p:sp>
+      <p:sp>
+        <p:nvSpPr>
+          <p:cNvPr id="5" name="TextBox 4">
+            <a:extLst>
+              <a:ext uri="{FF2B5EF4-FFF2-40B4-BE49-F238E27FC236}">
+                <a16:creationId xmlns:a16="http://schemas.microsoft.com/office/drawing/2014/main" id="{35D57C3D-6E9E-1816-67C5-5DEE70D2DA7B}"/>
+              </a:ext>
+            </a:extLst>
+          </p:cNvPr>
+          <p:cNvSpPr txBox="1"/>
+          <p:nvPr/>
+        </p:nvSpPr>
+        <p:spPr>
+          <a:xfrm>
+            <a:off x="-11374502" y="-19985597"/>
+            <a:ext cx="8526326" cy="1200329"/>
+          </a:xfrm>
+          <a:prstGeom prst="rect">
+            <a:avLst/>
+          </a:prstGeom>
+          <a:noFill/>
+        </p:spPr>
+        <p:txBody>
+          <a:bodyPr wrap="square" rtlCol="0">
+            <a:spAutoFit/>
+          </a:bodyPr>
+          <a:lstStyle/>
+          <a:p>
+            <a:pPr algn="ctr"/>
+            <a:r>
+              <a:rPr kumimoji="1" lang="en-US" altLang="ko-Kore-KR" sz="3600"/>
+              <a:t>Shenango</a:t>
+            </a:r>
+            <a:r>
+              <a:rPr kumimoji="1" lang="en-US" altLang="ko-Kore-KR" sz="3600">
+                <a:solidFill>
+                  <a:schemeClr val="tx1">
+                    <a:alpha val="0"/>
+                  </a:schemeClr>
+                </a:solidFill>
+              </a:rPr>
+              <a:t>: Achieving High CPU Efficiency for Latency-sensitive Datacenter Workloads</a:t>
+            </a:r>
+            <a:endParaRPr kumimoji="1" lang="ko-Kore-KR" altLang="en-US" sz="3600">
+              <a:solidFill>
+                <a:schemeClr val="tx1">
+                  <a:alpha val="0"/>
+                </a:schemeClr>
+              </a:solidFill>
+            </a:endParaRPr>
+          </a:p>
+        </p:txBody>
+      </p:sp>
+      <p:sp>
+        <p:nvSpPr>
+          <p:cNvPr id="2" name="타원 1">
+            <a:extLst>
+              <a:ext uri="{FF2B5EF4-FFF2-40B4-BE49-F238E27FC236}">
+                <a16:creationId xmlns:a16="http://schemas.microsoft.com/office/drawing/2014/main" id="{16752447-83BE-64BD-D2B3-BDF0F3B3D1E5}"/>
+              </a:ext>
+            </a:extLst>
+          </p:cNvPr>
+          <p:cNvSpPr/>
+          <p:nvPr/>
+        </p:nvSpPr>
+        <p:spPr>
+          <a:xfrm>
+            <a:off x="-13932521" y="-22519665"/>
+            <a:ext cx="5331627" cy="3806535"/>
+          </a:xfrm>
+          <a:prstGeom prst="ellipse">
+            <a:avLst/>
+          </a:prstGeom>
+          <a:noFill/>
+          <a:ln w="19050">
+            <a:solidFill>
+              <a:schemeClr val="tx1"/>
+            </a:solidFill>
+          </a:ln>
+        </p:spPr>
+        <p:style>
+          <a:lnRef idx="2">
+            <a:schemeClr val="accent1">
+              <a:shade val="15000"/>
+            </a:schemeClr>
+          </a:lnRef>
+          <a:fillRef idx="1">
+            <a:schemeClr val="accent1"/>
+          </a:fillRef>
+          <a:effectRef idx="0">
+            <a:schemeClr val="accent1"/>
+          </a:effectRef>
+          <a:fontRef idx="minor">
+            <a:schemeClr val="lt1"/>
+          </a:fontRef>
+        </p:style>
+        <p:txBody>
+          <a:bodyPr rtlCol="0" anchor="ctr"/>
+          <a:lstStyle/>
+          <a:p>
+            <a:pPr algn="ctr"/>
+            <a:endParaRPr kumimoji="1" lang="ko-Kore-KR" altLang="en-US"/>
+          </a:p>
+        </p:txBody>
+      </p:sp>
+      <p:sp>
+        <p:nvSpPr>
+          <p:cNvPr id="3" name="TextBox 2">
+            <a:extLst>
+              <a:ext uri="{FF2B5EF4-FFF2-40B4-BE49-F238E27FC236}">
+                <a16:creationId xmlns:a16="http://schemas.microsoft.com/office/drawing/2014/main" id="{8619D4C3-31A1-96F7-0F75-5C8A93CE809A}"/>
+              </a:ext>
+            </a:extLst>
+          </p:cNvPr>
+          <p:cNvSpPr txBox="1"/>
+          <p:nvPr/>
+        </p:nvSpPr>
+        <p:spPr>
+          <a:xfrm>
+            <a:off x="-6909005" y="-18957160"/>
+            <a:ext cx="7222838" cy="584775"/>
+          </a:xfrm>
+          <a:prstGeom prst="rect">
+            <a:avLst/>
+          </a:prstGeom>
+          <a:noFill/>
+        </p:spPr>
+        <p:txBody>
+          <a:bodyPr wrap="square" rtlCol="0">
+            <a:spAutoFit/>
+          </a:bodyPr>
+          <a:lstStyle/>
+          <a:p>
+            <a:r>
+              <a:rPr kumimoji="1" lang="en-US" altLang="ko-Kore-KR" sz="3200"/>
+              <a:t>What is a purpose of the Shenango?</a:t>
+            </a:r>
+            <a:endParaRPr kumimoji="1" lang="ko-Kore-KR" altLang="en-US" sz="3200"/>
+          </a:p>
+        </p:txBody>
+      </p:sp>
+      <p:cxnSp>
+        <p:nvCxnSpPr>
+          <p:cNvPr id="7" name="구부러진 연결선[U] 6">
+            <a:extLst>
+              <a:ext uri="{FF2B5EF4-FFF2-40B4-BE49-F238E27FC236}">
+                <a16:creationId xmlns:a16="http://schemas.microsoft.com/office/drawing/2014/main" id="{8578584E-12EC-FBA1-2B45-B304FA129684}"/>
+              </a:ext>
+            </a:extLst>
+          </p:cNvPr>
+          <p:cNvCxnSpPr>
+            <a:cxnSpLocks/>
+            <a:stCxn id="2" idx="5"/>
+            <a:endCxn id="4" idx="2"/>
+          </p:cNvCxnSpPr>
+          <p:nvPr/>
+        </p:nvCxnSpPr>
+        <p:spPr>
+          <a:xfrm rot="16200000" flipH="1">
+            <a:off x="-8656282" y="-19995996"/>
+            <a:ext cx="626851" cy="2077673"/>
+          </a:xfrm>
+          <a:prstGeom prst="curvedConnector2">
+            <a:avLst/>
+          </a:prstGeom>
+          <a:ln w="12700">
+            <a:solidFill>
+              <a:schemeClr val="tx1"/>
+            </a:solidFill>
+          </a:ln>
+        </p:spPr>
+        <p:style>
+          <a:lnRef idx="1">
+            <a:schemeClr val="accent1"/>
+          </a:lnRef>
+          <a:fillRef idx="0">
+            <a:schemeClr val="accent1"/>
+          </a:fillRef>
+          <a:effectRef idx="0">
+            <a:schemeClr val="accent1"/>
+          </a:effectRef>
+          <a:fontRef idx="minor">
+            <a:schemeClr val="tx1"/>
+          </a:fontRef>
+        </p:style>
+      </p:cxnSp>
+      <p:sp>
+        <p:nvSpPr>
+          <p:cNvPr id="6" name="TextBox 5">
+            <a:extLst>
+              <a:ext uri="{FF2B5EF4-FFF2-40B4-BE49-F238E27FC236}">
+                <a16:creationId xmlns:a16="http://schemas.microsoft.com/office/drawing/2014/main" id="{AD487769-FC45-5098-163E-2AC3B30F344D}"/>
+              </a:ext>
+            </a:extLst>
+          </p:cNvPr>
+          <p:cNvSpPr txBox="1"/>
+          <p:nvPr/>
+        </p:nvSpPr>
+        <p:spPr>
+          <a:xfrm>
+            <a:off x="-2729741" y="-16973054"/>
+            <a:ext cx="7222838" cy="1077218"/>
+          </a:xfrm>
+          <a:prstGeom prst="rect">
+            <a:avLst/>
+          </a:prstGeom>
+          <a:noFill/>
+        </p:spPr>
+        <p:txBody>
+          <a:bodyPr wrap="square" rtlCol="0">
+            <a:spAutoFit/>
+          </a:bodyPr>
+          <a:lstStyle/>
+          <a:p>
+            <a:r>
+              <a:rPr kumimoji="1" lang="en-US" altLang="ko-Kore-KR" sz="3200"/>
+              <a:t>Rebalancing the number of cores </a:t>
+            </a:r>
+            <a:r>
+              <a:rPr kumimoji="1" lang="en-US" altLang="ko-KR" sz="3200"/>
+              <a:t>based</a:t>
+            </a:r>
+            <a:r>
+              <a:rPr kumimoji="1" lang="ko-KR" altLang="en-US" sz="3200"/>
+              <a:t> </a:t>
+            </a:r>
+            <a:r>
+              <a:rPr kumimoji="1" lang="en-US" altLang="ko-KR" sz="3200"/>
+              <a:t>on</a:t>
+            </a:r>
+            <a:r>
+              <a:rPr kumimoji="1" lang="ko-KR" altLang="en-US" sz="3200"/>
+              <a:t> </a:t>
+            </a:r>
+            <a:r>
+              <a:rPr kumimoji="1" lang="en-US" altLang="ko-KR" sz="3200"/>
+              <a:t>the</a:t>
+            </a:r>
+            <a:r>
+              <a:rPr kumimoji="1" lang="ko-KR" altLang="en-US" sz="3200"/>
+              <a:t> </a:t>
+            </a:r>
+            <a:r>
+              <a:rPr kumimoji="1" lang="en-US" altLang="ko-KR" sz="3200"/>
+              <a:t>load</a:t>
+            </a:r>
+            <a:r>
+              <a:rPr kumimoji="1" lang="ko-KR" altLang="en-US" sz="3200"/>
+              <a:t> </a:t>
+            </a:r>
+            <a:r>
+              <a:rPr kumimoji="1" lang="en-US" altLang="ko-KR" sz="3200"/>
+              <a:t>imposed</a:t>
+            </a:r>
+            <a:r>
+              <a:rPr kumimoji="1" lang="ko-KR" altLang="en-US" sz="3200"/>
+              <a:t> </a:t>
+            </a:r>
+            <a:r>
+              <a:rPr kumimoji="1" lang="en-US" altLang="ko-KR" sz="3200"/>
+              <a:t>on</a:t>
+            </a:r>
+            <a:r>
+              <a:rPr kumimoji="1" lang="ko-KR" altLang="en-US" sz="3200"/>
+              <a:t> </a:t>
+            </a:r>
+            <a:r>
+              <a:rPr kumimoji="1" lang="en-US" altLang="ko-KR" sz="3200"/>
+              <a:t>each</a:t>
+            </a:r>
+            <a:r>
+              <a:rPr kumimoji="1" lang="ko-KR" altLang="en-US" sz="3200"/>
+              <a:t> </a:t>
+            </a:r>
+            <a:r>
+              <a:rPr kumimoji="1" lang="en-US" altLang="ko-KR" sz="3200"/>
+              <a:t>application</a:t>
+            </a:r>
+            <a:endParaRPr kumimoji="1" lang="ko-Kore-KR" altLang="en-US" sz="3200"/>
+          </a:p>
+        </p:txBody>
+      </p:sp>
+      <p:sp>
+        <p:nvSpPr>
+          <p:cNvPr id="8" name="타원 7">
+            <a:extLst>
+              <a:ext uri="{FF2B5EF4-FFF2-40B4-BE49-F238E27FC236}">
+                <a16:creationId xmlns:a16="http://schemas.microsoft.com/office/drawing/2014/main" id="{D1F256E4-03D2-C7EC-1ADD-94448A9D14D9}"/>
+              </a:ext>
+            </a:extLst>
+          </p:cNvPr>
+          <p:cNvSpPr/>
+          <p:nvPr/>
+        </p:nvSpPr>
+        <p:spPr>
+          <a:xfrm>
+            <a:off x="-3575132" y="-17301870"/>
+            <a:ext cx="8676749" cy="1796519"/>
+          </a:xfrm>
+          <a:prstGeom prst="ellipse">
+            <a:avLst/>
+          </a:prstGeom>
+          <a:noFill/>
+          <a:ln w="19050">
+            <a:solidFill>
+              <a:schemeClr val="tx1"/>
+            </a:solidFill>
+          </a:ln>
+        </p:spPr>
+        <p:style>
+          <a:lnRef idx="2">
+            <a:schemeClr val="accent1">
+              <a:shade val="15000"/>
+            </a:schemeClr>
+          </a:lnRef>
+          <a:fillRef idx="1">
+            <a:schemeClr val="accent1"/>
+          </a:fillRef>
+          <a:effectRef idx="0">
+            <a:schemeClr val="accent1"/>
+          </a:effectRef>
+          <a:fontRef idx="minor">
+            <a:schemeClr val="lt1"/>
+          </a:fontRef>
+        </p:style>
+        <p:txBody>
+          <a:bodyPr rtlCol="0" anchor="ctr"/>
+          <a:lstStyle/>
+          <a:p>
+            <a:pPr algn="ctr"/>
+            <a:endParaRPr kumimoji="1" lang="ko-Kore-KR" altLang="en-US"/>
+          </a:p>
+        </p:txBody>
+      </p:sp>
+      <p:cxnSp>
+        <p:nvCxnSpPr>
+          <p:cNvPr id="9" name="구부러진 연결선[U] 8">
+            <a:extLst>
+              <a:ext uri="{FF2B5EF4-FFF2-40B4-BE49-F238E27FC236}">
+                <a16:creationId xmlns:a16="http://schemas.microsoft.com/office/drawing/2014/main" id="{9E9131E5-AA02-FF99-8739-1906DCD595BB}"/>
+              </a:ext>
+            </a:extLst>
+          </p:cNvPr>
+          <p:cNvCxnSpPr>
+            <a:cxnSpLocks/>
+            <a:stCxn id="4" idx="4"/>
+            <a:endCxn id="8" idx="0"/>
+          </p:cNvCxnSpPr>
+          <p:nvPr/>
+        </p:nvCxnSpPr>
+        <p:spPr>
+          <a:xfrm rot="16200000" flipH="1">
+            <a:off x="-1943536" y="-20008650"/>
+            <a:ext cx="741699" cy="4671859"/>
+          </a:xfrm>
+          <a:prstGeom prst="curvedConnector3">
+            <a:avLst>
+              <a:gd name="adj1" fmla="val 50000"/>
+            </a:avLst>
+          </a:prstGeom>
+          <a:ln w="12700">
+            <a:solidFill>
+              <a:schemeClr val="tx1"/>
+            </a:solidFill>
+          </a:ln>
+        </p:spPr>
+        <p:style>
+          <a:lnRef idx="1">
+            <a:schemeClr val="accent1"/>
+          </a:lnRef>
+          <a:fillRef idx="0">
+            <a:schemeClr val="accent1"/>
+          </a:fillRef>
+          <a:effectRef idx="0">
+            <a:schemeClr val="accent1"/>
+          </a:effectRef>
+          <a:fontRef idx="minor">
+            <a:schemeClr val="tx1"/>
+          </a:fontRef>
+        </p:style>
+      </p:cxnSp>
+      <p:sp>
+        <p:nvSpPr>
+          <p:cNvPr id="12" name="TextBox 11">
+            <a:extLst>
+              <a:ext uri="{FF2B5EF4-FFF2-40B4-BE49-F238E27FC236}">
+                <a16:creationId xmlns:a16="http://schemas.microsoft.com/office/drawing/2014/main" id="{DC67C79B-5E99-087F-C63E-31AB35A52E93}"/>
+              </a:ext>
+            </a:extLst>
+          </p:cNvPr>
+          <p:cNvSpPr txBox="1"/>
+          <p:nvPr/>
+        </p:nvSpPr>
+        <p:spPr>
+          <a:xfrm>
+            <a:off x="8018178" y="-14716788"/>
+            <a:ext cx="7222838" cy="584775"/>
+          </a:xfrm>
+          <a:prstGeom prst="rect">
+            <a:avLst/>
+          </a:prstGeom>
+          <a:noFill/>
+        </p:spPr>
+        <p:txBody>
+          <a:bodyPr wrap="square" rtlCol="0">
+            <a:spAutoFit/>
+          </a:bodyPr>
+          <a:lstStyle/>
+          <a:p>
+            <a:r>
+              <a:rPr kumimoji="1" lang="en-US" altLang="ko-Kore-KR" sz="3200"/>
+              <a:t>Why is that important?</a:t>
+            </a:r>
+            <a:endParaRPr kumimoji="1" lang="ko-Kore-KR" altLang="en-US" sz="3200"/>
+          </a:p>
+        </p:txBody>
+      </p:sp>
+      <p:sp>
+        <p:nvSpPr>
+          <p:cNvPr id="13" name="타원 12">
+            <a:extLst>
+              <a:ext uri="{FF2B5EF4-FFF2-40B4-BE49-F238E27FC236}">
+                <a16:creationId xmlns:a16="http://schemas.microsoft.com/office/drawing/2014/main" id="{B4581C77-71A7-D8D0-EB2F-2960F2ADA437}"/>
+              </a:ext>
+            </a:extLst>
+          </p:cNvPr>
+          <p:cNvSpPr/>
+          <p:nvPr/>
+        </p:nvSpPr>
+        <p:spPr>
+          <a:xfrm>
+            <a:off x="7587584" y="-14907185"/>
+            <a:ext cx="4656667" cy="965568"/>
+          </a:xfrm>
+          <a:prstGeom prst="ellipse">
+            <a:avLst/>
+          </a:prstGeom>
+          <a:noFill/>
+          <a:ln w="19050">
+            <a:solidFill>
+              <a:schemeClr val="tx1"/>
+            </a:solidFill>
+          </a:ln>
+        </p:spPr>
+        <p:style>
+          <a:lnRef idx="2">
+            <a:schemeClr val="accent1">
+              <a:shade val="15000"/>
+            </a:schemeClr>
+          </a:lnRef>
+          <a:fillRef idx="1">
+            <a:schemeClr val="accent1"/>
+          </a:fillRef>
+          <a:effectRef idx="0">
+            <a:schemeClr val="accent1"/>
+          </a:effectRef>
+          <a:fontRef idx="minor">
+            <a:schemeClr val="lt1"/>
+          </a:fontRef>
+        </p:style>
+        <p:txBody>
+          <a:bodyPr rtlCol="0" anchor="ctr"/>
+          <a:lstStyle/>
+          <a:p>
+            <a:pPr algn="ctr"/>
+            <a:endParaRPr kumimoji="1" lang="ko-Kore-KR" altLang="en-US"/>
+          </a:p>
+        </p:txBody>
+      </p:sp>
+      <p:cxnSp>
+        <p:nvCxnSpPr>
+          <p:cNvPr id="14" name="구부러진 연결선[U] 13">
+            <a:extLst>
+              <a:ext uri="{FF2B5EF4-FFF2-40B4-BE49-F238E27FC236}">
+                <a16:creationId xmlns:a16="http://schemas.microsoft.com/office/drawing/2014/main" id="{CF1A4CDB-D01F-DB0B-C3DB-DECF103B6A6B}"/>
+              </a:ext>
+            </a:extLst>
+          </p:cNvPr>
+          <p:cNvCxnSpPr>
+            <a:cxnSpLocks/>
+            <a:stCxn id="8" idx="4"/>
+            <a:endCxn id="13" idx="0"/>
+          </p:cNvCxnSpPr>
+          <p:nvPr/>
+        </p:nvCxnSpPr>
+        <p:spPr>
+          <a:xfrm rot="16200000" flipH="1">
+            <a:off x="5040497" y="-19782606"/>
+            <a:ext cx="598166" cy="9152675"/>
+          </a:xfrm>
+          <a:prstGeom prst="curvedConnector3">
+            <a:avLst>
+              <a:gd name="adj1" fmla="val 50000"/>
+            </a:avLst>
+          </a:prstGeom>
+          <a:ln w="12700">
+            <a:solidFill>
+              <a:schemeClr val="tx1"/>
+            </a:solidFill>
+          </a:ln>
+        </p:spPr>
+        <p:style>
+          <a:lnRef idx="1">
+            <a:schemeClr val="accent1"/>
+          </a:lnRef>
+          <a:fillRef idx="0">
+            <a:schemeClr val="accent1"/>
+          </a:fillRef>
+          <a:effectRef idx="0">
+            <a:schemeClr val="accent1"/>
+          </a:effectRef>
+          <a:fontRef idx="minor">
+            <a:schemeClr val="tx1"/>
+          </a:fontRef>
+        </p:style>
+      </p:cxnSp>
+      <p:sp>
+        <p:nvSpPr>
+          <p:cNvPr id="10" name="TextBox 9">
+            <a:extLst>
+              <a:ext uri="{FF2B5EF4-FFF2-40B4-BE49-F238E27FC236}">
+                <a16:creationId xmlns:a16="http://schemas.microsoft.com/office/drawing/2014/main" id="{F908469E-1293-8F78-F0A2-4C06D939D4AD}"/>
+              </a:ext>
+            </a:extLst>
+          </p:cNvPr>
+          <p:cNvSpPr txBox="1"/>
+          <p:nvPr/>
+        </p:nvSpPr>
+        <p:spPr>
+          <a:xfrm>
+            <a:off x="4452263" y="-13278158"/>
+            <a:ext cx="5592154" cy="1077218"/>
+          </a:xfrm>
+          <a:prstGeom prst="rect">
+            <a:avLst/>
+          </a:prstGeom>
+          <a:noFill/>
+        </p:spPr>
+        <p:txBody>
+          <a:bodyPr wrap="square" rtlCol="0">
+            <a:spAutoFit/>
+          </a:bodyPr>
+          <a:lstStyle/>
+          <a:p>
+            <a:pPr algn="ctr"/>
+            <a:r>
+              <a:rPr kumimoji="1" lang="en-US" altLang="ko-Kore-KR" sz="3200"/>
+              <a:t>If the application uses too much cores, it will waste CPU cycles</a:t>
+            </a:r>
+            <a:endParaRPr kumimoji="1" lang="ko-Kore-KR" altLang="en-US" sz="3200"/>
+          </a:p>
+        </p:txBody>
+      </p:sp>
+      <p:sp>
+        <p:nvSpPr>
+          <p:cNvPr id="11" name="TextBox 10">
+            <a:extLst>
+              <a:ext uri="{FF2B5EF4-FFF2-40B4-BE49-F238E27FC236}">
+                <a16:creationId xmlns:a16="http://schemas.microsoft.com/office/drawing/2014/main" id="{065ED208-3C9E-B5D1-510F-B4CC2F4DCEF6}"/>
+              </a:ext>
+            </a:extLst>
+          </p:cNvPr>
+          <p:cNvSpPr txBox="1"/>
+          <p:nvPr/>
+        </p:nvSpPr>
+        <p:spPr>
+          <a:xfrm>
+            <a:off x="10448357" y="-13303905"/>
+            <a:ext cx="5707350" cy="1077218"/>
+          </a:xfrm>
+          <a:prstGeom prst="rect">
+            <a:avLst/>
+          </a:prstGeom>
+          <a:noFill/>
+        </p:spPr>
+        <p:txBody>
+          <a:bodyPr wrap="square" rtlCol="0">
+            <a:spAutoFit/>
+          </a:bodyPr>
+          <a:lstStyle/>
+          <a:p>
+            <a:pPr algn="ctr"/>
+            <a:r>
+              <a:rPr kumimoji="1" lang="en-US" altLang="ko-Kore-KR" sz="3200"/>
+              <a:t>If the application uses too few cores, it will cause delay</a:t>
+            </a:r>
+            <a:endParaRPr kumimoji="1" lang="ko-Kore-KR" altLang="en-US" sz="3200"/>
+          </a:p>
+        </p:txBody>
+      </p:sp>
+      <p:sp>
+        <p:nvSpPr>
+          <p:cNvPr id="15" name="타원 14">
+            <a:extLst>
+              <a:ext uri="{FF2B5EF4-FFF2-40B4-BE49-F238E27FC236}">
+                <a16:creationId xmlns:a16="http://schemas.microsoft.com/office/drawing/2014/main" id="{05AD6D1F-801B-C907-FA0B-3E4FB0B9EC42}"/>
+              </a:ext>
+            </a:extLst>
+          </p:cNvPr>
+          <p:cNvSpPr/>
+          <p:nvPr/>
+        </p:nvSpPr>
+        <p:spPr>
+          <a:xfrm>
+            <a:off x="4252452" y="-13663555"/>
+            <a:ext cx="5907161" cy="1796519"/>
+          </a:xfrm>
+          <a:prstGeom prst="ellipse">
+            <a:avLst/>
+          </a:prstGeom>
+          <a:noFill/>
+          <a:ln w="19050">
+            <a:solidFill>
+              <a:schemeClr val="tx1"/>
+            </a:solidFill>
+          </a:ln>
+        </p:spPr>
+        <p:style>
+          <a:lnRef idx="2">
+            <a:schemeClr val="accent1">
+              <a:shade val="15000"/>
+            </a:schemeClr>
+          </a:lnRef>
+          <a:fillRef idx="1">
+            <a:schemeClr val="accent1"/>
+          </a:fillRef>
+          <a:effectRef idx="0">
+            <a:schemeClr val="accent1"/>
+          </a:effectRef>
+          <a:fontRef idx="minor">
+            <a:schemeClr val="lt1"/>
+          </a:fontRef>
+        </p:style>
+        <p:txBody>
+          <a:bodyPr rtlCol="0" anchor="ctr"/>
+          <a:lstStyle/>
+          <a:p>
+            <a:pPr algn="ctr"/>
+            <a:endParaRPr kumimoji="1" lang="ko-Kore-KR" altLang="en-US"/>
+          </a:p>
+        </p:txBody>
+      </p:sp>
+      <p:sp>
+        <p:nvSpPr>
+          <p:cNvPr id="16" name="타원 15">
+            <a:extLst>
+              <a:ext uri="{FF2B5EF4-FFF2-40B4-BE49-F238E27FC236}">
+                <a16:creationId xmlns:a16="http://schemas.microsoft.com/office/drawing/2014/main" id="{A938BDA0-F266-294A-6596-6C420D8C2715}"/>
+              </a:ext>
+            </a:extLst>
+          </p:cNvPr>
+          <p:cNvSpPr/>
+          <p:nvPr/>
+        </p:nvSpPr>
+        <p:spPr>
+          <a:xfrm>
+            <a:off x="10348452" y="-13732868"/>
+            <a:ext cx="5907161" cy="1796519"/>
+          </a:xfrm>
+          <a:prstGeom prst="ellipse">
+            <a:avLst/>
+          </a:prstGeom>
+          <a:noFill/>
+          <a:ln w="19050">
+            <a:solidFill>
+              <a:schemeClr val="tx1"/>
+            </a:solidFill>
+          </a:ln>
+        </p:spPr>
+        <p:style>
+          <a:lnRef idx="2">
+            <a:schemeClr val="accent1">
+              <a:shade val="15000"/>
+            </a:schemeClr>
+          </a:lnRef>
+          <a:fillRef idx="1">
+            <a:schemeClr val="accent1"/>
+          </a:fillRef>
+          <a:effectRef idx="0">
+            <a:schemeClr val="accent1"/>
+          </a:effectRef>
+          <a:fontRef idx="minor">
+            <a:schemeClr val="lt1"/>
+          </a:fontRef>
+        </p:style>
+        <p:txBody>
+          <a:bodyPr rtlCol="0" anchor="ctr"/>
+          <a:lstStyle/>
+          <a:p>
+            <a:pPr algn="ctr"/>
+            <a:endParaRPr kumimoji="1" lang="ko-Kore-KR" altLang="en-US"/>
+          </a:p>
+        </p:txBody>
+      </p:sp>
+      <p:cxnSp>
+        <p:nvCxnSpPr>
+          <p:cNvPr id="17" name="구부러진 연결선[U] 16">
+            <a:extLst>
+              <a:ext uri="{FF2B5EF4-FFF2-40B4-BE49-F238E27FC236}">
+                <a16:creationId xmlns:a16="http://schemas.microsoft.com/office/drawing/2014/main" id="{38D8624E-CF21-0480-850B-C0E82652C146}"/>
+              </a:ext>
+            </a:extLst>
+          </p:cNvPr>
+          <p:cNvCxnSpPr>
+            <a:cxnSpLocks/>
+            <a:stCxn id="13" idx="4"/>
+            <a:endCxn id="15" idx="0"/>
+          </p:cNvCxnSpPr>
+          <p:nvPr/>
+        </p:nvCxnSpPr>
+        <p:spPr>
+          <a:xfrm rot="5400000">
+            <a:off x="8421945" y="-15157528"/>
+            <a:ext cx="278062" cy="2709885"/>
+          </a:xfrm>
+          <a:prstGeom prst="curvedConnector3">
+            <a:avLst>
+              <a:gd name="adj1" fmla="val 50000"/>
+            </a:avLst>
+          </a:prstGeom>
+          <a:ln w="12700">
+            <a:solidFill>
+              <a:schemeClr val="tx1"/>
+            </a:solidFill>
+          </a:ln>
+        </p:spPr>
+        <p:style>
+          <a:lnRef idx="1">
+            <a:schemeClr val="accent1"/>
+          </a:lnRef>
+          <a:fillRef idx="0">
+            <a:schemeClr val="accent1"/>
+          </a:fillRef>
+          <a:effectRef idx="0">
+            <a:schemeClr val="accent1"/>
+          </a:effectRef>
+          <a:fontRef idx="minor">
+            <a:schemeClr val="tx1"/>
+          </a:fontRef>
+        </p:style>
+      </p:cxnSp>
+      <p:cxnSp>
+        <p:nvCxnSpPr>
+          <p:cNvPr id="20" name="구부러진 연결선[U] 19">
+            <a:extLst>
+              <a:ext uri="{FF2B5EF4-FFF2-40B4-BE49-F238E27FC236}">
+                <a16:creationId xmlns:a16="http://schemas.microsoft.com/office/drawing/2014/main" id="{D6071B32-0863-BC50-8603-65EEABE02864}"/>
+              </a:ext>
+            </a:extLst>
+          </p:cNvPr>
+          <p:cNvCxnSpPr>
+            <a:cxnSpLocks/>
+            <a:stCxn id="13" idx="4"/>
+            <a:endCxn id="16" idx="0"/>
+          </p:cNvCxnSpPr>
+          <p:nvPr/>
+        </p:nvCxnSpPr>
+        <p:spPr>
+          <a:xfrm rot="16200000" flipH="1">
+            <a:off x="11504601" y="-15530301"/>
+            <a:ext cx="208749" cy="3386115"/>
+          </a:xfrm>
+          <a:prstGeom prst="curvedConnector3">
+            <a:avLst>
+              <a:gd name="adj1" fmla="val 50000"/>
+            </a:avLst>
+          </a:prstGeom>
+          <a:ln w="12700">
+            <a:solidFill>
+              <a:schemeClr val="tx1"/>
+            </a:solidFill>
+          </a:ln>
+        </p:spPr>
+        <p:style>
+          <a:lnRef idx="1">
+            <a:schemeClr val="accent1"/>
+          </a:lnRef>
+          <a:fillRef idx="0">
+            <a:schemeClr val="accent1"/>
+          </a:fillRef>
+          <a:effectRef idx="0">
+            <a:schemeClr val="accent1"/>
+          </a:effectRef>
+          <a:fontRef idx="minor">
+            <a:schemeClr val="tx1"/>
+          </a:fontRef>
+        </p:style>
+      </p:cxnSp>
+      <p:sp>
+        <p:nvSpPr>
+          <p:cNvPr id="21" name="TextBox 20">
+            <a:extLst>
+              <a:ext uri="{FF2B5EF4-FFF2-40B4-BE49-F238E27FC236}">
+                <a16:creationId xmlns:a16="http://schemas.microsoft.com/office/drawing/2014/main" id="{6C214EB7-1BCB-DC08-AD57-9E922398FFDF}"/>
+              </a:ext>
+            </a:extLst>
+          </p:cNvPr>
+          <p:cNvSpPr txBox="1"/>
+          <p:nvPr/>
+        </p:nvSpPr>
+        <p:spPr>
+          <a:xfrm>
+            <a:off x="-5673884" y="-15002905"/>
+            <a:ext cx="6862024" cy="1077218"/>
+          </a:xfrm>
+          <a:prstGeom prst="rect">
+            <a:avLst/>
+          </a:prstGeom>
+          <a:noFill/>
+        </p:spPr>
+        <p:txBody>
+          <a:bodyPr wrap="square" rtlCol="0">
+            <a:spAutoFit/>
+          </a:bodyPr>
+          <a:lstStyle/>
+          <a:p>
+            <a:pPr algn="ctr"/>
+            <a:r>
+              <a:rPr kumimoji="1" lang="en-US" altLang="ko-Kore-KR" sz="3200"/>
+              <a:t>What is Shenango’s insight distinguished from previous works?</a:t>
+            </a:r>
+            <a:endParaRPr kumimoji="1" lang="ko-Kore-KR" altLang="en-US" sz="3200"/>
+          </a:p>
+        </p:txBody>
+      </p:sp>
+      <p:sp>
+        <p:nvSpPr>
+          <p:cNvPr id="25" name="타원 24">
+            <a:extLst>
+              <a:ext uri="{FF2B5EF4-FFF2-40B4-BE49-F238E27FC236}">
+                <a16:creationId xmlns:a16="http://schemas.microsoft.com/office/drawing/2014/main" id="{AF155A50-3475-5EBC-153C-EBF4192CD4F6}"/>
+              </a:ext>
+            </a:extLst>
+          </p:cNvPr>
+          <p:cNvSpPr/>
+          <p:nvPr/>
+        </p:nvSpPr>
+        <p:spPr>
+          <a:xfrm>
+            <a:off x="-5923748" y="-15293287"/>
+            <a:ext cx="7111888" cy="1796518"/>
+          </a:xfrm>
+          <a:prstGeom prst="ellipse">
+            <a:avLst/>
+          </a:prstGeom>
+          <a:noFill/>
+          <a:ln w="19050">
+            <a:solidFill>
+              <a:schemeClr val="tx1"/>
+            </a:solidFill>
+          </a:ln>
+        </p:spPr>
+        <p:style>
+          <a:lnRef idx="2">
+            <a:schemeClr val="accent1">
+              <a:shade val="15000"/>
+            </a:schemeClr>
+          </a:lnRef>
+          <a:fillRef idx="1">
+            <a:schemeClr val="accent1"/>
+          </a:fillRef>
+          <a:effectRef idx="0">
+            <a:schemeClr val="accent1"/>
+          </a:effectRef>
+          <a:fontRef idx="minor">
+            <a:schemeClr val="lt1"/>
+          </a:fontRef>
+        </p:style>
+        <p:txBody>
+          <a:bodyPr rtlCol="0" anchor="ctr"/>
+          <a:lstStyle/>
+          <a:p>
+            <a:pPr algn="ctr"/>
+            <a:endParaRPr kumimoji="1" lang="ko-Kore-KR" altLang="en-US"/>
+          </a:p>
+        </p:txBody>
+      </p:sp>
+      <p:cxnSp>
+        <p:nvCxnSpPr>
+          <p:cNvPr id="26" name="구부러진 연결선[U] 25">
+            <a:extLst>
+              <a:ext uri="{FF2B5EF4-FFF2-40B4-BE49-F238E27FC236}">
+                <a16:creationId xmlns:a16="http://schemas.microsoft.com/office/drawing/2014/main" id="{9788D089-2925-B5FE-DFBA-A907B31A78E0}"/>
+              </a:ext>
+            </a:extLst>
+          </p:cNvPr>
+          <p:cNvCxnSpPr>
+            <a:cxnSpLocks/>
+            <a:stCxn id="8" idx="4"/>
+            <a:endCxn id="25" idx="0"/>
+          </p:cNvCxnSpPr>
+          <p:nvPr/>
+        </p:nvCxnSpPr>
+        <p:spPr>
+          <a:xfrm rot="5400000">
+            <a:off x="-908312" y="-16964842"/>
+            <a:ext cx="212064" cy="3131047"/>
+          </a:xfrm>
+          <a:prstGeom prst="curvedConnector3">
+            <a:avLst>
+              <a:gd name="adj1" fmla="val 50000"/>
+            </a:avLst>
+          </a:prstGeom>
+          <a:ln w="12700">
+            <a:solidFill>
+              <a:schemeClr val="tx1"/>
+            </a:solidFill>
+          </a:ln>
+        </p:spPr>
+        <p:style>
+          <a:lnRef idx="1">
+            <a:schemeClr val="accent1"/>
+          </a:lnRef>
+          <a:fillRef idx="0">
+            <a:schemeClr val="accent1"/>
+          </a:fillRef>
+          <a:effectRef idx="0">
+            <a:schemeClr val="accent1"/>
+          </a:effectRef>
+          <a:fontRef idx="minor">
+            <a:schemeClr val="tx1"/>
+          </a:fontRef>
+        </p:style>
+      </p:cxnSp>
+      <p:sp>
+        <p:nvSpPr>
+          <p:cNvPr id="18" name="TextBox 17">
+            <a:extLst>
+              <a:ext uri="{FF2B5EF4-FFF2-40B4-BE49-F238E27FC236}">
+                <a16:creationId xmlns:a16="http://schemas.microsoft.com/office/drawing/2014/main" id="{2CB89DDB-47EA-13F7-7D30-CBE31325028B}"/>
+              </a:ext>
+            </a:extLst>
+          </p:cNvPr>
+          <p:cNvSpPr txBox="1"/>
+          <p:nvPr/>
+        </p:nvSpPr>
+        <p:spPr>
+          <a:xfrm>
+            <a:off x="-5923748" y="-12898602"/>
+            <a:ext cx="6862024" cy="584775"/>
+          </a:xfrm>
+          <a:prstGeom prst="rect">
+            <a:avLst/>
+          </a:prstGeom>
+          <a:noFill/>
+        </p:spPr>
+        <p:txBody>
+          <a:bodyPr wrap="square" rtlCol="0">
+            <a:spAutoFit/>
+          </a:bodyPr>
+          <a:lstStyle/>
+          <a:p>
+            <a:pPr algn="ctr"/>
+            <a:r>
+              <a:rPr kumimoji="1" lang="en-US" altLang="ko-Kore-KR" sz="3200"/>
+              <a:t>What is a previous work?</a:t>
+            </a:r>
+            <a:endParaRPr kumimoji="1" lang="ko-Kore-KR" altLang="en-US" sz="3200"/>
+          </a:p>
+        </p:txBody>
+      </p:sp>
+      <p:sp>
+        <p:nvSpPr>
+          <p:cNvPr id="19" name="TextBox 18">
+            <a:extLst>
+              <a:ext uri="{FF2B5EF4-FFF2-40B4-BE49-F238E27FC236}">
+                <a16:creationId xmlns:a16="http://schemas.microsoft.com/office/drawing/2014/main" id="{3A441F01-4571-C4F2-8420-4D1309A55EC8}"/>
+              </a:ext>
+            </a:extLst>
+          </p:cNvPr>
+          <p:cNvSpPr txBox="1"/>
+          <p:nvPr/>
+        </p:nvSpPr>
+        <p:spPr>
+          <a:xfrm>
+            <a:off x="-6265563" y="-11333716"/>
+            <a:ext cx="6862024" cy="584775"/>
+          </a:xfrm>
+          <a:prstGeom prst="rect">
+            <a:avLst/>
+          </a:prstGeom>
+          <a:noFill/>
+        </p:spPr>
+        <p:txBody>
+          <a:bodyPr wrap="square" rtlCol="0">
+            <a:spAutoFit/>
+          </a:bodyPr>
+          <a:lstStyle/>
+          <a:p>
+            <a:pPr algn="ctr"/>
+            <a:r>
+              <a:rPr kumimoji="1" lang="en-US" altLang="ko-Kore-KR" sz="3200"/>
+              <a:t>Arachne (OSDI’18)</a:t>
+            </a:r>
+            <a:endParaRPr kumimoji="1" lang="ko-Kore-KR" altLang="en-US" sz="3200"/>
+          </a:p>
+        </p:txBody>
+      </p:sp>
+      <p:sp>
+        <p:nvSpPr>
+          <p:cNvPr id="22" name="타원 21">
+            <a:extLst>
+              <a:ext uri="{FF2B5EF4-FFF2-40B4-BE49-F238E27FC236}">
+                <a16:creationId xmlns:a16="http://schemas.microsoft.com/office/drawing/2014/main" id="{85A56460-7532-DB7A-7F49-F8B5B766BA15}"/>
+              </a:ext>
+            </a:extLst>
+          </p:cNvPr>
+          <p:cNvSpPr/>
+          <p:nvPr/>
+        </p:nvSpPr>
+        <p:spPr>
+          <a:xfrm>
+            <a:off x="-4976060" y="-13155931"/>
+            <a:ext cx="4964858" cy="1184105"/>
+          </a:xfrm>
+          <a:prstGeom prst="ellipse">
+            <a:avLst/>
+          </a:prstGeom>
+          <a:noFill/>
+          <a:ln w="19050">
+            <a:solidFill>
+              <a:schemeClr val="tx1"/>
+            </a:solidFill>
+          </a:ln>
+        </p:spPr>
+        <p:style>
+          <a:lnRef idx="2">
+            <a:schemeClr val="accent1">
+              <a:shade val="15000"/>
+            </a:schemeClr>
+          </a:lnRef>
+          <a:fillRef idx="1">
+            <a:schemeClr val="accent1"/>
+          </a:fillRef>
+          <a:effectRef idx="0">
+            <a:schemeClr val="accent1"/>
+          </a:effectRef>
+          <a:fontRef idx="minor">
+            <a:schemeClr val="lt1"/>
+          </a:fontRef>
+        </p:style>
+        <p:txBody>
+          <a:bodyPr rtlCol="0" anchor="ctr"/>
+          <a:lstStyle/>
+          <a:p>
+            <a:pPr algn="ctr"/>
+            <a:endParaRPr kumimoji="1" lang="ko-Kore-KR" altLang="en-US"/>
+          </a:p>
+        </p:txBody>
+      </p:sp>
+      <p:sp>
+        <p:nvSpPr>
+          <p:cNvPr id="23" name="타원 22">
+            <a:extLst>
+              <a:ext uri="{FF2B5EF4-FFF2-40B4-BE49-F238E27FC236}">
+                <a16:creationId xmlns:a16="http://schemas.microsoft.com/office/drawing/2014/main" id="{6BD4C979-F5F7-4911-EEC5-E1774E7B251E}"/>
+              </a:ext>
+            </a:extLst>
+          </p:cNvPr>
+          <p:cNvSpPr/>
+          <p:nvPr/>
+        </p:nvSpPr>
+        <p:spPr>
+          <a:xfrm>
+            <a:off x="-5150250" y="-11629986"/>
+            <a:ext cx="4964858" cy="1184105"/>
+          </a:xfrm>
+          <a:prstGeom prst="ellipse">
+            <a:avLst/>
+          </a:prstGeom>
+          <a:noFill/>
+          <a:ln w="19050">
+            <a:solidFill>
+              <a:schemeClr val="tx1"/>
+            </a:solidFill>
+          </a:ln>
+        </p:spPr>
+        <p:style>
+          <a:lnRef idx="2">
+            <a:schemeClr val="accent1">
+              <a:shade val="15000"/>
+            </a:schemeClr>
+          </a:lnRef>
+          <a:fillRef idx="1">
+            <a:schemeClr val="accent1"/>
+          </a:fillRef>
+          <a:effectRef idx="0">
+            <a:schemeClr val="accent1"/>
+          </a:effectRef>
+          <a:fontRef idx="minor">
+            <a:schemeClr val="lt1"/>
+          </a:fontRef>
+        </p:style>
+        <p:txBody>
+          <a:bodyPr rtlCol="0" anchor="ctr"/>
+          <a:lstStyle/>
+          <a:p>
+            <a:pPr algn="ctr"/>
+            <a:endParaRPr kumimoji="1" lang="ko-Kore-KR" altLang="en-US"/>
+          </a:p>
+        </p:txBody>
+      </p:sp>
+      <p:cxnSp>
+        <p:nvCxnSpPr>
+          <p:cNvPr id="24" name="구부러진 연결선[U] 23">
+            <a:extLst>
+              <a:ext uri="{FF2B5EF4-FFF2-40B4-BE49-F238E27FC236}">
+                <a16:creationId xmlns:a16="http://schemas.microsoft.com/office/drawing/2014/main" id="{6E1E8546-C8AA-1E6A-4622-CC3EA7BA4559}"/>
+              </a:ext>
+            </a:extLst>
+          </p:cNvPr>
+          <p:cNvCxnSpPr>
+            <a:cxnSpLocks/>
+            <a:stCxn id="25" idx="4"/>
+            <a:endCxn id="22" idx="0"/>
+          </p:cNvCxnSpPr>
+          <p:nvPr/>
+        </p:nvCxnSpPr>
+        <p:spPr>
+          <a:xfrm rot="5400000">
+            <a:off x="-2601136" y="-13389263"/>
+            <a:ext cx="340838" cy="125827"/>
+          </a:xfrm>
+          <a:prstGeom prst="curvedConnector3">
+            <a:avLst>
+              <a:gd name="adj1" fmla="val 50000"/>
+            </a:avLst>
+          </a:prstGeom>
+          <a:ln w="12700">
+            <a:solidFill>
+              <a:schemeClr val="tx1"/>
+            </a:solidFill>
+          </a:ln>
+        </p:spPr>
+        <p:style>
+          <a:lnRef idx="1">
+            <a:schemeClr val="accent1"/>
+          </a:lnRef>
+          <a:fillRef idx="0">
+            <a:schemeClr val="accent1"/>
+          </a:fillRef>
+          <a:effectRef idx="0">
+            <a:schemeClr val="accent1"/>
+          </a:effectRef>
+          <a:fontRef idx="minor">
+            <a:schemeClr val="tx1"/>
+          </a:fontRef>
+        </p:style>
+      </p:cxnSp>
+      <p:cxnSp>
+        <p:nvCxnSpPr>
+          <p:cNvPr id="29" name="구부러진 연결선[U] 28">
+            <a:extLst>
+              <a:ext uri="{FF2B5EF4-FFF2-40B4-BE49-F238E27FC236}">
+                <a16:creationId xmlns:a16="http://schemas.microsoft.com/office/drawing/2014/main" id="{E1CC28D2-1733-434F-F1C6-4A4F1D058CA6}"/>
+              </a:ext>
+            </a:extLst>
+          </p:cNvPr>
+          <p:cNvCxnSpPr>
+            <a:cxnSpLocks/>
+            <a:stCxn id="22" idx="4"/>
+            <a:endCxn id="23" idx="0"/>
+          </p:cNvCxnSpPr>
+          <p:nvPr/>
+        </p:nvCxnSpPr>
+        <p:spPr>
+          <a:xfrm rot="5400000">
+            <a:off x="-2751646" y="-11888001"/>
+            <a:ext cx="341840" cy="174190"/>
+          </a:xfrm>
+          <a:prstGeom prst="curvedConnector3">
+            <a:avLst>
+              <a:gd name="adj1" fmla="val 50000"/>
+            </a:avLst>
+          </a:prstGeom>
+          <a:ln w="12700">
+            <a:solidFill>
+              <a:schemeClr val="tx1"/>
+            </a:solidFill>
+          </a:ln>
+        </p:spPr>
+        <p:style>
+          <a:lnRef idx="1">
+            <a:schemeClr val="accent1"/>
+          </a:lnRef>
+          <a:fillRef idx="0">
+            <a:schemeClr val="accent1"/>
+          </a:fillRef>
+          <a:effectRef idx="0">
+            <a:schemeClr val="accent1"/>
+          </a:effectRef>
+          <a:fontRef idx="minor">
+            <a:schemeClr val="tx1"/>
+          </a:fontRef>
+        </p:style>
+      </p:cxnSp>
+      <p:sp>
+        <p:nvSpPr>
+          <p:cNvPr id="34" name="타원 33">
+            <a:extLst>
+              <a:ext uri="{FF2B5EF4-FFF2-40B4-BE49-F238E27FC236}">
+                <a16:creationId xmlns:a16="http://schemas.microsoft.com/office/drawing/2014/main" id="{E66C2F18-0697-5A6F-6F0E-881E91D94575}"/>
+              </a:ext>
+            </a:extLst>
+          </p:cNvPr>
+          <p:cNvSpPr/>
+          <p:nvPr/>
+        </p:nvSpPr>
+        <p:spPr>
+          <a:xfrm>
+            <a:off x="-6909006" y="-10083572"/>
+            <a:ext cx="8097145" cy="1628962"/>
+          </a:xfrm>
+          <a:prstGeom prst="ellipse">
+            <a:avLst/>
+          </a:prstGeom>
+          <a:noFill/>
+          <a:ln w="19050">
+            <a:solidFill>
+              <a:schemeClr val="tx1"/>
+            </a:solidFill>
+          </a:ln>
+        </p:spPr>
+        <p:style>
+          <a:lnRef idx="2">
+            <a:schemeClr val="accent1">
+              <a:shade val="15000"/>
+            </a:schemeClr>
+          </a:lnRef>
+          <a:fillRef idx="1">
+            <a:schemeClr val="accent1"/>
+          </a:fillRef>
+          <a:effectRef idx="0">
+            <a:schemeClr val="accent1"/>
+          </a:effectRef>
+          <a:fontRef idx="minor">
+            <a:schemeClr val="lt1"/>
+          </a:fontRef>
+        </p:style>
+        <p:txBody>
+          <a:bodyPr rtlCol="0" anchor="ctr"/>
+          <a:lstStyle/>
+          <a:p>
+            <a:pPr algn="ctr"/>
+            <a:endParaRPr kumimoji="1" lang="ko-Kore-KR" altLang="en-US"/>
+          </a:p>
+        </p:txBody>
+      </p:sp>
+      <p:cxnSp>
+        <p:nvCxnSpPr>
+          <p:cNvPr id="35" name="구부러진 연결선[U] 34">
+            <a:extLst>
+              <a:ext uri="{FF2B5EF4-FFF2-40B4-BE49-F238E27FC236}">
+                <a16:creationId xmlns:a16="http://schemas.microsoft.com/office/drawing/2014/main" id="{9F3C5CB0-1624-4BB8-F06F-80D94F78E6C7}"/>
+              </a:ext>
+            </a:extLst>
+          </p:cNvPr>
+          <p:cNvCxnSpPr>
+            <a:cxnSpLocks/>
+            <a:stCxn id="23" idx="4"/>
+            <a:endCxn id="34" idx="0"/>
+          </p:cNvCxnSpPr>
+          <p:nvPr/>
+        </p:nvCxnSpPr>
+        <p:spPr>
+          <a:xfrm rot="5400000">
+            <a:off x="-2945281" y="-10361033"/>
+            <a:ext cx="362309" cy="192612"/>
+          </a:xfrm>
+          <a:prstGeom prst="curvedConnector3">
+            <a:avLst>
+              <a:gd name="adj1" fmla="val 50000"/>
+            </a:avLst>
+          </a:prstGeom>
+          <a:ln w="12700">
+            <a:solidFill>
+              <a:schemeClr val="tx1"/>
+            </a:solidFill>
+          </a:ln>
+        </p:spPr>
+        <p:style>
+          <a:lnRef idx="1">
+            <a:schemeClr val="accent1"/>
+          </a:lnRef>
+          <a:fillRef idx="0">
+            <a:schemeClr val="accent1"/>
+          </a:fillRef>
+          <a:effectRef idx="0">
+            <a:schemeClr val="accent1"/>
+          </a:effectRef>
+          <a:fontRef idx="minor">
+            <a:schemeClr val="tx1"/>
+          </a:fontRef>
+        </p:style>
+      </p:cxnSp>
+      <p:sp>
+        <p:nvSpPr>
+          <p:cNvPr id="28" name="TextBox 27">
+            <a:extLst>
+              <a:ext uri="{FF2B5EF4-FFF2-40B4-BE49-F238E27FC236}">
+                <a16:creationId xmlns:a16="http://schemas.microsoft.com/office/drawing/2014/main" id="{8A8E5FE0-C18B-0613-879F-D5B1BDF167E6}"/>
+              </a:ext>
+            </a:extLst>
+          </p:cNvPr>
+          <p:cNvSpPr txBox="1"/>
+          <p:nvPr/>
+        </p:nvSpPr>
+        <p:spPr>
+          <a:xfrm>
+            <a:off x="-6279188" y="-9845355"/>
+            <a:ext cx="6862024" cy="1077218"/>
+          </a:xfrm>
+          <a:prstGeom prst="rect">
+            <a:avLst/>
+          </a:prstGeom>
+          <a:noFill/>
+        </p:spPr>
+        <p:txBody>
+          <a:bodyPr wrap="square" rtlCol="0">
+            <a:spAutoFit/>
+          </a:bodyPr>
+          <a:lstStyle/>
+          <a:p>
+            <a:pPr algn="ctr"/>
+            <a:r>
+              <a:rPr kumimoji="1" lang="en-US" altLang="ko-Kore-KR" sz="3200"/>
+              <a:t>It also rebalance the number of cores based on the application’s metrics</a:t>
+            </a:r>
+            <a:endParaRPr kumimoji="1" lang="ko-Kore-KR" altLang="en-US" sz="3200"/>
+          </a:p>
+        </p:txBody>
+      </p:sp>
+      <p:sp>
+        <p:nvSpPr>
+          <p:cNvPr id="36" name="TextBox 35">
+            <a:extLst>
+              <a:ext uri="{FF2B5EF4-FFF2-40B4-BE49-F238E27FC236}">
+                <a16:creationId xmlns:a16="http://schemas.microsoft.com/office/drawing/2014/main" id="{44AEB763-917C-08B1-7075-EC027FBE0089}"/>
+              </a:ext>
+            </a:extLst>
+          </p:cNvPr>
+          <p:cNvSpPr txBox="1"/>
+          <p:nvPr/>
+        </p:nvSpPr>
+        <p:spPr>
+          <a:xfrm>
+            <a:off x="-6728597" y="-7777329"/>
+            <a:ext cx="6862024" cy="584775"/>
+          </a:xfrm>
+          <a:prstGeom prst="rect">
+            <a:avLst/>
+          </a:prstGeom>
+          <a:noFill/>
+        </p:spPr>
+        <p:txBody>
+          <a:bodyPr wrap="square" rtlCol="0">
+            <a:spAutoFit/>
+          </a:bodyPr>
+          <a:lstStyle/>
+          <a:p>
+            <a:pPr algn="ctr"/>
+            <a:r>
+              <a:rPr kumimoji="1" lang="en-US" altLang="ko-Kore-KR" sz="3200"/>
+              <a:t>Then what is a difference?</a:t>
+            </a:r>
+            <a:endParaRPr kumimoji="1" lang="ko-Kore-KR" altLang="en-US" sz="3200"/>
+          </a:p>
+        </p:txBody>
+      </p:sp>
+      <p:sp>
+        <p:nvSpPr>
+          <p:cNvPr id="37" name="타원 36">
+            <a:extLst>
+              <a:ext uri="{FF2B5EF4-FFF2-40B4-BE49-F238E27FC236}">
+                <a16:creationId xmlns:a16="http://schemas.microsoft.com/office/drawing/2014/main" id="{3726F426-45D1-14E6-7821-69C9E24C17CC}"/>
+              </a:ext>
+            </a:extLst>
+          </p:cNvPr>
+          <p:cNvSpPr/>
+          <p:nvPr/>
+        </p:nvSpPr>
+        <p:spPr>
+          <a:xfrm>
+            <a:off x="-6728597" y="-8049180"/>
+            <a:ext cx="6862024" cy="1200329"/>
+          </a:xfrm>
+          <a:prstGeom prst="ellipse">
+            <a:avLst/>
+          </a:prstGeom>
+          <a:noFill/>
+          <a:ln w="19050">
+            <a:solidFill>
+              <a:schemeClr val="tx1"/>
+            </a:solidFill>
+          </a:ln>
+        </p:spPr>
+        <p:style>
+          <a:lnRef idx="2">
+            <a:schemeClr val="accent1">
+              <a:shade val="15000"/>
+            </a:schemeClr>
+          </a:lnRef>
+          <a:fillRef idx="1">
+            <a:schemeClr val="accent1"/>
+          </a:fillRef>
+          <a:effectRef idx="0">
+            <a:schemeClr val="accent1"/>
+          </a:effectRef>
+          <a:fontRef idx="minor">
+            <a:schemeClr val="lt1"/>
+          </a:fontRef>
+        </p:style>
+        <p:txBody>
+          <a:bodyPr rtlCol="0" anchor="ctr"/>
+          <a:lstStyle/>
+          <a:p>
+            <a:pPr algn="ctr"/>
+            <a:endParaRPr kumimoji="1" lang="ko-Kore-KR" altLang="en-US"/>
+          </a:p>
+        </p:txBody>
+      </p:sp>
+      <p:cxnSp>
+        <p:nvCxnSpPr>
+          <p:cNvPr id="38" name="구부러진 연결선[U] 37">
+            <a:extLst>
+              <a:ext uri="{FF2B5EF4-FFF2-40B4-BE49-F238E27FC236}">
+                <a16:creationId xmlns:a16="http://schemas.microsoft.com/office/drawing/2014/main" id="{FDADF508-E80A-D7AD-660B-A6DFDBB8B476}"/>
+              </a:ext>
+            </a:extLst>
+          </p:cNvPr>
+          <p:cNvCxnSpPr>
+            <a:cxnSpLocks/>
+            <a:stCxn id="34" idx="4"/>
+            <a:endCxn id="37" idx="0"/>
+          </p:cNvCxnSpPr>
+          <p:nvPr/>
+        </p:nvCxnSpPr>
+        <p:spPr>
+          <a:xfrm rot="5400000">
+            <a:off x="-3281724" y="-8470471"/>
+            <a:ext cx="405430" cy="437152"/>
+          </a:xfrm>
+          <a:prstGeom prst="curvedConnector3">
+            <a:avLst>
+              <a:gd name="adj1" fmla="val 50000"/>
+            </a:avLst>
+          </a:prstGeom>
+          <a:ln w="12700">
+            <a:solidFill>
+              <a:schemeClr val="tx1"/>
+            </a:solidFill>
+          </a:ln>
+        </p:spPr>
+        <p:style>
+          <a:lnRef idx="1">
+            <a:schemeClr val="accent1"/>
+          </a:lnRef>
+          <a:fillRef idx="0">
+            <a:schemeClr val="accent1"/>
+          </a:fillRef>
+          <a:effectRef idx="0">
+            <a:schemeClr val="accent1"/>
+          </a:effectRef>
+          <a:fontRef idx="minor">
+            <a:schemeClr val="tx1"/>
+          </a:fontRef>
+        </p:style>
+      </p:cxnSp>
+      <p:sp>
+        <p:nvSpPr>
+          <p:cNvPr id="42" name="TextBox 41">
+            <a:extLst>
+              <a:ext uri="{FF2B5EF4-FFF2-40B4-BE49-F238E27FC236}">
+                <a16:creationId xmlns:a16="http://schemas.microsoft.com/office/drawing/2014/main" id="{89E7A8F7-4FF5-7BA2-1D5B-55E246533BD1}"/>
+              </a:ext>
+            </a:extLst>
+          </p:cNvPr>
+          <p:cNvSpPr txBox="1"/>
+          <p:nvPr/>
+        </p:nvSpPr>
+        <p:spPr>
+          <a:xfrm>
+            <a:off x="-7006144" y="-6388044"/>
+            <a:ext cx="6862024" cy="1077218"/>
+          </a:xfrm>
+          <a:prstGeom prst="rect">
+            <a:avLst/>
+          </a:prstGeom>
+          <a:noFill/>
+        </p:spPr>
+        <p:txBody>
+          <a:bodyPr wrap="square" rtlCol="0">
+            <a:spAutoFit/>
+          </a:bodyPr>
+          <a:lstStyle/>
+          <a:p>
+            <a:pPr algn="ctr"/>
+            <a:r>
+              <a:rPr kumimoji="1" lang="en-US" altLang="ko-Kore-KR" sz="3200"/>
+              <a:t>Shenango focused more on microsecond scale rebalancing</a:t>
+            </a:r>
+            <a:endParaRPr kumimoji="1" lang="ko-Kore-KR" altLang="en-US" sz="3200"/>
+          </a:p>
+        </p:txBody>
+      </p:sp>
+      <p:sp>
+        <p:nvSpPr>
+          <p:cNvPr id="43" name="타원 42">
+            <a:extLst>
+              <a:ext uri="{FF2B5EF4-FFF2-40B4-BE49-F238E27FC236}">
+                <a16:creationId xmlns:a16="http://schemas.microsoft.com/office/drawing/2014/main" id="{9433937D-8743-B86F-712B-1A72D47D31A3}"/>
+              </a:ext>
+            </a:extLst>
+          </p:cNvPr>
+          <p:cNvSpPr/>
+          <p:nvPr/>
+        </p:nvSpPr>
+        <p:spPr>
+          <a:xfrm>
+            <a:off x="-7304021" y="-6479563"/>
+            <a:ext cx="7617853" cy="1283630"/>
+          </a:xfrm>
+          <a:prstGeom prst="ellipse">
+            <a:avLst/>
+          </a:prstGeom>
+          <a:noFill/>
+          <a:ln w="19050">
+            <a:solidFill>
+              <a:schemeClr val="tx1"/>
+            </a:solidFill>
+          </a:ln>
+        </p:spPr>
+        <p:style>
+          <a:lnRef idx="2">
+            <a:schemeClr val="accent1">
+              <a:shade val="15000"/>
+            </a:schemeClr>
+          </a:lnRef>
+          <a:fillRef idx="1">
+            <a:schemeClr val="accent1"/>
+          </a:fillRef>
+          <a:effectRef idx="0">
+            <a:schemeClr val="accent1"/>
+          </a:effectRef>
+          <a:fontRef idx="minor">
+            <a:schemeClr val="lt1"/>
+          </a:fontRef>
+        </p:style>
+        <p:txBody>
+          <a:bodyPr rtlCol="0" anchor="ctr"/>
+          <a:lstStyle/>
+          <a:p>
+            <a:pPr algn="ctr"/>
+            <a:endParaRPr kumimoji="1" lang="ko-Kore-KR" altLang="en-US"/>
+          </a:p>
+        </p:txBody>
+      </p:sp>
+      <p:cxnSp>
+        <p:nvCxnSpPr>
+          <p:cNvPr id="44" name="구부러진 연결선[U] 43">
+            <a:extLst>
+              <a:ext uri="{FF2B5EF4-FFF2-40B4-BE49-F238E27FC236}">
+                <a16:creationId xmlns:a16="http://schemas.microsoft.com/office/drawing/2014/main" id="{15694FEA-4941-AC58-9946-44ACEFF7ED54}"/>
+              </a:ext>
+            </a:extLst>
+          </p:cNvPr>
+          <p:cNvCxnSpPr>
+            <a:cxnSpLocks/>
+            <a:stCxn id="37" idx="4"/>
+            <a:endCxn id="43" idx="0"/>
+          </p:cNvCxnSpPr>
+          <p:nvPr/>
+        </p:nvCxnSpPr>
+        <p:spPr>
+          <a:xfrm rot="5400000">
+            <a:off x="-3580983" y="-6762961"/>
+            <a:ext cx="369288" cy="197509"/>
+          </a:xfrm>
+          <a:prstGeom prst="curvedConnector3">
+            <a:avLst>
+              <a:gd name="adj1" fmla="val 50000"/>
+            </a:avLst>
+          </a:prstGeom>
+          <a:ln w="12700">
+            <a:solidFill>
+              <a:schemeClr val="tx1"/>
+            </a:solidFill>
+          </a:ln>
+        </p:spPr>
+        <p:style>
+          <a:lnRef idx="1">
+            <a:schemeClr val="accent1"/>
+          </a:lnRef>
+          <a:fillRef idx="0">
+            <a:schemeClr val="accent1"/>
+          </a:fillRef>
+          <a:effectRef idx="0">
+            <a:schemeClr val="accent1"/>
+          </a:effectRef>
+          <a:fontRef idx="minor">
+            <a:schemeClr val="tx1"/>
+          </a:fontRef>
+        </p:style>
+      </p:cxnSp>
+      <p:sp>
+        <p:nvSpPr>
+          <p:cNvPr id="27" name="TextBox 26">
+            <a:extLst>
+              <a:ext uri="{FF2B5EF4-FFF2-40B4-BE49-F238E27FC236}">
+                <a16:creationId xmlns:a16="http://schemas.microsoft.com/office/drawing/2014/main" id="{196DF2C6-3A30-E44C-C24C-D53F0DC1FF6E}"/>
+              </a:ext>
+            </a:extLst>
+          </p:cNvPr>
+          <p:cNvSpPr txBox="1"/>
+          <p:nvPr/>
+        </p:nvSpPr>
+        <p:spPr>
+          <a:xfrm>
+            <a:off x="-8581262" y="-4775330"/>
+            <a:ext cx="6862024" cy="584775"/>
+          </a:xfrm>
+          <a:prstGeom prst="rect">
+            <a:avLst/>
+          </a:prstGeom>
+          <a:noFill/>
+        </p:spPr>
+        <p:txBody>
+          <a:bodyPr wrap="square" rtlCol="0">
+            <a:spAutoFit/>
+          </a:bodyPr>
+          <a:lstStyle/>
+          <a:p>
+            <a:pPr algn="ctr"/>
+            <a:r>
+              <a:rPr kumimoji="1" lang="en-US" altLang="ko-Kore-KR" sz="3200"/>
+              <a:t>How?</a:t>
+            </a:r>
+            <a:endParaRPr kumimoji="1" lang="ko-Kore-KR" altLang="en-US" sz="3200"/>
+          </a:p>
+        </p:txBody>
+      </p:sp>
+      <p:sp>
+        <p:nvSpPr>
+          <p:cNvPr id="30" name="타원 29">
+            <a:extLst>
+              <a:ext uri="{FF2B5EF4-FFF2-40B4-BE49-F238E27FC236}">
+                <a16:creationId xmlns:a16="http://schemas.microsoft.com/office/drawing/2014/main" id="{8A4B12E6-82B5-005E-27BC-CDA4B8DC67C4}"/>
+              </a:ext>
+            </a:extLst>
+          </p:cNvPr>
+          <p:cNvSpPr/>
+          <p:nvPr/>
+        </p:nvSpPr>
+        <p:spPr>
+          <a:xfrm>
+            <a:off x="-6348492" y="-4863848"/>
+            <a:ext cx="2439038" cy="822051"/>
+          </a:xfrm>
+          <a:prstGeom prst="ellipse">
+            <a:avLst/>
+          </a:prstGeom>
+          <a:noFill/>
+          <a:ln w="19050">
+            <a:solidFill>
+              <a:schemeClr val="tx1"/>
+            </a:solidFill>
+          </a:ln>
+        </p:spPr>
+        <p:style>
+          <a:lnRef idx="2">
+            <a:schemeClr val="accent1">
+              <a:shade val="15000"/>
+            </a:schemeClr>
+          </a:lnRef>
+          <a:fillRef idx="1">
+            <a:schemeClr val="accent1"/>
+          </a:fillRef>
+          <a:effectRef idx="0">
+            <a:schemeClr val="accent1"/>
+          </a:effectRef>
+          <a:fontRef idx="minor">
+            <a:schemeClr val="lt1"/>
+          </a:fontRef>
+        </p:style>
+        <p:txBody>
+          <a:bodyPr rtlCol="0" anchor="ctr"/>
+          <a:lstStyle/>
+          <a:p>
+            <a:pPr algn="ctr"/>
+            <a:endParaRPr kumimoji="1" lang="ko-Kore-KR" altLang="en-US"/>
+          </a:p>
+        </p:txBody>
+      </p:sp>
+      <p:cxnSp>
+        <p:nvCxnSpPr>
+          <p:cNvPr id="31" name="구부러진 연결선[U] 30">
+            <a:extLst>
+              <a:ext uri="{FF2B5EF4-FFF2-40B4-BE49-F238E27FC236}">
+                <a16:creationId xmlns:a16="http://schemas.microsoft.com/office/drawing/2014/main" id="{2E324B89-2146-B200-DA42-024EB82A9F30}"/>
+              </a:ext>
+            </a:extLst>
+          </p:cNvPr>
+          <p:cNvCxnSpPr>
+            <a:cxnSpLocks/>
+            <a:stCxn id="43" idx="4"/>
+            <a:endCxn id="30" idx="0"/>
+          </p:cNvCxnSpPr>
+          <p:nvPr/>
+        </p:nvCxnSpPr>
+        <p:spPr>
+          <a:xfrm rot="5400000">
+            <a:off x="-4478075" y="-5846830"/>
+            <a:ext cx="332085" cy="1633879"/>
+          </a:xfrm>
+          <a:prstGeom prst="curvedConnector3">
+            <a:avLst>
+              <a:gd name="adj1" fmla="val 50000"/>
+            </a:avLst>
+          </a:prstGeom>
+          <a:ln w="12700">
+            <a:solidFill>
+              <a:schemeClr val="tx1"/>
+            </a:solidFill>
+          </a:ln>
+        </p:spPr>
+        <p:style>
+          <a:lnRef idx="1">
+            <a:schemeClr val="accent1"/>
+          </a:lnRef>
+          <a:fillRef idx="0">
+            <a:schemeClr val="accent1"/>
+          </a:fillRef>
+          <a:effectRef idx="0">
+            <a:schemeClr val="accent1"/>
+          </a:effectRef>
+          <a:fontRef idx="minor">
+            <a:schemeClr val="tx1"/>
+          </a:fontRef>
+        </p:style>
+      </p:cxnSp>
+      <p:sp>
+        <p:nvSpPr>
+          <p:cNvPr id="41" name="TextBox 40">
+            <a:extLst>
+              <a:ext uri="{FF2B5EF4-FFF2-40B4-BE49-F238E27FC236}">
+                <a16:creationId xmlns:a16="http://schemas.microsoft.com/office/drawing/2014/main" id="{021B6728-407F-9292-13E9-499AD312AD8F}"/>
+              </a:ext>
+            </a:extLst>
+          </p:cNvPr>
+          <p:cNvSpPr txBox="1"/>
+          <p:nvPr/>
+        </p:nvSpPr>
+        <p:spPr>
+          <a:xfrm>
+            <a:off x="-8413105" y="-3668614"/>
+            <a:ext cx="5872368" cy="584775"/>
+          </a:xfrm>
+          <a:prstGeom prst="rect">
+            <a:avLst/>
+          </a:prstGeom>
+          <a:noFill/>
+        </p:spPr>
+        <p:txBody>
+          <a:bodyPr wrap="square" rtlCol="0">
+            <a:spAutoFit/>
+          </a:bodyPr>
+          <a:lstStyle/>
+          <a:p>
+            <a:pPr algn="ctr"/>
+            <a:r>
+              <a:rPr kumimoji="1" lang="en-US" altLang="ko-Kore-KR" sz="3200"/>
+              <a:t>There are lots of tehcniques.</a:t>
+            </a:r>
+            <a:endParaRPr kumimoji="1" lang="ko-Kore-KR" altLang="en-US" sz="3200"/>
+          </a:p>
+        </p:txBody>
+      </p:sp>
+      <p:sp>
+        <p:nvSpPr>
+          <p:cNvPr id="47" name="타원 46">
+            <a:extLst>
+              <a:ext uri="{FF2B5EF4-FFF2-40B4-BE49-F238E27FC236}">
+                <a16:creationId xmlns:a16="http://schemas.microsoft.com/office/drawing/2014/main" id="{6F0D0AC1-6812-C0A1-0422-84F40D6242F0}"/>
+              </a:ext>
+            </a:extLst>
+          </p:cNvPr>
+          <p:cNvSpPr/>
+          <p:nvPr/>
+        </p:nvSpPr>
+        <p:spPr>
+          <a:xfrm>
+            <a:off x="-8309507" y="-3787253"/>
+            <a:ext cx="5872367" cy="930373"/>
+          </a:xfrm>
+          <a:prstGeom prst="ellipse">
+            <a:avLst/>
+          </a:prstGeom>
+          <a:noFill/>
+          <a:ln w="19050">
+            <a:solidFill>
+              <a:schemeClr val="tx1"/>
+            </a:solidFill>
+          </a:ln>
+        </p:spPr>
+        <p:style>
+          <a:lnRef idx="2">
+            <a:schemeClr val="accent1">
+              <a:shade val="15000"/>
+            </a:schemeClr>
+          </a:lnRef>
+          <a:fillRef idx="1">
+            <a:schemeClr val="accent1"/>
+          </a:fillRef>
+          <a:effectRef idx="0">
+            <a:schemeClr val="accent1"/>
+          </a:effectRef>
+          <a:fontRef idx="minor">
+            <a:schemeClr val="lt1"/>
+          </a:fontRef>
+        </p:style>
+        <p:txBody>
+          <a:bodyPr rtlCol="0" anchor="ctr"/>
+          <a:lstStyle/>
+          <a:p>
+            <a:pPr algn="ctr"/>
+            <a:endParaRPr kumimoji="1" lang="ko-Kore-KR" altLang="en-US"/>
+          </a:p>
+        </p:txBody>
+      </p:sp>
+      <p:cxnSp>
+        <p:nvCxnSpPr>
+          <p:cNvPr id="48" name="구부러진 연결선[U] 47">
+            <a:extLst>
+              <a:ext uri="{FF2B5EF4-FFF2-40B4-BE49-F238E27FC236}">
+                <a16:creationId xmlns:a16="http://schemas.microsoft.com/office/drawing/2014/main" id="{BB7225B0-1FF6-A56F-A3FC-414312E6FA10}"/>
+              </a:ext>
+            </a:extLst>
+          </p:cNvPr>
+          <p:cNvCxnSpPr>
+            <a:cxnSpLocks/>
+            <a:stCxn id="30" idx="4"/>
+            <a:endCxn id="47" idx="0"/>
+          </p:cNvCxnSpPr>
+          <p:nvPr/>
+        </p:nvCxnSpPr>
+        <p:spPr>
+          <a:xfrm rot="5400000">
+            <a:off x="-5378420" y="-4036700"/>
+            <a:ext cx="254544" cy="244350"/>
+          </a:xfrm>
+          <a:prstGeom prst="curvedConnector3">
+            <a:avLst>
+              <a:gd name="adj1" fmla="val 50000"/>
+            </a:avLst>
+          </a:prstGeom>
+          <a:ln w="12700">
+            <a:solidFill>
+              <a:schemeClr val="tx1"/>
+            </a:solidFill>
+          </a:ln>
+        </p:spPr>
+        <p:style>
+          <a:lnRef idx="1">
+            <a:schemeClr val="accent1"/>
+          </a:lnRef>
+          <a:fillRef idx="0">
+            <a:schemeClr val="accent1"/>
+          </a:fillRef>
+          <a:effectRef idx="0">
+            <a:schemeClr val="accent1"/>
+          </a:effectRef>
+          <a:fontRef idx="minor">
+            <a:schemeClr val="tx1"/>
+          </a:fontRef>
+        </p:style>
+      </p:cxnSp>
+      <p:sp>
+        <p:nvSpPr>
+          <p:cNvPr id="32" name="TextBox 31">
+            <a:extLst>
+              <a:ext uri="{FF2B5EF4-FFF2-40B4-BE49-F238E27FC236}">
+                <a16:creationId xmlns:a16="http://schemas.microsoft.com/office/drawing/2014/main" id="{9A5C7AE0-708C-53D7-F8B6-5C57D4C13294}"/>
+              </a:ext>
+            </a:extLst>
+          </p:cNvPr>
+          <p:cNvSpPr txBox="1"/>
+          <p:nvPr/>
+        </p:nvSpPr>
+        <p:spPr>
+          <a:xfrm>
+            <a:off x="-9271069" y="-1963491"/>
+            <a:ext cx="8333028" cy="1077218"/>
+          </a:xfrm>
+          <a:prstGeom prst="rect">
+            <a:avLst/>
+          </a:prstGeom>
+          <a:noFill/>
+        </p:spPr>
+        <p:txBody>
+          <a:bodyPr wrap="square" rtlCol="0">
+            <a:spAutoFit/>
+          </a:bodyPr>
+          <a:lstStyle/>
+          <a:p>
+            <a:pPr algn="ctr"/>
+            <a:r>
+              <a:rPr kumimoji="1" lang="en-US" altLang="ko-Kore-KR" sz="3200"/>
+              <a:t>However, one thing I would like to think more about among these is core dedicating</a:t>
+            </a:r>
+            <a:endParaRPr kumimoji="1" lang="ko-Kore-KR" altLang="en-US" sz="3200"/>
+          </a:p>
+        </p:txBody>
+      </p:sp>
+      <p:sp>
+        <p:nvSpPr>
+          <p:cNvPr id="33" name="타원 32">
+            <a:extLst>
+              <a:ext uri="{FF2B5EF4-FFF2-40B4-BE49-F238E27FC236}">
+                <a16:creationId xmlns:a16="http://schemas.microsoft.com/office/drawing/2014/main" id="{2246A85C-64C1-1AEA-8825-A486BE524085}"/>
+              </a:ext>
+            </a:extLst>
+          </p:cNvPr>
+          <p:cNvSpPr/>
+          <p:nvPr/>
+        </p:nvSpPr>
+        <p:spPr>
+          <a:xfrm>
+            <a:off x="-9546806" y="-2265660"/>
+            <a:ext cx="8877769" cy="1593380"/>
+          </a:xfrm>
+          <a:prstGeom prst="ellipse">
+            <a:avLst/>
+          </a:prstGeom>
+          <a:noFill/>
+          <a:ln w="19050">
+            <a:solidFill>
+              <a:schemeClr val="tx1"/>
+            </a:solidFill>
+          </a:ln>
+        </p:spPr>
+        <p:style>
+          <a:lnRef idx="2">
+            <a:schemeClr val="accent1">
+              <a:shade val="15000"/>
+            </a:schemeClr>
+          </a:lnRef>
+          <a:fillRef idx="1">
+            <a:schemeClr val="accent1"/>
+          </a:fillRef>
+          <a:effectRef idx="0">
+            <a:schemeClr val="accent1"/>
+          </a:effectRef>
+          <a:fontRef idx="minor">
+            <a:schemeClr val="lt1"/>
+          </a:fontRef>
+        </p:style>
+        <p:txBody>
+          <a:bodyPr rtlCol="0" anchor="ctr"/>
+          <a:lstStyle/>
+          <a:p>
+            <a:pPr algn="ctr"/>
+            <a:endParaRPr kumimoji="1" lang="ko-Kore-KR" altLang="en-US"/>
+          </a:p>
+        </p:txBody>
+      </p:sp>
+      <p:cxnSp>
+        <p:nvCxnSpPr>
+          <p:cNvPr id="39" name="구부러진 연결선[U] 38">
+            <a:extLst>
+              <a:ext uri="{FF2B5EF4-FFF2-40B4-BE49-F238E27FC236}">
+                <a16:creationId xmlns:a16="http://schemas.microsoft.com/office/drawing/2014/main" id="{8D577159-D17A-BDDF-0B8F-99955AC9DCA0}"/>
+              </a:ext>
+            </a:extLst>
+          </p:cNvPr>
+          <p:cNvCxnSpPr>
+            <a:cxnSpLocks/>
+            <a:stCxn id="47" idx="4"/>
+            <a:endCxn id="33" idx="0"/>
+          </p:cNvCxnSpPr>
+          <p:nvPr/>
+        </p:nvCxnSpPr>
+        <p:spPr>
+          <a:xfrm rot="16200000" flipH="1">
+            <a:off x="-5536232" y="-2693971"/>
+            <a:ext cx="591220" cy="265402"/>
+          </a:xfrm>
+          <a:prstGeom prst="curvedConnector3">
+            <a:avLst>
+              <a:gd name="adj1" fmla="val 50000"/>
+            </a:avLst>
+          </a:prstGeom>
+          <a:ln w="12700">
+            <a:solidFill>
+              <a:schemeClr val="tx1"/>
+            </a:solidFill>
+          </a:ln>
+        </p:spPr>
+        <p:style>
+          <a:lnRef idx="1">
+            <a:schemeClr val="accent1"/>
+          </a:lnRef>
+          <a:fillRef idx="0">
+            <a:schemeClr val="accent1"/>
+          </a:fillRef>
+          <a:effectRef idx="0">
+            <a:schemeClr val="accent1"/>
+          </a:effectRef>
+          <a:fontRef idx="minor">
+            <a:schemeClr val="tx1"/>
+          </a:fontRef>
+        </p:style>
+      </p:cxnSp>
+      <p:sp>
+        <p:nvSpPr>
+          <p:cNvPr id="40" name="TextBox 39">
+            <a:extLst>
+              <a:ext uri="{FF2B5EF4-FFF2-40B4-BE49-F238E27FC236}">
+                <a16:creationId xmlns:a16="http://schemas.microsoft.com/office/drawing/2014/main" id="{BB546239-330A-3BA5-6AE7-3CF00554334F}"/>
+              </a:ext>
+            </a:extLst>
+          </p:cNvPr>
+          <p:cNvSpPr txBox="1"/>
+          <p:nvPr/>
+        </p:nvSpPr>
+        <p:spPr>
+          <a:xfrm>
+            <a:off x="-9089149" y="-4424"/>
+            <a:ext cx="8333028" cy="1077218"/>
+          </a:xfrm>
+          <a:prstGeom prst="rect">
+            <a:avLst/>
+          </a:prstGeom>
+          <a:noFill/>
+        </p:spPr>
+        <p:txBody>
+          <a:bodyPr wrap="square" rtlCol="0">
+            <a:spAutoFit/>
+          </a:bodyPr>
+          <a:lstStyle/>
+          <a:p>
+            <a:pPr algn="ctr"/>
+            <a:r>
+              <a:rPr kumimoji="1" lang="en-US" altLang="ko-Kore-KR" sz="3200"/>
+              <a:t>I think this is a trade-off between low latency and high throughput</a:t>
+            </a:r>
+            <a:endParaRPr kumimoji="1" lang="ko-Kore-KR" altLang="en-US" sz="3200"/>
+          </a:p>
+        </p:txBody>
+      </p:sp>
+      <p:sp>
+        <p:nvSpPr>
+          <p:cNvPr id="45" name="타원 44">
+            <a:extLst>
+              <a:ext uri="{FF2B5EF4-FFF2-40B4-BE49-F238E27FC236}">
+                <a16:creationId xmlns:a16="http://schemas.microsoft.com/office/drawing/2014/main" id="{39B02667-D372-8F9A-4D79-93E3AFD85F10}"/>
+              </a:ext>
+            </a:extLst>
+          </p:cNvPr>
+          <p:cNvSpPr/>
+          <p:nvPr/>
+        </p:nvSpPr>
+        <p:spPr>
+          <a:xfrm>
+            <a:off x="-9599375" y="-526805"/>
+            <a:ext cx="9216908" cy="2019575"/>
+          </a:xfrm>
+          <a:prstGeom prst="ellipse">
+            <a:avLst/>
+          </a:prstGeom>
+          <a:noFill/>
+          <a:ln w="19050">
+            <a:solidFill>
+              <a:schemeClr val="tx1"/>
+            </a:solidFill>
+          </a:ln>
+        </p:spPr>
+        <p:style>
+          <a:lnRef idx="2">
+            <a:schemeClr val="accent1">
+              <a:shade val="15000"/>
+            </a:schemeClr>
+          </a:lnRef>
+          <a:fillRef idx="1">
+            <a:schemeClr val="accent1"/>
+          </a:fillRef>
+          <a:effectRef idx="0">
+            <a:schemeClr val="accent1"/>
+          </a:effectRef>
+          <a:fontRef idx="minor">
+            <a:schemeClr val="lt1"/>
+          </a:fontRef>
+        </p:style>
+        <p:txBody>
+          <a:bodyPr rtlCol="0" anchor="ctr"/>
+          <a:lstStyle/>
+          <a:p>
+            <a:pPr algn="ctr"/>
+            <a:endParaRPr kumimoji="1" lang="ko-Kore-KR" altLang="en-US"/>
+          </a:p>
+        </p:txBody>
+      </p:sp>
+      <p:cxnSp>
+        <p:nvCxnSpPr>
+          <p:cNvPr id="46" name="구부러진 연결선[U] 45">
+            <a:extLst>
+              <a:ext uri="{FF2B5EF4-FFF2-40B4-BE49-F238E27FC236}">
+                <a16:creationId xmlns:a16="http://schemas.microsoft.com/office/drawing/2014/main" id="{54AD135D-0FB6-8F30-3FD1-1B72BFD64B33}"/>
+              </a:ext>
+            </a:extLst>
+          </p:cNvPr>
+          <p:cNvCxnSpPr>
+            <a:cxnSpLocks/>
+            <a:stCxn id="33" idx="4"/>
+            <a:endCxn id="45" idx="0"/>
+          </p:cNvCxnSpPr>
+          <p:nvPr/>
+        </p:nvCxnSpPr>
+        <p:spPr>
+          <a:xfrm rot="16200000" flipH="1">
+            <a:off x="-5122158" y="-658043"/>
+            <a:ext cx="145475" cy="117000"/>
+          </a:xfrm>
+          <a:prstGeom prst="curvedConnector3">
+            <a:avLst>
+              <a:gd name="adj1" fmla="val 50000"/>
+            </a:avLst>
+          </a:prstGeom>
+          <a:ln w="12700">
+            <a:solidFill>
+              <a:schemeClr val="tx1"/>
+            </a:solidFill>
+          </a:ln>
+        </p:spPr>
+        <p:style>
+          <a:lnRef idx="1">
+            <a:schemeClr val="accent1"/>
+          </a:lnRef>
+          <a:fillRef idx="0">
+            <a:schemeClr val="accent1"/>
+          </a:fillRef>
+          <a:effectRef idx="0">
+            <a:schemeClr val="accent1"/>
+          </a:effectRef>
+          <a:fontRef idx="minor">
+            <a:schemeClr val="tx1"/>
+          </a:fontRef>
+        </p:style>
+      </p:cxnSp>
+      <p:sp>
+        <p:nvSpPr>
+          <p:cNvPr id="49" name="TextBox 48">
+            <a:extLst>
+              <a:ext uri="{FF2B5EF4-FFF2-40B4-BE49-F238E27FC236}">
+                <a16:creationId xmlns:a16="http://schemas.microsoft.com/office/drawing/2014/main" id="{8E1950E6-02D7-116D-C7A7-737DBA88D945}"/>
+              </a:ext>
+            </a:extLst>
+          </p:cNvPr>
+          <p:cNvSpPr txBox="1"/>
+          <p:nvPr/>
+        </p:nvSpPr>
+        <p:spPr>
+          <a:xfrm>
+            <a:off x="-11687335" y="2677013"/>
+            <a:ext cx="8333028" cy="1077218"/>
+          </a:xfrm>
+          <a:prstGeom prst="rect">
+            <a:avLst/>
+          </a:prstGeom>
+          <a:noFill/>
+        </p:spPr>
+        <p:txBody>
+          <a:bodyPr wrap="square" rtlCol="0">
+            <a:spAutoFit/>
+          </a:bodyPr>
+          <a:lstStyle/>
+          <a:p>
+            <a:pPr algn="ctr"/>
+            <a:r>
+              <a:rPr kumimoji="1" lang="en-US" altLang="ko-Kore-KR" sz="3200"/>
+              <a:t>Does core dedicating always gurantee microsecond rebalancing?</a:t>
+            </a:r>
+            <a:endParaRPr kumimoji="1" lang="ko-Kore-KR" altLang="en-US" sz="3200"/>
+          </a:p>
+        </p:txBody>
+      </p:sp>
+      <p:sp>
+        <p:nvSpPr>
+          <p:cNvPr id="50" name="TextBox 49">
+            <a:extLst>
+              <a:ext uri="{FF2B5EF4-FFF2-40B4-BE49-F238E27FC236}">
+                <a16:creationId xmlns:a16="http://schemas.microsoft.com/office/drawing/2014/main" id="{669E76CE-5417-1003-F528-AD116461168B}"/>
+              </a:ext>
+            </a:extLst>
+          </p:cNvPr>
+          <p:cNvSpPr txBox="1"/>
+          <p:nvPr/>
+        </p:nvSpPr>
+        <p:spPr>
+          <a:xfrm>
+            <a:off x="-8904889" y="3900793"/>
+            <a:ext cx="8333028" cy="584775"/>
+          </a:xfrm>
+          <a:prstGeom prst="rect">
+            <a:avLst/>
+          </a:prstGeom>
+          <a:noFill/>
+        </p:spPr>
+        <p:txBody>
+          <a:bodyPr wrap="square" rtlCol="0">
+            <a:spAutoFit/>
+          </a:bodyPr>
+          <a:lstStyle/>
+          <a:p>
+            <a:pPr algn="ctr"/>
+            <a:r>
+              <a:rPr kumimoji="1" lang="en-US" altLang="ko-Kore-KR" sz="3200"/>
+              <a:t>What if there are 1000 cores to rebalancing?</a:t>
+            </a:r>
+            <a:endParaRPr kumimoji="1" lang="ko-Kore-KR" altLang="en-US" sz="3200"/>
+          </a:p>
+        </p:txBody>
+      </p:sp>
+      <p:sp>
+        <p:nvSpPr>
+          <p:cNvPr id="51" name="TextBox 50">
+            <a:extLst>
+              <a:ext uri="{FF2B5EF4-FFF2-40B4-BE49-F238E27FC236}">
+                <a16:creationId xmlns:a16="http://schemas.microsoft.com/office/drawing/2014/main" id="{54E550B4-322C-F24B-8FE2-627C85271011}"/>
+              </a:ext>
+            </a:extLst>
+          </p:cNvPr>
+          <p:cNvSpPr txBox="1"/>
+          <p:nvPr/>
+        </p:nvSpPr>
+        <p:spPr>
+          <a:xfrm>
+            <a:off x="-13052820" y="4432319"/>
+            <a:ext cx="8333028" cy="584775"/>
+          </a:xfrm>
+          <a:prstGeom prst="rect">
+            <a:avLst/>
+          </a:prstGeom>
+          <a:noFill/>
+        </p:spPr>
+        <p:txBody>
+          <a:bodyPr wrap="square" rtlCol="0">
+            <a:spAutoFit/>
+          </a:bodyPr>
+          <a:lstStyle/>
+          <a:p>
+            <a:pPr algn="ctr"/>
+            <a:r>
+              <a:rPr kumimoji="1" lang="en-US" altLang="ko-Kore-KR" sz="3200"/>
+              <a:t>interrupt vs polling?</a:t>
+            </a:r>
+            <a:endParaRPr kumimoji="1" lang="ko-Kore-KR" altLang="en-US" sz="3200"/>
+          </a:p>
+        </p:txBody>
+      </p:sp>
+      <p:sp>
+        <p:nvSpPr>
+          <p:cNvPr id="52" name="TextBox 51">
+            <a:extLst>
+              <a:ext uri="{FF2B5EF4-FFF2-40B4-BE49-F238E27FC236}">
+                <a16:creationId xmlns:a16="http://schemas.microsoft.com/office/drawing/2014/main" id="{82C17611-B094-0785-FA44-9D87EA515EC7}"/>
+              </a:ext>
+            </a:extLst>
+          </p:cNvPr>
+          <p:cNvSpPr txBox="1"/>
+          <p:nvPr/>
+        </p:nvSpPr>
+        <p:spPr>
+          <a:xfrm>
+            <a:off x="-8779957" y="4767950"/>
+            <a:ext cx="8333028" cy="584775"/>
+          </a:xfrm>
+          <a:prstGeom prst="rect">
+            <a:avLst/>
+          </a:prstGeom>
+          <a:noFill/>
+        </p:spPr>
+        <p:txBody>
+          <a:bodyPr wrap="square" rtlCol="0">
+            <a:spAutoFit/>
+          </a:bodyPr>
+          <a:lstStyle/>
+          <a:p>
+            <a:pPr algn="ctr"/>
+            <a:r>
+              <a:rPr kumimoji="1" lang="en-US" altLang="ko-Kore-KR" sz="3200"/>
+              <a:t>per-cpu vs dedicating?</a:t>
+            </a:r>
+            <a:endParaRPr kumimoji="1" lang="ko-Kore-KR" altLang="en-US" sz="3200"/>
+          </a:p>
+        </p:txBody>
+      </p:sp>
+      <p:sp>
+        <p:nvSpPr>
+          <p:cNvPr id="53" name="타원 52">
+            <a:extLst>
+              <a:ext uri="{FF2B5EF4-FFF2-40B4-BE49-F238E27FC236}">
+                <a16:creationId xmlns:a16="http://schemas.microsoft.com/office/drawing/2014/main" id="{194DB76C-A7D6-650F-1888-0B47950A228A}"/>
+              </a:ext>
+            </a:extLst>
+          </p:cNvPr>
+          <p:cNvSpPr/>
+          <p:nvPr/>
+        </p:nvSpPr>
+        <p:spPr>
+          <a:xfrm>
+            <a:off x="-12148612" y="2042407"/>
+            <a:ext cx="11738848" cy="3966452"/>
+          </a:xfrm>
+          <a:prstGeom prst="ellipse">
+            <a:avLst/>
+          </a:prstGeom>
+          <a:noFill/>
+          <a:ln w="19050">
+            <a:solidFill>
+              <a:schemeClr val="tx1"/>
+            </a:solidFill>
+          </a:ln>
+        </p:spPr>
+        <p:style>
+          <a:lnRef idx="2">
+            <a:schemeClr val="accent1">
+              <a:shade val="15000"/>
+            </a:schemeClr>
+          </a:lnRef>
+          <a:fillRef idx="1">
+            <a:schemeClr val="accent1"/>
+          </a:fillRef>
+          <a:effectRef idx="0">
+            <a:schemeClr val="accent1"/>
+          </a:effectRef>
+          <a:fontRef idx="minor">
+            <a:schemeClr val="lt1"/>
+          </a:fontRef>
+        </p:style>
+        <p:txBody>
+          <a:bodyPr rtlCol="0" anchor="ctr"/>
+          <a:lstStyle/>
+          <a:p>
+            <a:pPr algn="ctr"/>
+            <a:endParaRPr kumimoji="1" lang="ko-Kore-KR" altLang="en-US"/>
+          </a:p>
+        </p:txBody>
+      </p:sp>
+      <p:cxnSp>
+        <p:nvCxnSpPr>
+          <p:cNvPr id="54" name="구부러진 연결선[U] 53">
+            <a:extLst>
+              <a:ext uri="{FF2B5EF4-FFF2-40B4-BE49-F238E27FC236}">
+                <a16:creationId xmlns:a16="http://schemas.microsoft.com/office/drawing/2014/main" id="{7B60535D-11DA-06F7-B589-71297DCAC60A}"/>
+              </a:ext>
+            </a:extLst>
+          </p:cNvPr>
+          <p:cNvCxnSpPr>
+            <a:cxnSpLocks/>
+            <a:stCxn id="45" idx="4"/>
+            <a:endCxn id="53" idx="0"/>
+          </p:cNvCxnSpPr>
+          <p:nvPr/>
+        </p:nvCxnSpPr>
+        <p:spPr>
+          <a:xfrm rot="5400000">
+            <a:off x="-5909872" y="1123455"/>
+            <a:ext cx="549637" cy="1288267"/>
+          </a:xfrm>
+          <a:prstGeom prst="curvedConnector3">
+            <a:avLst>
+              <a:gd name="adj1" fmla="val 50000"/>
+            </a:avLst>
+          </a:prstGeom>
+          <a:ln w="12700">
+            <a:solidFill>
+              <a:schemeClr val="tx1"/>
+            </a:solidFill>
+          </a:ln>
+        </p:spPr>
+        <p:style>
+          <a:lnRef idx="1">
+            <a:schemeClr val="accent1"/>
+          </a:lnRef>
+          <a:fillRef idx="0">
+            <a:schemeClr val="accent1"/>
+          </a:fillRef>
+          <a:effectRef idx="0">
+            <a:schemeClr val="accent1"/>
+          </a:effectRef>
+          <a:fontRef idx="minor">
+            <a:schemeClr val="tx1"/>
+          </a:fontRef>
+        </p:style>
+      </p:cxnSp>
+      <p:sp>
+        <p:nvSpPr>
+          <p:cNvPr id="55" name="TextBox 54">
+            <a:extLst>
+              <a:ext uri="{FF2B5EF4-FFF2-40B4-BE49-F238E27FC236}">
+                <a16:creationId xmlns:a16="http://schemas.microsoft.com/office/drawing/2014/main" id="{6044872E-C2D5-8438-3C38-103F8F53A275}"/>
+              </a:ext>
+            </a:extLst>
+          </p:cNvPr>
+          <p:cNvSpPr txBox="1"/>
+          <p:nvPr/>
+        </p:nvSpPr>
+        <p:spPr>
+          <a:xfrm>
+            <a:off x="-1783583" y="-4578263"/>
+            <a:ext cx="5093650" cy="1569660"/>
+          </a:xfrm>
+          <a:prstGeom prst="rect">
+            <a:avLst/>
+          </a:prstGeom>
+          <a:noFill/>
+        </p:spPr>
+        <p:txBody>
+          <a:bodyPr wrap="square" rtlCol="0">
+            <a:spAutoFit/>
+          </a:bodyPr>
+          <a:lstStyle/>
+          <a:p>
+            <a:pPr algn="ctr"/>
+            <a:r>
+              <a:rPr kumimoji="1" lang="en-US" altLang="ko-Kore-KR" sz="3200"/>
+              <a:t>Anyway… it seems to me that these are essentially the same works</a:t>
+            </a:r>
+            <a:endParaRPr kumimoji="1" lang="ko-Kore-KR" altLang="en-US" sz="3200"/>
+          </a:p>
+        </p:txBody>
+      </p:sp>
+      <p:sp>
+        <p:nvSpPr>
+          <p:cNvPr id="56" name="타원 55">
+            <a:extLst>
+              <a:ext uri="{FF2B5EF4-FFF2-40B4-BE49-F238E27FC236}">
+                <a16:creationId xmlns:a16="http://schemas.microsoft.com/office/drawing/2014/main" id="{01CF91F0-9C7D-A93E-4397-60A1CEEEB4A5}"/>
+              </a:ext>
+            </a:extLst>
+          </p:cNvPr>
+          <p:cNvSpPr/>
+          <p:nvPr/>
+        </p:nvSpPr>
+        <p:spPr>
+          <a:xfrm>
+            <a:off x="-2443808" y="-5071996"/>
+            <a:ext cx="5872367" cy="2437100"/>
+          </a:xfrm>
+          <a:prstGeom prst="ellipse">
+            <a:avLst/>
+          </a:prstGeom>
+          <a:noFill/>
+          <a:ln w="19050">
+            <a:solidFill>
+              <a:schemeClr val="tx1"/>
+            </a:solidFill>
+          </a:ln>
+        </p:spPr>
+        <p:style>
+          <a:lnRef idx="2">
+            <a:schemeClr val="accent1">
+              <a:shade val="15000"/>
+            </a:schemeClr>
+          </a:lnRef>
+          <a:fillRef idx="1">
+            <a:schemeClr val="accent1"/>
+          </a:fillRef>
+          <a:effectRef idx="0">
+            <a:schemeClr val="accent1"/>
+          </a:effectRef>
+          <a:fontRef idx="minor">
+            <a:schemeClr val="lt1"/>
+          </a:fontRef>
+        </p:style>
+        <p:txBody>
+          <a:bodyPr rtlCol="0" anchor="ctr"/>
+          <a:lstStyle/>
+          <a:p>
+            <a:pPr algn="ctr"/>
+            <a:endParaRPr kumimoji="1" lang="ko-Kore-KR" altLang="en-US"/>
+          </a:p>
+        </p:txBody>
+      </p:sp>
+      <p:cxnSp>
+        <p:nvCxnSpPr>
+          <p:cNvPr id="63" name="구부러진 연결선[U] 62">
+            <a:extLst>
+              <a:ext uri="{FF2B5EF4-FFF2-40B4-BE49-F238E27FC236}">
+                <a16:creationId xmlns:a16="http://schemas.microsoft.com/office/drawing/2014/main" id="{1309F764-C8A2-A5D3-4D01-635CE13CBB44}"/>
+              </a:ext>
+            </a:extLst>
+          </p:cNvPr>
+          <p:cNvCxnSpPr>
+            <a:cxnSpLocks/>
+            <a:stCxn id="43" idx="4"/>
+            <a:endCxn id="56" idx="1"/>
+          </p:cNvCxnSpPr>
+          <p:nvPr/>
+        </p:nvCxnSpPr>
+        <p:spPr>
+          <a:xfrm rot="16200000" flipH="1">
+            <a:off x="-2779878" y="-5911149"/>
+            <a:ext cx="480842" cy="1911274"/>
+          </a:xfrm>
+          <a:prstGeom prst="curvedConnector3">
+            <a:avLst>
+              <a:gd name="adj1" fmla="val 50000"/>
+            </a:avLst>
+          </a:prstGeom>
+          <a:ln w="12700">
+            <a:solidFill>
+              <a:schemeClr val="tx1"/>
+            </a:solidFill>
+          </a:ln>
+        </p:spPr>
+        <p:style>
+          <a:lnRef idx="1">
+            <a:schemeClr val="accent1"/>
+          </a:lnRef>
+          <a:fillRef idx="0">
+            <a:schemeClr val="accent1"/>
+          </a:fillRef>
+          <a:effectRef idx="0">
+            <a:schemeClr val="accent1"/>
+          </a:effectRef>
+          <a:fontRef idx="minor">
+            <a:schemeClr val="tx1"/>
+          </a:fontRef>
+        </p:style>
+      </p:cxnSp>
+      <p:cxnSp>
+        <p:nvCxnSpPr>
+          <p:cNvPr id="59" name="구부러진 연결선[U] 58">
+            <a:extLst>
+              <a:ext uri="{FF2B5EF4-FFF2-40B4-BE49-F238E27FC236}">
+                <a16:creationId xmlns:a16="http://schemas.microsoft.com/office/drawing/2014/main" id="{FC52195D-AF0E-4132-F74F-7E8D0701522E}"/>
+              </a:ext>
+            </a:extLst>
+          </p:cNvPr>
+          <p:cNvCxnSpPr>
+            <a:cxnSpLocks/>
+            <a:stCxn id="56" idx="4"/>
+            <a:endCxn id="79" idx="0"/>
+          </p:cNvCxnSpPr>
+          <p:nvPr/>
+        </p:nvCxnSpPr>
+        <p:spPr>
+          <a:xfrm rot="16200000" flipH="1">
+            <a:off x="2035908" y="-4178428"/>
+            <a:ext cx="685803" cy="3772866"/>
+          </a:xfrm>
+          <a:prstGeom prst="curvedConnector3">
+            <a:avLst>
+              <a:gd name="adj1" fmla="val 50000"/>
+            </a:avLst>
+          </a:prstGeom>
+          <a:ln w="12700">
+            <a:solidFill>
+              <a:schemeClr val="tx1"/>
+            </a:solidFill>
+          </a:ln>
+        </p:spPr>
+        <p:style>
+          <a:lnRef idx="1">
+            <a:schemeClr val="accent1"/>
+          </a:lnRef>
+          <a:fillRef idx="0">
+            <a:schemeClr val="accent1"/>
+          </a:fillRef>
+          <a:effectRef idx="0">
+            <a:schemeClr val="accent1"/>
+          </a:effectRef>
+          <a:fontRef idx="minor">
+            <a:schemeClr val="tx1"/>
+          </a:fontRef>
+        </p:style>
+      </p:cxnSp>
+      <p:sp>
+        <p:nvSpPr>
+          <p:cNvPr id="62" name="TextBox 61">
+            <a:extLst>
+              <a:ext uri="{FF2B5EF4-FFF2-40B4-BE49-F238E27FC236}">
+                <a16:creationId xmlns:a16="http://schemas.microsoft.com/office/drawing/2014/main" id="{044DC8B9-405C-BE1D-53FF-F3D613CEA9A8}"/>
+              </a:ext>
+            </a:extLst>
+          </p:cNvPr>
+          <p:cNvSpPr txBox="1"/>
+          <p:nvPr/>
+        </p:nvSpPr>
+        <p:spPr>
+          <a:xfrm>
+            <a:off x="2344892" y="669079"/>
+            <a:ext cx="6862024" cy="584775"/>
+          </a:xfrm>
+          <a:prstGeom prst="rect">
+            <a:avLst/>
+          </a:prstGeom>
+          <a:noFill/>
+        </p:spPr>
+        <p:txBody>
+          <a:bodyPr wrap="square" rtlCol="0">
+            <a:spAutoFit/>
+          </a:bodyPr>
+          <a:lstStyle/>
+          <a:p>
+            <a:pPr algn="ctr"/>
+            <a:r>
+              <a:rPr kumimoji="1" lang="en-US" altLang="ko-Kore-KR" sz="3200"/>
+              <a:t>What can be futher?</a:t>
+            </a:r>
+            <a:endParaRPr kumimoji="1" lang="ko-Kore-KR" altLang="en-US" sz="3200"/>
+          </a:p>
+        </p:txBody>
+      </p:sp>
+      <p:sp>
+        <p:nvSpPr>
+          <p:cNvPr id="64" name="타원 63">
+            <a:extLst>
+              <a:ext uri="{FF2B5EF4-FFF2-40B4-BE49-F238E27FC236}">
+                <a16:creationId xmlns:a16="http://schemas.microsoft.com/office/drawing/2014/main" id="{AFA2B628-CDD1-C7CB-4DA0-EF03CC9F27CF}"/>
+              </a:ext>
+            </a:extLst>
+          </p:cNvPr>
+          <p:cNvSpPr/>
+          <p:nvPr/>
+        </p:nvSpPr>
+        <p:spPr>
+          <a:xfrm>
+            <a:off x="2764369" y="337692"/>
+            <a:ext cx="6058939" cy="1247551"/>
+          </a:xfrm>
+          <a:prstGeom prst="ellipse">
+            <a:avLst/>
+          </a:prstGeom>
+          <a:noFill/>
+          <a:ln w="19050">
+            <a:solidFill>
+              <a:schemeClr val="tx1"/>
+            </a:solidFill>
+          </a:ln>
+        </p:spPr>
+        <p:style>
+          <a:lnRef idx="2">
+            <a:schemeClr val="accent1">
+              <a:shade val="15000"/>
+            </a:schemeClr>
+          </a:lnRef>
+          <a:fillRef idx="1">
+            <a:schemeClr val="accent1"/>
+          </a:fillRef>
+          <a:effectRef idx="0">
+            <a:schemeClr val="accent1"/>
+          </a:effectRef>
+          <a:fontRef idx="minor">
+            <a:schemeClr val="lt1"/>
+          </a:fontRef>
+        </p:style>
+        <p:txBody>
+          <a:bodyPr rtlCol="0" anchor="ctr"/>
+          <a:lstStyle/>
+          <a:p>
+            <a:pPr algn="ctr"/>
+            <a:endParaRPr kumimoji="1" lang="ko-Kore-KR" altLang="en-US"/>
+          </a:p>
+        </p:txBody>
+      </p:sp>
+      <p:cxnSp>
+        <p:nvCxnSpPr>
+          <p:cNvPr id="65" name="구부러진 연결선[U] 64">
+            <a:extLst>
+              <a:ext uri="{FF2B5EF4-FFF2-40B4-BE49-F238E27FC236}">
+                <a16:creationId xmlns:a16="http://schemas.microsoft.com/office/drawing/2014/main" id="{5A202653-4DDF-1884-1FDF-3F022FF925AC}"/>
+              </a:ext>
+            </a:extLst>
+          </p:cNvPr>
+          <p:cNvCxnSpPr>
+            <a:cxnSpLocks/>
+            <a:stCxn id="79" idx="4"/>
+            <a:endCxn id="64" idx="0"/>
+          </p:cNvCxnSpPr>
+          <p:nvPr/>
+        </p:nvCxnSpPr>
+        <p:spPr>
+          <a:xfrm rot="16200000" flipH="1">
+            <a:off x="4860694" y="-595453"/>
+            <a:ext cx="337692" cy="1528597"/>
+          </a:xfrm>
+          <a:prstGeom prst="curvedConnector3">
+            <a:avLst>
+              <a:gd name="adj1" fmla="val 50000"/>
+            </a:avLst>
+          </a:prstGeom>
+          <a:ln w="12700">
+            <a:solidFill>
+              <a:schemeClr val="tx1"/>
+            </a:solidFill>
+          </a:ln>
+        </p:spPr>
+        <p:style>
+          <a:lnRef idx="1">
+            <a:schemeClr val="accent1"/>
+          </a:lnRef>
+          <a:fillRef idx="0">
+            <a:schemeClr val="accent1"/>
+          </a:fillRef>
+          <a:effectRef idx="0">
+            <a:schemeClr val="accent1"/>
+          </a:effectRef>
+          <a:fontRef idx="minor">
+            <a:schemeClr val="tx1"/>
+          </a:fontRef>
+        </p:style>
+      </p:cxnSp>
+      <p:sp>
+        <p:nvSpPr>
+          <p:cNvPr id="60" name="TextBox 59">
+            <a:extLst>
+              <a:ext uri="{FF2B5EF4-FFF2-40B4-BE49-F238E27FC236}">
+                <a16:creationId xmlns:a16="http://schemas.microsoft.com/office/drawing/2014/main" id="{DDBB059D-5D6B-3948-8952-A25A7D3CD192}"/>
+              </a:ext>
+            </a:extLst>
+          </p:cNvPr>
+          <p:cNvSpPr txBox="1"/>
+          <p:nvPr/>
+        </p:nvSpPr>
+        <p:spPr>
+          <a:xfrm>
+            <a:off x="6888843" y="1892183"/>
+            <a:ext cx="5053383" cy="1569660"/>
+          </a:xfrm>
+          <a:prstGeom prst="rect">
+            <a:avLst/>
+          </a:prstGeom>
+          <a:noFill/>
+        </p:spPr>
+        <p:txBody>
+          <a:bodyPr wrap="square" rtlCol="0">
+            <a:spAutoFit/>
+          </a:bodyPr>
+          <a:lstStyle/>
+          <a:p>
+            <a:pPr algn="ctr"/>
+            <a:r>
+              <a:rPr kumimoji="1" lang="en-US" altLang="ko-Kore-KR" sz="3200"/>
+              <a:t>How about targeting other resources? not the CPU virtualization method.</a:t>
+            </a:r>
+            <a:endParaRPr kumimoji="1" lang="ko-Kore-KR" altLang="en-US" sz="3200"/>
+          </a:p>
+        </p:txBody>
+      </p:sp>
+      <p:sp>
+        <p:nvSpPr>
+          <p:cNvPr id="61" name="타원 60">
+            <a:extLst>
+              <a:ext uri="{FF2B5EF4-FFF2-40B4-BE49-F238E27FC236}">
+                <a16:creationId xmlns:a16="http://schemas.microsoft.com/office/drawing/2014/main" id="{FBFF854A-9D45-7219-071F-1BF37BB3D6D9}"/>
+              </a:ext>
+            </a:extLst>
+          </p:cNvPr>
+          <p:cNvSpPr/>
+          <p:nvPr/>
+        </p:nvSpPr>
+        <p:spPr>
+          <a:xfrm>
+            <a:off x="6376867" y="1742984"/>
+            <a:ext cx="5587799" cy="1796517"/>
+          </a:xfrm>
+          <a:prstGeom prst="ellipse">
+            <a:avLst/>
+          </a:prstGeom>
+          <a:noFill/>
+          <a:ln w="19050">
+            <a:solidFill>
+              <a:schemeClr val="tx1"/>
+            </a:solidFill>
+          </a:ln>
+        </p:spPr>
+        <p:style>
+          <a:lnRef idx="2">
+            <a:schemeClr val="accent1">
+              <a:shade val="15000"/>
+            </a:schemeClr>
+          </a:lnRef>
+          <a:fillRef idx="1">
+            <a:schemeClr val="accent1"/>
+          </a:fillRef>
+          <a:effectRef idx="0">
+            <a:schemeClr val="accent1"/>
+          </a:effectRef>
+          <a:fontRef idx="minor">
+            <a:schemeClr val="lt1"/>
+          </a:fontRef>
+        </p:style>
+        <p:txBody>
+          <a:bodyPr rtlCol="0" anchor="ctr"/>
+          <a:lstStyle/>
+          <a:p>
+            <a:pPr algn="ctr"/>
+            <a:endParaRPr kumimoji="1" lang="ko-Kore-KR" altLang="en-US"/>
+          </a:p>
+        </p:txBody>
+      </p:sp>
+      <p:sp>
+        <p:nvSpPr>
+          <p:cNvPr id="66" name="TextBox 65">
+            <a:extLst>
+              <a:ext uri="{FF2B5EF4-FFF2-40B4-BE49-F238E27FC236}">
+                <a16:creationId xmlns:a16="http://schemas.microsoft.com/office/drawing/2014/main" id="{37D09560-7F26-2FCC-6C92-B1CC6E8CC003}"/>
+              </a:ext>
+            </a:extLst>
+          </p:cNvPr>
+          <p:cNvSpPr txBox="1"/>
+          <p:nvPr/>
+        </p:nvSpPr>
+        <p:spPr>
+          <a:xfrm>
+            <a:off x="881996" y="2152215"/>
+            <a:ext cx="4005603" cy="1569660"/>
+          </a:xfrm>
+          <a:prstGeom prst="rect">
+            <a:avLst/>
+          </a:prstGeom>
+          <a:noFill/>
+        </p:spPr>
+        <p:txBody>
+          <a:bodyPr wrap="square" rtlCol="0">
+            <a:spAutoFit/>
+          </a:bodyPr>
+          <a:lstStyle/>
+          <a:p>
+            <a:pPr algn="ctr"/>
+            <a:r>
+              <a:rPr kumimoji="1" lang="en-US" altLang="ko-Kore-KR" sz="3200"/>
+              <a:t>What if it is based on something other than user application?</a:t>
+            </a:r>
+            <a:endParaRPr kumimoji="1" lang="ko-Kore-KR" altLang="en-US" sz="3200"/>
+          </a:p>
+        </p:txBody>
+      </p:sp>
+      <p:sp>
+        <p:nvSpPr>
+          <p:cNvPr id="67" name="타원 66">
+            <a:extLst>
+              <a:ext uri="{FF2B5EF4-FFF2-40B4-BE49-F238E27FC236}">
+                <a16:creationId xmlns:a16="http://schemas.microsoft.com/office/drawing/2014/main" id="{25EAAB25-29EF-A513-067E-CD8DE02E11AE}"/>
+              </a:ext>
+            </a:extLst>
+          </p:cNvPr>
+          <p:cNvSpPr/>
+          <p:nvPr/>
+        </p:nvSpPr>
+        <p:spPr>
+          <a:xfrm>
+            <a:off x="274358" y="1848790"/>
+            <a:ext cx="5418387" cy="2107766"/>
+          </a:xfrm>
+          <a:prstGeom prst="ellipse">
+            <a:avLst/>
+          </a:prstGeom>
+          <a:noFill/>
+          <a:ln w="19050">
+            <a:solidFill>
+              <a:schemeClr val="tx1"/>
+            </a:solidFill>
+          </a:ln>
+        </p:spPr>
+        <p:style>
+          <a:lnRef idx="2">
+            <a:schemeClr val="accent1">
+              <a:shade val="15000"/>
+            </a:schemeClr>
+          </a:lnRef>
+          <a:fillRef idx="1">
+            <a:schemeClr val="accent1"/>
+          </a:fillRef>
+          <a:effectRef idx="0">
+            <a:schemeClr val="accent1"/>
+          </a:effectRef>
+          <a:fontRef idx="minor">
+            <a:schemeClr val="lt1"/>
+          </a:fontRef>
+        </p:style>
+        <p:txBody>
+          <a:bodyPr rtlCol="0" anchor="ctr"/>
+          <a:lstStyle/>
+          <a:p>
+            <a:pPr algn="ctr"/>
+            <a:endParaRPr kumimoji="1" lang="ko-Kore-KR" altLang="en-US"/>
+          </a:p>
+        </p:txBody>
+      </p:sp>
+      <p:cxnSp>
+        <p:nvCxnSpPr>
+          <p:cNvPr id="68" name="구부러진 연결선[U] 67">
+            <a:extLst>
+              <a:ext uri="{FF2B5EF4-FFF2-40B4-BE49-F238E27FC236}">
+                <a16:creationId xmlns:a16="http://schemas.microsoft.com/office/drawing/2014/main" id="{63126787-7A77-040E-BD9B-284E15045763}"/>
+              </a:ext>
+            </a:extLst>
+          </p:cNvPr>
+          <p:cNvCxnSpPr>
+            <a:cxnSpLocks/>
+            <a:stCxn id="64" idx="4"/>
+            <a:endCxn id="67" idx="7"/>
+          </p:cNvCxnSpPr>
+          <p:nvPr/>
+        </p:nvCxnSpPr>
+        <p:spPr>
+          <a:xfrm rot="5400000">
+            <a:off x="5060429" y="1424055"/>
+            <a:ext cx="572222" cy="894598"/>
+          </a:xfrm>
+          <a:prstGeom prst="curvedConnector3">
+            <a:avLst>
+              <a:gd name="adj1" fmla="val 50000"/>
+            </a:avLst>
+          </a:prstGeom>
+          <a:ln w="12700">
+            <a:solidFill>
+              <a:schemeClr val="tx1"/>
+            </a:solidFill>
+          </a:ln>
+        </p:spPr>
+        <p:style>
+          <a:lnRef idx="1">
+            <a:schemeClr val="accent1"/>
+          </a:lnRef>
+          <a:fillRef idx="0">
+            <a:schemeClr val="accent1"/>
+          </a:fillRef>
+          <a:effectRef idx="0">
+            <a:schemeClr val="accent1"/>
+          </a:effectRef>
+          <a:fontRef idx="minor">
+            <a:schemeClr val="tx1"/>
+          </a:fontRef>
+        </p:style>
+      </p:cxnSp>
+      <p:cxnSp>
+        <p:nvCxnSpPr>
+          <p:cNvPr id="71" name="구부러진 연결선[U] 70">
+            <a:extLst>
+              <a:ext uri="{FF2B5EF4-FFF2-40B4-BE49-F238E27FC236}">
+                <a16:creationId xmlns:a16="http://schemas.microsoft.com/office/drawing/2014/main" id="{873A1E79-4492-2FF4-C730-01106CB4AB1E}"/>
+              </a:ext>
+            </a:extLst>
+          </p:cNvPr>
+          <p:cNvCxnSpPr>
+            <a:cxnSpLocks/>
+            <a:stCxn id="64" idx="4"/>
+            <a:endCxn id="61" idx="1"/>
+          </p:cNvCxnSpPr>
+          <p:nvPr/>
+        </p:nvCxnSpPr>
+        <p:spPr>
+          <a:xfrm rot="16200000" flipH="1">
+            <a:off x="6284093" y="1094989"/>
+            <a:ext cx="420835" cy="1401342"/>
+          </a:xfrm>
+          <a:prstGeom prst="curvedConnector3">
+            <a:avLst>
+              <a:gd name="adj1" fmla="val 50000"/>
+            </a:avLst>
+          </a:prstGeom>
+          <a:ln w="12700">
+            <a:solidFill>
+              <a:schemeClr val="tx1"/>
+            </a:solidFill>
+          </a:ln>
+        </p:spPr>
+        <p:style>
+          <a:lnRef idx="1">
+            <a:schemeClr val="accent1"/>
+          </a:lnRef>
+          <a:fillRef idx="0">
+            <a:schemeClr val="accent1"/>
+          </a:fillRef>
+          <a:effectRef idx="0">
+            <a:schemeClr val="accent1"/>
+          </a:effectRef>
+          <a:fontRef idx="minor">
+            <a:schemeClr val="tx1"/>
+          </a:fontRef>
+        </p:style>
+      </p:cxnSp>
+      <p:sp>
+        <p:nvSpPr>
+          <p:cNvPr id="79" name="타원 78">
+            <a:extLst>
+              <a:ext uri="{FF2B5EF4-FFF2-40B4-BE49-F238E27FC236}">
+                <a16:creationId xmlns:a16="http://schemas.microsoft.com/office/drawing/2014/main" id="{3735FA8D-423D-4373-3D65-F8A524FD6147}"/>
+              </a:ext>
+            </a:extLst>
+          </p:cNvPr>
+          <p:cNvSpPr/>
+          <p:nvPr/>
+        </p:nvSpPr>
+        <p:spPr>
+          <a:xfrm>
+            <a:off x="257875" y="-1949093"/>
+            <a:ext cx="8014734" cy="1949093"/>
+          </a:xfrm>
+          <a:prstGeom prst="ellipse">
+            <a:avLst/>
+          </a:prstGeom>
+          <a:noFill/>
+          <a:ln w="19050">
+            <a:solidFill>
+              <a:schemeClr val="tx1"/>
+            </a:solidFill>
+          </a:ln>
+        </p:spPr>
+        <p:style>
+          <a:lnRef idx="2">
+            <a:schemeClr val="accent1">
+              <a:shade val="15000"/>
+            </a:schemeClr>
+          </a:lnRef>
+          <a:fillRef idx="1">
+            <a:schemeClr val="accent1"/>
+          </a:fillRef>
+          <a:effectRef idx="0">
+            <a:schemeClr val="accent1"/>
+          </a:effectRef>
+          <a:fontRef idx="minor">
+            <a:schemeClr val="lt1"/>
+          </a:fontRef>
+        </p:style>
+        <p:txBody>
+          <a:bodyPr rtlCol="0" anchor="ctr"/>
+          <a:lstStyle/>
+          <a:p>
+            <a:pPr algn="ctr"/>
+            <a:endParaRPr kumimoji="1" lang="ko-Kore-KR" altLang="en-US"/>
+          </a:p>
+        </p:txBody>
+      </p:sp>
+      <p:sp>
+        <p:nvSpPr>
+          <p:cNvPr id="58" name="TextBox 57">
+            <a:extLst>
+              <a:ext uri="{FF2B5EF4-FFF2-40B4-BE49-F238E27FC236}">
+                <a16:creationId xmlns:a16="http://schemas.microsoft.com/office/drawing/2014/main" id="{E3400DD9-75AF-9BE6-0A55-1983A602180D}"/>
+              </a:ext>
+            </a:extLst>
+          </p:cNvPr>
+          <p:cNvSpPr txBox="1"/>
+          <p:nvPr/>
+        </p:nvSpPr>
+        <p:spPr>
+          <a:xfrm>
+            <a:off x="712700" y="-1513156"/>
+            <a:ext cx="6862024" cy="1077218"/>
+          </a:xfrm>
+          <a:prstGeom prst="rect">
+            <a:avLst/>
+          </a:prstGeom>
+          <a:noFill/>
+        </p:spPr>
+        <p:txBody>
+          <a:bodyPr wrap="square" rtlCol="0">
+            <a:spAutoFit/>
+          </a:bodyPr>
+          <a:lstStyle/>
+          <a:p>
+            <a:pPr algn="ctr"/>
+            <a:r>
+              <a:rPr kumimoji="1" lang="en-US" altLang="ko-Kore-KR" sz="3200"/>
+              <a:t>Releasing CPU virtualization method based on application metrics</a:t>
+            </a:r>
+            <a:endParaRPr kumimoji="1" lang="ko-Kore-KR" altLang="en-US" sz="3200"/>
+          </a:p>
+        </p:txBody>
+      </p:sp>
+    </p:spTree>
+    <p:extLst>
+      <p:ext uri="{BB962C8B-B14F-4D97-AF65-F5344CB8AC3E}">
+        <p14:creationId xmlns:p14="http://schemas.microsoft.com/office/powerpoint/2010/main" val="1015987401"/>
+      </p:ext>
+    </p:extLst>
+  </p:cSld>
+  <p:clrMapOvr>
+    <a:masterClrMapping/>
+  </p:clrMapOvr>
+  <mc:AlternateContent xmlns:mc="http://schemas.openxmlformats.org/markup-compatibility/2006" xmlns:p159="http://schemas.microsoft.com/office/powerpoint/2015/09/main">
+    <mc:Choice Requires="p159">
+      <p:transition spd="slow" advClick="0">
+        <p159:morph option="byObject"/>
+      </p:transition>
+    </mc:Choice>
+    <mc:Fallback xmlns="">
+      <p:transition spd="slow" advClick="0">
+        <p:fade/>
+      </p:transition>
+    </mc:Fallback>
+  </mc:AlternateContent>
+</p:sld>
+</file>
+
+<file path=ppt/slides/slide29.xml><?xml version="1.0" encoding="utf-8"?>
+<p:sld xmlns:a="http://schemas.openxmlformats.org/drawingml/2006/main" xmlns:r="http://schemas.openxmlformats.org/officeDocument/2006/relationships" xmlns:p="http://schemas.openxmlformats.org/presentationml/2006/main">
+  <p:cSld>
+    <p:spTree>
+      <p:nvGrpSpPr>
+        <p:cNvPr id="1" name=""/>
+        <p:cNvGrpSpPr/>
+        <p:nvPr/>
+      </p:nvGrpSpPr>
+      <p:grpSpPr>
+        <a:xfrm>
+          <a:off x="0" y="0"/>
+          <a:ext cx="0" cy="0"/>
+          <a:chOff x="0" y="0"/>
+          <a:chExt cx="0" cy="0"/>
+        </a:xfrm>
+      </p:grpSpPr>
+      <p:sp>
+        <p:nvSpPr>
+          <p:cNvPr id="4" name="타원 3">
+            <a:extLst>
+              <a:ext uri="{FF2B5EF4-FFF2-40B4-BE49-F238E27FC236}">
+                <a16:creationId xmlns:a16="http://schemas.microsoft.com/office/drawing/2014/main" id="{2047CB6D-7FEA-369B-530D-2F0B4C57B997}"/>
+              </a:ext>
+            </a:extLst>
+          </p:cNvPr>
+          <p:cNvSpPr/>
+          <p:nvPr/>
+        </p:nvSpPr>
+        <p:spPr>
+          <a:xfrm>
+            <a:off x="-7304020" y="-19243898"/>
+            <a:ext cx="6790807" cy="1200329"/>
+          </a:xfrm>
+          <a:prstGeom prst="ellipse">
+            <a:avLst/>
+          </a:prstGeom>
+          <a:noFill/>
+          <a:ln w="19050">
+            <a:solidFill>
+              <a:schemeClr val="tx1"/>
+            </a:solidFill>
+          </a:ln>
+        </p:spPr>
+        <p:style>
+          <a:lnRef idx="2">
+            <a:schemeClr val="accent1">
+              <a:shade val="15000"/>
+            </a:schemeClr>
+          </a:lnRef>
+          <a:fillRef idx="1">
+            <a:schemeClr val="accent1"/>
+          </a:fillRef>
+          <a:effectRef idx="0">
+            <a:schemeClr val="accent1"/>
+          </a:effectRef>
+          <a:fontRef idx="minor">
+            <a:schemeClr val="lt1"/>
+          </a:fontRef>
+        </p:style>
+        <p:txBody>
+          <a:bodyPr rtlCol="0" anchor="ctr"/>
+          <a:lstStyle/>
+          <a:p>
+            <a:pPr algn="ctr"/>
+            <a:endParaRPr kumimoji="1" lang="ko-Kore-KR" altLang="en-US"/>
+          </a:p>
+        </p:txBody>
+      </p:sp>
+      <p:sp>
+        <p:nvSpPr>
+          <p:cNvPr id="5" name="TextBox 4">
+            <a:extLst>
+              <a:ext uri="{FF2B5EF4-FFF2-40B4-BE49-F238E27FC236}">
+                <a16:creationId xmlns:a16="http://schemas.microsoft.com/office/drawing/2014/main" id="{35D57C3D-6E9E-1816-67C5-5DEE70D2DA7B}"/>
+              </a:ext>
+            </a:extLst>
+          </p:cNvPr>
+          <p:cNvSpPr txBox="1"/>
+          <p:nvPr/>
+        </p:nvSpPr>
+        <p:spPr>
+          <a:xfrm>
+            <a:off x="-11374502" y="-19985597"/>
+            <a:ext cx="8526326" cy="1200329"/>
+          </a:xfrm>
+          <a:prstGeom prst="rect">
+            <a:avLst/>
+          </a:prstGeom>
+          <a:noFill/>
+        </p:spPr>
+        <p:txBody>
+          <a:bodyPr wrap="square" rtlCol="0">
+            <a:spAutoFit/>
+          </a:bodyPr>
+          <a:lstStyle/>
+          <a:p>
+            <a:pPr algn="ctr"/>
+            <a:r>
+              <a:rPr kumimoji="1" lang="en-US" altLang="ko-Kore-KR" sz="3600"/>
+              <a:t>Shenango</a:t>
+            </a:r>
+            <a:r>
+              <a:rPr kumimoji="1" lang="en-US" altLang="ko-Kore-KR" sz="3600">
+                <a:solidFill>
+                  <a:schemeClr val="tx1">
+                    <a:alpha val="0"/>
+                  </a:schemeClr>
+                </a:solidFill>
+              </a:rPr>
+              <a:t>: Achieving High CPU Efficiency for Latency-sensitive Datacenter Workloads</a:t>
+            </a:r>
+            <a:endParaRPr kumimoji="1" lang="ko-Kore-KR" altLang="en-US" sz="3600">
+              <a:solidFill>
+                <a:schemeClr val="tx1">
+                  <a:alpha val="0"/>
+                </a:schemeClr>
+              </a:solidFill>
+            </a:endParaRPr>
+          </a:p>
+        </p:txBody>
+      </p:sp>
+      <p:sp>
+        <p:nvSpPr>
+          <p:cNvPr id="2" name="타원 1">
+            <a:extLst>
+              <a:ext uri="{FF2B5EF4-FFF2-40B4-BE49-F238E27FC236}">
+                <a16:creationId xmlns:a16="http://schemas.microsoft.com/office/drawing/2014/main" id="{16752447-83BE-64BD-D2B3-BDF0F3B3D1E5}"/>
+              </a:ext>
+            </a:extLst>
+          </p:cNvPr>
+          <p:cNvSpPr/>
+          <p:nvPr/>
+        </p:nvSpPr>
+        <p:spPr>
+          <a:xfrm>
+            <a:off x="-13932521" y="-22519665"/>
+            <a:ext cx="5331627" cy="3806535"/>
+          </a:xfrm>
+          <a:prstGeom prst="ellipse">
+            <a:avLst/>
+          </a:prstGeom>
+          <a:noFill/>
+          <a:ln w="19050">
+            <a:solidFill>
+              <a:schemeClr val="tx1"/>
+            </a:solidFill>
+          </a:ln>
+        </p:spPr>
+        <p:style>
+          <a:lnRef idx="2">
+            <a:schemeClr val="accent1">
+              <a:shade val="15000"/>
+            </a:schemeClr>
+          </a:lnRef>
+          <a:fillRef idx="1">
+            <a:schemeClr val="accent1"/>
+          </a:fillRef>
+          <a:effectRef idx="0">
+            <a:schemeClr val="accent1"/>
+          </a:effectRef>
+          <a:fontRef idx="minor">
+            <a:schemeClr val="lt1"/>
+          </a:fontRef>
+        </p:style>
+        <p:txBody>
+          <a:bodyPr rtlCol="0" anchor="ctr"/>
+          <a:lstStyle/>
+          <a:p>
+            <a:pPr algn="ctr"/>
+            <a:endParaRPr kumimoji="1" lang="ko-Kore-KR" altLang="en-US"/>
+          </a:p>
+        </p:txBody>
+      </p:sp>
+      <p:sp>
+        <p:nvSpPr>
+          <p:cNvPr id="3" name="TextBox 2">
+            <a:extLst>
+              <a:ext uri="{FF2B5EF4-FFF2-40B4-BE49-F238E27FC236}">
+                <a16:creationId xmlns:a16="http://schemas.microsoft.com/office/drawing/2014/main" id="{8619D4C3-31A1-96F7-0F75-5C8A93CE809A}"/>
+              </a:ext>
+            </a:extLst>
+          </p:cNvPr>
+          <p:cNvSpPr txBox="1"/>
+          <p:nvPr/>
+        </p:nvSpPr>
+        <p:spPr>
+          <a:xfrm>
+            <a:off x="-6909005" y="-18957160"/>
+            <a:ext cx="7222838" cy="584775"/>
+          </a:xfrm>
+          <a:prstGeom prst="rect">
+            <a:avLst/>
+          </a:prstGeom>
+          <a:noFill/>
+        </p:spPr>
+        <p:txBody>
+          <a:bodyPr wrap="square" rtlCol="0">
+            <a:spAutoFit/>
+          </a:bodyPr>
+          <a:lstStyle/>
+          <a:p>
+            <a:r>
+              <a:rPr kumimoji="1" lang="en-US" altLang="ko-Kore-KR" sz="3200"/>
+              <a:t>What is a purpose of the Shenango?</a:t>
+            </a:r>
+            <a:endParaRPr kumimoji="1" lang="ko-Kore-KR" altLang="en-US" sz="3200"/>
+          </a:p>
+        </p:txBody>
+      </p:sp>
+      <p:cxnSp>
+        <p:nvCxnSpPr>
+          <p:cNvPr id="7" name="구부러진 연결선[U] 6">
+            <a:extLst>
+              <a:ext uri="{FF2B5EF4-FFF2-40B4-BE49-F238E27FC236}">
+                <a16:creationId xmlns:a16="http://schemas.microsoft.com/office/drawing/2014/main" id="{8578584E-12EC-FBA1-2B45-B304FA129684}"/>
+              </a:ext>
+            </a:extLst>
+          </p:cNvPr>
+          <p:cNvCxnSpPr>
+            <a:cxnSpLocks/>
+            <a:stCxn id="2" idx="5"/>
+            <a:endCxn id="4" idx="2"/>
+          </p:cNvCxnSpPr>
+          <p:nvPr/>
+        </p:nvCxnSpPr>
+        <p:spPr>
+          <a:xfrm rot="16200000" flipH="1">
+            <a:off x="-8656282" y="-19995996"/>
+            <a:ext cx="626851" cy="2077673"/>
+          </a:xfrm>
+          <a:prstGeom prst="curvedConnector2">
+            <a:avLst/>
+          </a:prstGeom>
+          <a:ln w="12700">
+            <a:solidFill>
+              <a:schemeClr val="tx1"/>
+            </a:solidFill>
+          </a:ln>
+        </p:spPr>
+        <p:style>
+          <a:lnRef idx="1">
+            <a:schemeClr val="accent1"/>
+          </a:lnRef>
+          <a:fillRef idx="0">
+            <a:schemeClr val="accent1"/>
+          </a:fillRef>
+          <a:effectRef idx="0">
+            <a:schemeClr val="accent1"/>
+          </a:effectRef>
+          <a:fontRef idx="minor">
+            <a:schemeClr val="tx1"/>
+          </a:fontRef>
+        </p:style>
+      </p:cxnSp>
+      <p:sp>
+        <p:nvSpPr>
+          <p:cNvPr id="6" name="TextBox 5">
+            <a:extLst>
+              <a:ext uri="{FF2B5EF4-FFF2-40B4-BE49-F238E27FC236}">
+                <a16:creationId xmlns:a16="http://schemas.microsoft.com/office/drawing/2014/main" id="{AD487769-FC45-5098-163E-2AC3B30F344D}"/>
+              </a:ext>
+            </a:extLst>
+          </p:cNvPr>
+          <p:cNvSpPr txBox="1"/>
+          <p:nvPr/>
+        </p:nvSpPr>
+        <p:spPr>
+          <a:xfrm>
+            <a:off x="-2729741" y="-16973054"/>
+            <a:ext cx="7222838" cy="1077218"/>
+          </a:xfrm>
+          <a:prstGeom prst="rect">
+            <a:avLst/>
+          </a:prstGeom>
+          <a:noFill/>
+        </p:spPr>
+        <p:txBody>
+          <a:bodyPr wrap="square" rtlCol="0">
+            <a:spAutoFit/>
+          </a:bodyPr>
+          <a:lstStyle/>
+          <a:p>
+            <a:r>
+              <a:rPr kumimoji="1" lang="en-US" altLang="ko-Kore-KR" sz="3200"/>
+              <a:t>Rebalancing the number of cores </a:t>
+            </a:r>
+            <a:r>
+              <a:rPr kumimoji="1" lang="en-US" altLang="ko-KR" sz="3200"/>
+              <a:t>based</a:t>
+            </a:r>
+            <a:r>
+              <a:rPr kumimoji="1" lang="ko-KR" altLang="en-US" sz="3200"/>
+              <a:t> </a:t>
+            </a:r>
+            <a:r>
+              <a:rPr kumimoji="1" lang="en-US" altLang="ko-KR" sz="3200"/>
+              <a:t>on</a:t>
+            </a:r>
+            <a:r>
+              <a:rPr kumimoji="1" lang="ko-KR" altLang="en-US" sz="3200"/>
+              <a:t> </a:t>
+            </a:r>
+            <a:r>
+              <a:rPr kumimoji="1" lang="en-US" altLang="ko-KR" sz="3200"/>
+              <a:t>the</a:t>
+            </a:r>
+            <a:r>
+              <a:rPr kumimoji="1" lang="ko-KR" altLang="en-US" sz="3200"/>
+              <a:t> </a:t>
+            </a:r>
+            <a:r>
+              <a:rPr kumimoji="1" lang="en-US" altLang="ko-KR" sz="3200"/>
+              <a:t>load</a:t>
+            </a:r>
+            <a:r>
+              <a:rPr kumimoji="1" lang="ko-KR" altLang="en-US" sz="3200"/>
+              <a:t> </a:t>
+            </a:r>
+            <a:r>
+              <a:rPr kumimoji="1" lang="en-US" altLang="ko-KR" sz="3200"/>
+              <a:t>imposed</a:t>
+            </a:r>
+            <a:r>
+              <a:rPr kumimoji="1" lang="ko-KR" altLang="en-US" sz="3200"/>
+              <a:t> </a:t>
+            </a:r>
+            <a:r>
+              <a:rPr kumimoji="1" lang="en-US" altLang="ko-KR" sz="3200"/>
+              <a:t>on</a:t>
+            </a:r>
+            <a:r>
+              <a:rPr kumimoji="1" lang="ko-KR" altLang="en-US" sz="3200"/>
+              <a:t> </a:t>
+            </a:r>
+            <a:r>
+              <a:rPr kumimoji="1" lang="en-US" altLang="ko-KR" sz="3200"/>
+              <a:t>each</a:t>
+            </a:r>
+            <a:r>
+              <a:rPr kumimoji="1" lang="ko-KR" altLang="en-US" sz="3200"/>
+              <a:t> </a:t>
+            </a:r>
+            <a:r>
+              <a:rPr kumimoji="1" lang="en-US" altLang="ko-KR" sz="3200"/>
+              <a:t>application</a:t>
+            </a:r>
+            <a:endParaRPr kumimoji="1" lang="ko-Kore-KR" altLang="en-US" sz="3200"/>
+          </a:p>
+        </p:txBody>
+      </p:sp>
+      <p:sp>
+        <p:nvSpPr>
+          <p:cNvPr id="8" name="타원 7">
+            <a:extLst>
+              <a:ext uri="{FF2B5EF4-FFF2-40B4-BE49-F238E27FC236}">
+                <a16:creationId xmlns:a16="http://schemas.microsoft.com/office/drawing/2014/main" id="{D1F256E4-03D2-C7EC-1ADD-94448A9D14D9}"/>
+              </a:ext>
+            </a:extLst>
+          </p:cNvPr>
+          <p:cNvSpPr/>
+          <p:nvPr/>
+        </p:nvSpPr>
+        <p:spPr>
+          <a:xfrm>
+            <a:off x="-3575132" y="-17301870"/>
+            <a:ext cx="8676749" cy="1796519"/>
+          </a:xfrm>
+          <a:prstGeom prst="ellipse">
+            <a:avLst/>
+          </a:prstGeom>
+          <a:noFill/>
+          <a:ln w="19050">
+            <a:solidFill>
+              <a:schemeClr val="tx1"/>
+            </a:solidFill>
+          </a:ln>
+        </p:spPr>
+        <p:style>
+          <a:lnRef idx="2">
+            <a:schemeClr val="accent1">
+              <a:shade val="15000"/>
+            </a:schemeClr>
+          </a:lnRef>
+          <a:fillRef idx="1">
+            <a:schemeClr val="accent1"/>
+          </a:fillRef>
+          <a:effectRef idx="0">
+            <a:schemeClr val="accent1"/>
+          </a:effectRef>
+          <a:fontRef idx="minor">
+            <a:schemeClr val="lt1"/>
+          </a:fontRef>
+        </p:style>
+        <p:txBody>
+          <a:bodyPr rtlCol="0" anchor="ctr"/>
+          <a:lstStyle/>
+          <a:p>
+            <a:pPr algn="ctr"/>
+            <a:endParaRPr kumimoji="1" lang="ko-Kore-KR" altLang="en-US"/>
+          </a:p>
+        </p:txBody>
+      </p:sp>
+      <p:cxnSp>
+        <p:nvCxnSpPr>
+          <p:cNvPr id="9" name="구부러진 연결선[U] 8">
+            <a:extLst>
+              <a:ext uri="{FF2B5EF4-FFF2-40B4-BE49-F238E27FC236}">
+                <a16:creationId xmlns:a16="http://schemas.microsoft.com/office/drawing/2014/main" id="{9E9131E5-AA02-FF99-8739-1906DCD595BB}"/>
+              </a:ext>
+            </a:extLst>
+          </p:cNvPr>
+          <p:cNvCxnSpPr>
+            <a:cxnSpLocks/>
+            <a:stCxn id="4" idx="4"/>
+            <a:endCxn id="8" idx="0"/>
+          </p:cNvCxnSpPr>
+          <p:nvPr/>
+        </p:nvCxnSpPr>
+        <p:spPr>
+          <a:xfrm rot="16200000" flipH="1">
+            <a:off x="-1943536" y="-20008650"/>
+            <a:ext cx="741699" cy="4671859"/>
+          </a:xfrm>
+          <a:prstGeom prst="curvedConnector3">
+            <a:avLst>
+              <a:gd name="adj1" fmla="val 50000"/>
+            </a:avLst>
+          </a:prstGeom>
+          <a:ln w="12700">
+            <a:solidFill>
+              <a:schemeClr val="tx1"/>
+            </a:solidFill>
+          </a:ln>
+        </p:spPr>
+        <p:style>
+          <a:lnRef idx="1">
+            <a:schemeClr val="accent1"/>
+          </a:lnRef>
+          <a:fillRef idx="0">
+            <a:schemeClr val="accent1"/>
+          </a:fillRef>
+          <a:effectRef idx="0">
+            <a:schemeClr val="accent1"/>
+          </a:effectRef>
+          <a:fontRef idx="minor">
+            <a:schemeClr val="tx1"/>
+          </a:fontRef>
+        </p:style>
+      </p:cxnSp>
+      <p:sp>
+        <p:nvSpPr>
+          <p:cNvPr id="12" name="TextBox 11">
+            <a:extLst>
+              <a:ext uri="{FF2B5EF4-FFF2-40B4-BE49-F238E27FC236}">
+                <a16:creationId xmlns:a16="http://schemas.microsoft.com/office/drawing/2014/main" id="{DC67C79B-5E99-087F-C63E-31AB35A52E93}"/>
+              </a:ext>
+            </a:extLst>
+          </p:cNvPr>
+          <p:cNvSpPr txBox="1"/>
+          <p:nvPr/>
+        </p:nvSpPr>
+        <p:spPr>
+          <a:xfrm>
+            <a:off x="8018178" y="-14716788"/>
+            <a:ext cx="7222838" cy="584775"/>
+          </a:xfrm>
+          <a:prstGeom prst="rect">
+            <a:avLst/>
+          </a:prstGeom>
+          <a:noFill/>
+        </p:spPr>
+        <p:txBody>
+          <a:bodyPr wrap="square" rtlCol="0">
+            <a:spAutoFit/>
+          </a:bodyPr>
+          <a:lstStyle/>
+          <a:p>
+            <a:r>
+              <a:rPr kumimoji="1" lang="en-US" altLang="ko-Kore-KR" sz="3200"/>
+              <a:t>Why is that important?</a:t>
+            </a:r>
+            <a:endParaRPr kumimoji="1" lang="ko-Kore-KR" altLang="en-US" sz="3200"/>
+          </a:p>
+        </p:txBody>
+      </p:sp>
+      <p:sp>
+        <p:nvSpPr>
+          <p:cNvPr id="13" name="타원 12">
+            <a:extLst>
+              <a:ext uri="{FF2B5EF4-FFF2-40B4-BE49-F238E27FC236}">
+                <a16:creationId xmlns:a16="http://schemas.microsoft.com/office/drawing/2014/main" id="{B4581C77-71A7-D8D0-EB2F-2960F2ADA437}"/>
+              </a:ext>
+            </a:extLst>
+          </p:cNvPr>
+          <p:cNvSpPr/>
+          <p:nvPr/>
+        </p:nvSpPr>
+        <p:spPr>
+          <a:xfrm>
+            <a:off x="7587584" y="-14907185"/>
+            <a:ext cx="4656667" cy="965568"/>
+          </a:xfrm>
+          <a:prstGeom prst="ellipse">
+            <a:avLst/>
+          </a:prstGeom>
+          <a:noFill/>
+          <a:ln w="19050">
+            <a:solidFill>
+              <a:schemeClr val="tx1"/>
+            </a:solidFill>
+          </a:ln>
+        </p:spPr>
+        <p:style>
+          <a:lnRef idx="2">
+            <a:schemeClr val="accent1">
+              <a:shade val="15000"/>
+            </a:schemeClr>
+          </a:lnRef>
+          <a:fillRef idx="1">
+            <a:schemeClr val="accent1"/>
+          </a:fillRef>
+          <a:effectRef idx="0">
+            <a:schemeClr val="accent1"/>
+          </a:effectRef>
+          <a:fontRef idx="minor">
+            <a:schemeClr val="lt1"/>
+          </a:fontRef>
+        </p:style>
+        <p:txBody>
+          <a:bodyPr rtlCol="0" anchor="ctr"/>
+          <a:lstStyle/>
+          <a:p>
+            <a:pPr algn="ctr"/>
+            <a:endParaRPr kumimoji="1" lang="ko-Kore-KR" altLang="en-US"/>
+          </a:p>
+        </p:txBody>
+      </p:sp>
+      <p:cxnSp>
+        <p:nvCxnSpPr>
+          <p:cNvPr id="14" name="구부러진 연결선[U] 13">
+            <a:extLst>
+              <a:ext uri="{FF2B5EF4-FFF2-40B4-BE49-F238E27FC236}">
+                <a16:creationId xmlns:a16="http://schemas.microsoft.com/office/drawing/2014/main" id="{CF1A4CDB-D01F-DB0B-C3DB-DECF103B6A6B}"/>
+              </a:ext>
+            </a:extLst>
+          </p:cNvPr>
+          <p:cNvCxnSpPr>
+            <a:cxnSpLocks/>
+            <a:stCxn id="8" idx="4"/>
+            <a:endCxn id="13" idx="0"/>
+          </p:cNvCxnSpPr>
+          <p:nvPr/>
+        </p:nvCxnSpPr>
+        <p:spPr>
+          <a:xfrm rot="16200000" flipH="1">
+            <a:off x="5040497" y="-19782606"/>
+            <a:ext cx="598166" cy="9152675"/>
+          </a:xfrm>
+          <a:prstGeom prst="curvedConnector3">
+            <a:avLst>
+              <a:gd name="adj1" fmla="val 50000"/>
+            </a:avLst>
+          </a:prstGeom>
+          <a:ln w="12700">
+            <a:solidFill>
+              <a:schemeClr val="tx1"/>
+            </a:solidFill>
+          </a:ln>
+        </p:spPr>
+        <p:style>
+          <a:lnRef idx="1">
+            <a:schemeClr val="accent1"/>
+          </a:lnRef>
+          <a:fillRef idx="0">
+            <a:schemeClr val="accent1"/>
+          </a:fillRef>
+          <a:effectRef idx="0">
+            <a:schemeClr val="accent1"/>
+          </a:effectRef>
+          <a:fontRef idx="minor">
+            <a:schemeClr val="tx1"/>
+          </a:fontRef>
+        </p:style>
+      </p:cxnSp>
+      <p:sp>
+        <p:nvSpPr>
+          <p:cNvPr id="10" name="TextBox 9">
+            <a:extLst>
+              <a:ext uri="{FF2B5EF4-FFF2-40B4-BE49-F238E27FC236}">
+                <a16:creationId xmlns:a16="http://schemas.microsoft.com/office/drawing/2014/main" id="{F908469E-1293-8F78-F0A2-4C06D939D4AD}"/>
+              </a:ext>
+            </a:extLst>
+          </p:cNvPr>
+          <p:cNvSpPr txBox="1"/>
+          <p:nvPr/>
+        </p:nvSpPr>
+        <p:spPr>
+          <a:xfrm>
+            <a:off x="4452263" y="-13278158"/>
+            <a:ext cx="5592154" cy="1077218"/>
+          </a:xfrm>
+          <a:prstGeom prst="rect">
+            <a:avLst/>
+          </a:prstGeom>
+          <a:noFill/>
+        </p:spPr>
+        <p:txBody>
+          <a:bodyPr wrap="square" rtlCol="0">
+            <a:spAutoFit/>
+          </a:bodyPr>
+          <a:lstStyle/>
+          <a:p>
+            <a:pPr algn="ctr"/>
+            <a:r>
+              <a:rPr kumimoji="1" lang="en-US" altLang="ko-Kore-KR" sz="3200"/>
+              <a:t>If the application uses too much cores, it will waste CPU cycles</a:t>
+            </a:r>
+            <a:endParaRPr kumimoji="1" lang="ko-Kore-KR" altLang="en-US" sz="3200"/>
+          </a:p>
+        </p:txBody>
+      </p:sp>
+      <p:sp>
+        <p:nvSpPr>
+          <p:cNvPr id="11" name="TextBox 10">
+            <a:extLst>
+              <a:ext uri="{FF2B5EF4-FFF2-40B4-BE49-F238E27FC236}">
+                <a16:creationId xmlns:a16="http://schemas.microsoft.com/office/drawing/2014/main" id="{065ED208-3C9E-B5D1-510F-B4CC2F4DCEF6}"/>
+              </a:ext>
+            </a:extLst>
+          </p:cNvPr>
+          <p:cNvSpPr txBox="1"/>
+          <p:nvPr/>
+        </p:nvSpPr>
+        <p:spPr>
+          <a:xfrm>
+            <a:off x="10448357" y="-13303905"/>
+            <a:ext cx="5707350" cy="1077218"/>
+          </a:xfrm>
+          <a:prstGeom prst="rect">
+            <a:avLst/>
+          </a:prstGeom>
+          <a:noFill/>
+        </p:spPr>
+        <p:txBody>
+          <a:bodyPr wrap="square" rtlCol="0">
+            <a:spAutoFit/>
+          </a:bodyPr>
+          <a:lstStyle/>
+          <a:p>
+            <a:pPr algn="ctr"/>
+            <a:r>
+              <a:rPr kumimoji="1" lang="en-US" altLang="ko-Kore-KR" sz="3200"/>
+              <a:t>If the application uses too few cores, it will cause delay</a:t>
+            </a:r>
+            <a:endParaRPr kumimoji="1" lang="ko-Kore-KR" altLang="en-US" sz="3200"/>
+          </a:p>
+        </p:txBody>
+      </p:sp>
+      <p:sp>
+        <p:nvSpPr>
+          <p:cNvPr id="15" name="타원 14">
+            <a:extLst>
+              <a:ext uri="{FF2B5EF4-FFF2-40B4-BE49-F238E27FC236}">
+                <a16:creationId xmlns:a16="http://schemas.microsoft.com/office/drawing/2014/main" id="{05AD6D1F-801B-C907-FA0B-3E4FB0B9EC42}"/>
+              </a:ext>
+            </a:extLst>
+          </p:cNvPr>
+          <p:cNvSpPr/>
+          <p:nvPr/>
+        </p:nvSpPr>
+        <p:spPr>
+          <a:xfrm>
+            <a:off x="4252452" y="-13663555"/>
+            <a:ext cx="5907161" cy="1796519"/>
+          </a:xfrm>
+          <a:prstGeom prst="ellipse">
+            <a:avLst/>
+          </a:prstGeom>
+          <a:noFill/>
+          <a:ln w="19050">
+            <a:solidFill>
+              <a:schemeClr val="tx1"/>
+            </a:solidFill>
+          </a:ln>
+        </p:spPr>
+        <p:style>
+          <a:lnRef idx="2">
+            <a:schemeClr val="accent1">
+              <a:shade val="15000"/>
+            </a:schemeClr>
+          </a:lnRef>
+          <a:fillRef idx="1">
+            <a:schemeClr val="accent1"/>
+          </a:fillRef>
+          <a:effectRef idx="0">
+            <a:schemeClr val="accent1"/>
+          </a:effectRef>
+          <a:fontRef idx="minor">
+            <a:schemeClr val="lt1"/>
+          </a:fontRef>
+        </p:style>
+        <p:txBody>
+          <a:bodyPr rtlCol="0" anchor="ctr"/>
+          <a:lstStyle/>
+          <a:p>
+            <a:pPr algn="ctr"/>
+            <a:endParaRPr kumimoji="1" lang="ko-Kore-KR" altLang="en-US"/>
+          </a:p>
+        </p:txBody>
+      </p:sp>
+      <p:sp>
+        <p:nvSpPr>
+          <p:cNvPr id="16" name="타원 15">
+            <a:extLst>
+              <a:ext uri="{FF2B5EF4-FFF2-40B4-BE49-F238E27FC236}">
+                <a16:creationId xmlns:a16="http://schemas.microsoft.com/office/drawing/2014/main" id="{A938BDA0-F266-294A-6596-6C420D8C2715}"/>
+              </a:ext>
+            </a:extLst>
+          </p:cNvPr>
+          <p:cNvSpPr/>
+          <p:nvPr/>
+        </p:nvSpPr>
+        <p:spPr>
+          <a:xfrm>
+            <a:off x="10348452" y="-13732868"/>
+            <a:ext cx="5907161" cy="1796519"/>
+          </a:xfrm>
+          <a:prstGeom prst="ellipse">
+            <a:avLst/>
+          </a:prstGeom>
+          <a:noFill/>
+          <a:ln w="19050">
+            <a:solidFill>
+              <a:schemeClr val="tx1"/>
+            </a:solidFill>
+          </a:ln>
+        </p:spPr>
+        <p:style>
+          <a:lnRef idx="2">
+            <a:schemeClr val="accent1">
+              <a:shade val="15000"/>
+            </a:schemeClr>
+          </a:lnRef>
+          <a:fillRef idx="1">
+            <a:schemeClr val="accent1"/>
+          </a:fillRef>
+          <a:effectRef idx="0">
+            <a:schemeClr val="accent1"/>
+          </a:effectRef>
+          <a:fontRef idx="minor">
+            <a:schemeClr val="lt1"/>
+          </a:fontRef>
+        </p:style>
+        <p:txBody>
+          <a:bodyPr rtlCol="0" anchor="ctr"/>
+          <a:lstStyle/>
+          <a:p>
+            <a:pPr algn="ctr"/>
+            <a:endParaRPr kumimoji="1" lang="ko-Kore-KR" altLang="en-US"/>
+          </a:p>
+        </p:txBody>
+      </p:sp>
+      <p:cxnSp>
+        <p:nvCxnSpPr>
+          <p:cNvPr id="17" name="구부러진 연결선[U] 16">
+            <a:extLst>
+              <a:ext uri="{FF2B5EF4-FFF2-40B4-BE49-F238E27FC236}">
+                <a16:creationId xmlns:a16="http://schemas.microsoft.com/office/drawing/2014/main" id="{38D8624E-CF21-0480-850B-C0E82652C146}"/>
+              </a:ext>
+            </a:extLst>
+          </p:cNvPr>
+          <p:cNvCxnSpPr>
+            <a:cxnSpLocks/>
+            <a:stCxn id="13" idx="4"/>
+            <a:endCxn id="15" idx="0"/>
+          </p:cNvCxnSpPr>
+          <p:nvPr/>
+        </p:nvCxnSpPr>
+        <p:spPr>
+          <a:xfrm rot="5400000">
+            <a:off x="8421945" y="-15157528"/>
+            <a:ext cx="278062" cy="2709885"/>
+          </a:xfrm>
+          <a:prstGeom prst="curvedConnector3">
+            <a:avLst>
+              <a:gd name="adj1" fmla="val 50000"/>
+            </a:avLst>
+          </a:prstGeom>
+          <a:ln w="12700">
+            <a:solidFill>
+              <a:schemeClr val="tx1"/>
+            </a:solidFill>
+          </a:ln>
+        </p:spPr>
+        <p:style>
+          <a:lnRef idx="1">
+            <a:schemeClr val="accent1"/>
+          </a:lnRef>
+          <a:fillRef idx="0">
+            <a:schemeClr val="accent1"/>
+          </a:fillRef>
+          <a:effectRef idx="0">
+            <a:schemeClr val="accent1"/>
+          </a:effectRef>
+          <a:fontRef idx="minor">
+            <a:schemeClr val="tx1"/>
+          </a:fontRef>
+        </p:style>
+      </p:cxnSp>
+      <p:cxnSp>
+        <p:nvCxnSpPr>
+          <p:cNvPr id="20" name="구부러진 연결선[U] 19">
+            <a:extLst>
+              <a:ext uri="{FF2B5EF4-FFF2-40B4-BE49-F238E27FC236}">
+                <a16:creationId xmlns:a16="http://schemas.microsoft.com/office/drawing/2014/main" id="{D6071B32-0863-BC50-8603-65EEABE02864}"/>
+              </a:ext>
+            </a:extLst>
+          </p:cNvPr>
+          <p:cNvCxnSpPr>
+            <a:cxnSpLocks/>
+            <a:stCxn id="13" idx="4"/>
+            <a:endCxn id="16" idx="0"/>
+          </p:cNvCxnSpPr>
+          <p:nvPr/>
+        </p:nvCxnSpPr>
+        <p:spPr>
+          <a:xfrm rot="16200000" flipH="1">
+            <a:off x="11504601" y="-15530301"/>
+            <a:ext cx="208749" cy="3386115"/>
+          </a:xfrm>
+          <a:prstGeom prst="curvedConnector3">
+            <a:avLst>
+              <a:gd name="adj1" fmla="val 50000"/>
+            </a:avLst>
+          </a:prstGeom>
+          <a:ln w="12700">
+            <a:solidFill>
+              <a:schemeClr val="tx1"/>
+            </a:solidFill>
+          </a:ln>
+        </p:spPr>
+        <p:style>
+          <a:lnRef idx="1">
+            <a:schemeClr val="accent1"/>
+          </a:lnRef>
+          <a:fillRef idx="0">
+            <a:schemeClr val="accent1"/>
+          </a:fillRef>
+          <a:effectRef idx="0">
+            <a:schemeClr val="accent1"/>
+          </a:effectRef>
+          <a:fontRef idx="minor">
+            <a:schemeClr val="tx1"/>
+          </a:fontRef>
+        </p:style>
+      </p:cxnSp>
+      <p:sp>
+        <p:nvSpPr>
+          <p:cNvPr id="21" name="TextBox 20">
+            <a:extLst>
+              <a:ext uri="{FF2B5EF4-FFF2-40B4-BE49-F238E27FC236}">
+                <a16:creationId xmlns:a16="http://schemas.microsoft.com/office/drawing/2014/main" id="{6C214EB7-1BCB-DC08-AD57-9E922398FFDF}"/>
+              </a:ext>
+            </a:extLst>
+          </p:cNvPr>
+          <p:cNvSpPr txBox="1"/>
+          <p:nvPr/>
+        </p:nvSpPr>
+        <p:spPr>
+          <a:xfrm>
+            <a:off x="-5673884" y="-15002905"/>
+            <a:ext cx="6862024" cy="1077218"/>
+          </a:xfrm>
+          <a:prstGeom prst="rect">
+            <a:avLst/>
+          </a:prstGeom>
+          <a:noFill/>
+        </p:spPr>
+        <p:txBody>
+          <a:bodyPr wrap="square" rtlCol="0">
+            <a:spAutoFit/>
+          </a:bodyPr>
+          <a:lstStyle/>
+          <a:p>
+            <a:pPr algn="ctr"/>
+            <a:r>
+              <a:rPr kumimoji="1" lang="en-US" altLang="ko-Kore-KR" sz="3200"/>
+              <a:t>What is Shenango’s insight distinguished from previous works?</a:t>
+            </a:r>
+            <a:endParaRPr kumimoji="1" lang="ko-Kore-KR" altLang="en-US" sz="3200"/>
+          </a:p>
+        </p:txBody>
+      </p:sp>
+      <p:sp>
+        <p:nvSpPr>
+          <p:cNvPr id="25" name="타원 24">
+            <a:extLst>
+              <a:ext uri="{FF2B5EF4-FFF2-40B4-BE49-F238E27FC236}">
+                <a16:creationId xmlns:a16="http://schemas.microsoft.com/office/drawing/2014/main" id="{AF155A50-3475-5EBC-153C-EBF4192CD4F6}"/>
+              </a:ext>
+            </a:extLst>
+          </p:cNvPr>
+          <p:cNvSpPr/>
+          <p:nvPr/>
+        </p:nvSpPr>
+        <p:spPr>
+          <a:xfrm>
+            <a:off x="-5923748" y="-15293287"/>
+            <a:ext cx="7111888" cy="1796518"/>
+          </a:xfrm>
+          <a:prstGeom prst="ellipse">
+            <a:avLst/>
+          </a:prstGeom>
+          <a:noFill/>
+          <a:ln w="19050">
+            <a:solidFill>
+              <a:schemeClr val="tx1"/>
+            </a:solidFill>
+          </a:ln>
+        </p:spPr>
+        <p:style>
+          <a:lnRef idx="2">
+            <a:schemeClr val="accent1">
+              <a:shade val="15000"/>
+            </a:schemeClr>
+          </a:lnRef>
+          <a:fillRef idx="1">
+            <a:schemeClr val="accent1"/>
+          </a:fillRef>
+          <a:effectRef idx="0">
+            <a:schemeClr val="accent1"/>
+          </a:effectRef>
+          <a:fontRef idx="minor">
+            <a:schemeClr val="lt1"/>
+          </a:fontRef>
+        </p:style>
+        <p:txBody>
+          <a:bodyPr rtlCol="0" anchor="ctr"/>
+          <a:lstStyle/>
+          <a:p>
+            <a:pPr algn="ctr"/>
+            <a:endParaRPr kumimoji="1" lang="ko-Kore-KR" altLang="en-US"/>
+          </a:p>
+        </p:txBody>
+      </p:sp>
+      <p:cxnSp>
+        <p:nvCxnSpPr>
+          <p:cNvPr id="26" name="구부러진 연결선[U] 25">
+            <a:extLst>
+              <a:ext uri="{FF2B5EF4-FFF2-40B4-BE49-F238E27FC236}">
+                <a16:creationId xmlns:a16="http://schemas.microsoft.com/office/drawing/2014/main" id="{9788D089-2925-B5FE-DFBA-A907B31A78E0}"/>
+              </a:ext>
+            </a:extLst>
+          </p:cNvPr>
+          <p:cNvCxnSpPr>
+            <a:cxnSpLocks/>
+            <a:stCxn id="8" idx="4"/>
+            <a:endCxn id="25" idx="0"/>
+          </p:cNvCxnSpPr>
+          <p:nvPr/>
+        </p:nvCxnSpPr>
+        <p:spPr>
+          <a:xfrm rot="5400000">
+            <a:off x="-908312" y="-16964842"/>
+            <a:ext cx="212064" cy="3131047"/>
+          </a:xfrm>
+          <a:prstGeom prst="curvedConnector3">
+            <a:avLst>
+              <a:gd name="adj1" fmla="val 50000"/>
+            </a:avLst>
+          </a:prstGeom>
+          <a:ln w="12700">
+            <a:solidFill>
+              <a:schemeClr val="tx1"/>
+            </a:solidFill>
+          </a:ln>
+        </p:spPr>
+        <p:style>
+          <a:lnRef idx="1">
+            <a:schemeClr val="accent1"/>
+          </a:lnRef>
+          <a:fillRef idx="0">
+            <a:schemeClr val="accent1"/>
+          </a:fillRef>
+          <a:effectRef idx="0">
+            <a:schemeClr val="accent1"/>
+          </a:effectRef>
+          <a:fontRef idx="minor">
+            <a:schemeClr val="tx1"/>
+          </a:fontRef>
+        </p:style>
+      </p:cxnSp>
+      <p:sp>
+        <p:nvSpPr>
+          <p:cNvPr id="18" name="TextBox 17">
+            <a:extLst>
+              <a:ext uri="{FF2B5EF4-FFF2-40B4-BE49-F238E27FC236}">
+                <a16:creationId xmlns:a16="http://schemas.microsoft.com/office/drawing/2014/main" id="{2CB89DDB-47EA-13F7-7D30-CBE31325028B}"/>
+              </a:ext>
+            </a:extLst>
+          </p:cNvPr>
+          <p:cNvSpPr txBox="1"/>
+          <p:nvPr/>
+        </p:nvSpPr>
+        <p:spPr>
+          <a:xfrm>
+            <a:off x="-5923748" y="-12898602"/>
+            <a:ext cx="6862024" cy="584775"/>
+          </a:xfrm>
+          <a:prstGeom prst="rect">
+            <a:avLst/>
+          </a:prstGeom>
+          <a:noFill/>
+        </p:spPr>
+        <p:txBody>
+          <a:bodyPr wrap="square" rtlCol="0">
+            <a:spAutoFit/>
+          </a:bodyPr>
+          <a:lstStyle/>
+          <a:p>
+            <a:pPr algn="ctr"/>
+            <a:r>
+              <a:rPr kumimoji="1" lang="en-US" altLang="ko-Kore-KR" sz="3200"/>
+              <a:t>What is a previous work?</a:t>
+            </a:r>
+            <a:endParaRPr kumimoji="1" lang="ko-Kore-KR" altLang="en-US" sz="3200"/>
+          </a:p>
+        </p:txBody>
+      </p:sp>
+      <p:sp>
+        <p:nvSpPr>
+          <p:cNvPr id="19" name="TextBox 18">
+            <a:extLst>
+              <a:ext uri="{FF2B5EF4-FFF2-40B4-BE49-F238E27FC236}">
+                <a16:creationId xmlns:a16="http://schemas.microsoft.com/office/drawing/2014/main" id="{3A441F01-4571-C4F2-8420-4D1309A55EC8}"/>
+              </a:ext>
+            </a:extLst>
+          </p:cNvPr>
+          <p:cNvSpPr txBox="1"/>
+          <p:nvPr/>
+        </p:nvSpPr>
+        <p:spPr>
+          <a:xfrm>
+            <a:off x="-6265563" y="-11333716"/>
+            <a:ext cx="6862024" cy="584775"/>
+          </a:xfrm>
+          <a:prstGeom prst="rect">
+            <a:avLst/>
+          </a:prstGeom>
+          <a:noFill/>
+        </p:spPr>
+        <p:txBody>
+          <a:bodyPr wrap="square" rtlCol="0">
+            <a:spAutoFit/>
+          </a:bodyPr>
+          <a:lstStyle/>
+          <a:p>
+            <a:pPr algn="ctr"/>
+            <a:r>
+              <a:rPr kumimoji="1" lang="en-US" altLang="ko-Kore-KR" sz="3200"/>
+              <a:t>Arachne (OSDI’18)</a:t>
+            </a:r>
+            <a:endParaRPr kumimoji="1" lang="ko-Kore-KR" altLang="en-US" sz="3200"/>
+          </a:p>
+        </p:txBody>
+      </p:sp>
+      <p:sp>
+        <p:nvSpPr>
+          <p:cNvPr id="22" name="타원 21">
+            <a:extLst>
+              <a:ext uri="{FF2B5EF4-FFF2-40B4-BE49-F238E27FC236}">
+                <a16:creationId xmlns:a16="http://schemas.microsoft.com/office/drawing/2014/main" id="{85A56460-7532-DB7A-7F49-F8B5B766BA15}"/>
+              </a:ext>
+            </a:extLst>
+          </p:cNvPr>
+          <p:cNvSpPr/>
+          <p:nvPr/>
+        </p:nvSpPr>
+        <p:spPr>
+          <a:xfrm>
+            <a:off x="-4976060" y="-13155931"/>
+            <a:ext cx="4964858" cy="1184105"/>
+          </a:xfrm>
+          <a:prstGeom prst="ellipse">
+            <a:avLst/>
+          </a:prstGeom>
+          <a:noFill/>
+          <a:ln w="19050">
+            <a:solidFill>
+              <a:schemeClr val="tx1"/>
+            </a:solidFill>
+          </a:ln>
+        </p:spPr>
+        <p:style>
+          <a:lnRef idx="2">
+            <a:schemeClr val="accent1">
+              <a:shade val="15000"/>
+            </a:schemeClr>
+          </a:lnRef>
+          <a:fillRef idx="1">
+            <a:schemeClr val="accent1"/>
+          </a:fillRef>
+          <a:effectRef idx="0">
+            <a:schemeClr val="accent1"/>
+          </a:effectRef>
+          <a:fontRef idx="minor">
+            <a:schemeClr val="lt1"/>
+          </a:fontRef>
+        </p:style>
+        <p:txBody>
+          <a:bodyPr rtlCol="0" anchor="ctr"/>
+          <a:lstStyle/>
+          <a:p>
+            <a:pPr algn="ctr"/>
+            <a:endParaRPr kumimoji="1" lang="ko-Kore-KR" altLang="en-US"/>
+          </a:p>
+        </p:txBody>
+      </p:sp>
+      <p:sp>
+        <p:nvSpPr>
+          <p:cNvPr id="23" name="타원 22">
+            <a:extLst>
+              <a:ext uri="{FF2B5EF4-FFF2-40B4-BE49-F238E27FC236}">
+                <a16:creationId xmlns:a16="http://schemas.microsoft.com/office/drawing/2014/main" id="{6BD4C979-F5F7-4911-EEC5-E1774E7B251E}"/>
+              </a:ext>
+            </a:extLst>
+          </p:cNvPr>
+          <p:cNvSpPr/>
+          <p:nvPr/>
+        </p:nvSpPr>
+        <p:spPr>
+          <a:xfrm>
+            <a:off x="-5150250" y="-11629986"/>
+            <a:ext cx="4964858" cy="1184105"/>
+          </a:xfrm>
+          <a:prstGeom prst="ellipse">
+            <a:avLst/>
+          </a:prstGeom>
+          <a:noFill/>
+          <a:ln w="19050">
+            <a:solidFill>
+              <a:schemeClr val="tx1"/>
+            </a:solidFill>
+          </a:ln>
+        </p:spPr>
+        <p:style>
+          <a:lnRef idx="2">
+            <a:schemeClr val="accent1">
+              <a:shade val="15000"/>
+            </a:schemeClr>
+          </a:lnRef>
+          <a:fillRef idx="1">
+            <a:schemeClr val="accent1"/>
+          </a:fillRef>
+          <a:effectRef idx="0">
+            <a:schemeClr val="accent1"/>
+          </a:effectRef>
+          <a:fontRef idx="minor">
+            <a:schemeClr val="lt1"/>
+          </a:fontRef>
+        </p:style>
+        <p:txBody>
+          <a:bodyPr rtlCol="0" anchor="ctr"/>
+          <a:lstStyle/>
+          <a:p>
+            <a:pPr algn="ctr"/>
+            <a:endParaRPr kumimoji="1" lang="ko-Kore-KR" altLang="en-US"/>
+          </a:p>
+        </p:txBody>
+      </p:sp>
+      <p:cxnSp>
+        <p:nvCxnSpPr>
+          <p:cNvPr id="24" name="구부러진 연결선[U] 23">
+            <a:extLst>
+              <a:ext uri="{FF2B5EF4-FFF2-40B4-BE49-F238E27FC236}">
+                <a16:creationId xmlns:a16="http://schemas.microsoft.com/office/drawing/2014/main" id="{6E1E8546-C8AA-1E6A-4622-CC3EA7BA4559}"/>
+              </a:ext>
+            </a:extLst>
+          </p:cNvPr>
+          <p:cNvCxnSpPr>
+            <a:cxnSpLocks/>
+            <a:stCxn id="25" idx="4"/>
+            <a:endCxn id="22" idx="0"/>
+          </p:cNvCxnSpPr>
+          <p:nvPr/>
+        </p:nvCxnSpPr>
+        <p:spPr>
+          <a:xfrm rot="5400000">
+            <a:off x="-2601136" y="-13389263"/>
+            <a:ext cx="340838" cy="125827"/>
+          </a:xfrm>
+          <a:prstGeom prst="curvedConnector3">
+            <a:avLst>
+              <a:gd name="adj1" fmla="val 50000"/>
+            </a:avLst>
+          </a:prstGeom>
+          <a:ln w="12700">
+            <a:solidFill>
+              <a:schemeClr val="tx1"/>
+            </a:solidFill>
+          </a:ln>
+        </p:spPr>
+        <p:style>
+          <a:lnRef idx="1">
+            <a:schemeClr val="accent1"/>
+          </a:lnRef>
+          <a:fillRef idx="0">
+            <a:schemeClr val="accent1"/>
+          </a:fillRef>
+          <a:effectRef idx="0">
+            <a:schemeClr val="accent1"/>
+          </a:effectRef>
+          <a:fontRef idx="minor">
+            <a:schemeClr val="tx1"/>
+          </a:fontRef>
+        </p:style>
+      </p:cxnSp>
+      <p:cxnSp>
+        <p:nvCxnSpPr>
+          <p:cNvPr id="29" name="구부러진 연결선[U] 28">
+            <a:extLst>
+              <a:ext uri="{FF2B5EF4-FFF2-40B4-BE49-F238E27FC236}">
+                <a16:creationId xmlns:a16="http://schemas.microsoft.com/office/drawing/2014/main" id="{E1CC28D2-1733-434F-F1C6-4A4F1D058CA6}"/>
+              </a:ext>
+            </a:extLst>
+          </p:cNvPr>
+          <p:cNvCxnSpPr>
+            <a:cxnSpLocks/>
+            <a:stCxn id="22" idx="4"/>
+            <a:endCxn id="23" idx="0"/>
+          </p:cNvCxnSpPr>
+          <p:nvPr/>
+        </p:nvCxnSpPr>
+        <p:spPr>
+          <a:xfrm rot="5400000">
+            <a:off x="-2751646" y="-11888001"/>
+            <a:ext cx="341840" cy="174190"/>
+          </a:xfrm>
+          <a:prstGeom prst="curvedConnector3">
+            <a:avLst>
+              <a:gd name="adj1" fmla="val 50000"/>
+            </a:avLst>
+          </a:prstGeom>
+          <a:ln w="12700">
+            <a:solidFill>
+              <a:schemeClr val="tx1"/>
+            </a:solidFill>
+          </a:ln>
+        </p:spPr>
+        <p:style>
+          <a:lnRef idx="1">
+            <a:schemeClr val="accent1"/>
+          </a:lnRef>
+          <a:fillRef idx="0">
+            <a:schemeClr val="accent1"/>
+          </a:fillRef>
+          <a:effectRef idx="0">
+            <a:schemeClr val="accent1"/>
+          </a:effectRef>
+          <a:fontRef idx="minor">
+            <a:schemeClr val="tx1"/>
+          </a:fontRef>
+        </p:style>
+      </p:cxnSp>
+      <p:sp>
+        <p:nvSpPr>
+          <p:cNvPr id="34" name="타원 33">
+            <a:extLst>
+              <a:ext uri="{FF2B5EF4-FFF2-40B4-BE49-F238E27FC236}">
+                <a16:creationId xmlns:a16="http://schemas.microsoft.com/office/drawing/2014/main" id="{E66C2F18-0697-5A6F-6F0E-881E91D94575}"/>
+              </a:ext>
+            </a:extLst>
+          </p:cNvPr>
+          <p:cNvSpPr/>
+          <p:nvPr/>
+        </p:nvSpPr>
+        <p:spPr>
+          <a:xfrm>
+            <a:off x="-6909006" y="-10083572"/>
+            <a:ext cx="8097145" cy="1628962"/>
+          </a:xfrm>
+          <a:prstGeom prst="ellipse">
+            <a:avLst/>
+          </a:prstGeom>
+          <a:noFill/>
+          <a:ln w="19050">
+            <a:solidFill>
+              <a:schemeClr val="tx1"/>
+            </a:solidFill>
+          </a:ln>
+        </p:spPr>
+        <p:style>
+          <a:lnRef idx="2">
+            <a:schemeClr val="accent1">
+              <a:shade val="15000"/>
+            </a:schemeClr>
+          </a:lnRef>
+          <a:fillRef idx="1">
+            <a:schemeClr val="accent1"/>
+          </a:fillRef>
+          <a:effectRef idx="0">
+            <a:schemeClr val="accent1"/>
+          </a:effectRef>
+          <a:fontRef idx="minor">
+            <a:schemeClr val="lt1"/>
+          </a:fontRef>
+        </p:style>
+        <p:txBody>
+          <a:bodyPr rtlCol="0" anchor="ctr"/>
+          <a:lstStyle/>
+          <a:p>
+            <a:pPr algn="ctr"/>
+            <a:endParaRPr kumimoji="1" lang="ko-Kore-KR" altLang="en-US"/>
+          </a:p>
+        </p:txBody>
+      </p:sp>
+      <p:cxnSp>
+        <p:nvCxnSpPr>
+          <p:cNvPr id="35" name="구부러진 연결선[U] 34">
+            <a:extLst>
+              <a:ext uri="{FF2B5EF4-FFF2-40B4-BE49-F238E27FC236}">
+                <a16:creationId xmlns:a16="http://schemas.microsoft.com/office/drawing/2014/main" id="{9F3C5CB0-1624-4BB8-F06F-80D94F78E6C7}"/>
+              </a:ext>
+            </a:extLst>
+          </p:cNvPr>
+          <p:cNvCxnSpPr>
+            <a:cxnSpLocks/>
+            <a:stCxn id="23" idx="4"/>
+            <a:endCxn id="34" idx="0"/>
+          </p:cNvCxnSpPr>
+          <p:nvPr/>
+        </p:nvCxnSpPr>
+        <p:spPr>
+          <a:xfrm rot="5400000">
+            <a:off x="-2945281" y="-10361033"/>
+            <a:ext cx="362309" cy="192612"/>
+          </a:xfrm>
+          <a:prstGeom prst="curvedConnector3">
+            <a:avLst>
+              <a:gd name="adj1" fmla="val 50000"/>
+            </a:avLst>
+          </a:prstGeom>
+          <a:ln w="12700">
+            <a:solidFill>
+              <a:schemeClr val="tx1"/>
+            </a:solidFill>
+          </a:ln>
+        </p:spPr>
+        <p:style>
+          <a:lnRef idx="1">
+            <a:schemeClr val="accent1"/>
+          </a:lnRef>
+          <a:fillRef idx="0">
+            <a:schemeClr val="accent1"/>
+          </a:fillRef>
+          <a:effectRef idx="0">
+            <a:schemeClr val="accent1"/>
+          </a:effectRef>
+          <a:fontRef idx="minor">
+            <a:schemeClr val="tx1"/>
+          </a:fontRef>
+        </p:style>
+      </p:cxnSp>
+      <p:sp>
+        <p:nvSpPr>
+          <p:cNvPr id="28" name="TextBox 27">
+            <a:extLst>
+              <a:ext uri="{FF2B5EF4-FFF2-40B4-BE49-F238E27FC236}">
+                <a16:creationId xmlns:a16="http://schemas.microsoft.com/office/drawing/2014/main" id="{8A8E5FE0-C18B-0613-879F-D5B1BDF167E6}"/>
+              </a:ext>
+            </a:extLst>
+          </p:cNvPr>
+          <p:cNvSpPr txBox="1"/>
+          <p:nvPr/>
+        </p:nvSpPr>
+        <p:spPr>
+          <a:xfrm>
+            <a:off x="-6279188" y="-9845355"/>
+            <a:ext cx="6862024" cy="1077218"/>
+          </a:xfrm>
+          <a:prstGeom prst="rect">
+            <a:avLst/>
+          </a:prstGeom>
+          <a:noFill/>
+        </p:spPr>
+        <p:txBody>
+          <a:bodyPr wrap="square" rtlCol="0">
+            <a:spAutoFit/>
+          </a:bodyPr>
+          <a:lstStyle/>
+          <a:p>
+            <a:pPr algn="ctr"/>
+            <a:r>
+              <a:rPr kumimoji="1" lang="en-US" altLang="ko-Kore-KR" sz="3200"/>
+              <a:t>It also rebalance the number of cores based on the application’s metrics</a:t>
+            </a:r>
+            <a:endParaRPr kumimoji="1" lang="ko-Kore-KR" altLang="en-US" sz="3200"/>
+          </a:p>
+        </p:txBody>
+      </p:sp>
+      <p:sp>
+        <p:nvSpPr>
+          <p:cNvPr id="36" name="TextBox 35">
+            <a:extLst>
+              <a:ext uri="{FF2B5EF4-FFF2-40B4-BE49-F238E27FC236}">
+                <a16:creationId xmlns:a16="http://schemas.microsoft.com/office/drawing/2014/main" id="{44AEB763-917C-08B1-7075-EC027FBE0089}"/>
+              </a:ext>
+            </a:extLst>
+          </p:cNvPr>
+          <p:cNvSpPr txBox="1"/>
+          <p:nvPr/>
+        </p:nvSpPr>
+        <p:spPr>
+          <a:xfrm>
+            <a:off x="-6728597" y="-7777329"/>
+            <a:ext cx="6862024" cy="584775"/>
+          </a:xfrm>
+          <a:prstGeom prst="rect">
+            <a:avLst/>
+          </a:prstGeom>
+          <a:noFill/>
+        </p:spPr>
+        <p:txBody>
+          <a:bodyPr wrap="square" rtlCol="0">
+            <a:spAutoFit/>
+          </a:bodyPr>
+          <a:lstStyle/>
+          <a:p>
+            <a:pPr algn="ctr"/>
+            <a:r>
+              <a:rPr kumimoji="1" lang="en-US" altLang="ko-Kore-KR" sz="3200"/>
+              <a:t>Then what is a difference?</a:t>
+            </a:r>
+            <a:endParaRPr kumimoji="1" lang="ko-Kore-KR" altLang="en-US" sz="3200"/>
+          </a:p>
+        </p:txBody>
+      </p:sp>
+      <p:sp>
+        <p:nvSpPr>
+          <p:cNvPr id="37" name="타원 36">
+            <a:extLst>
+              <a:ext uri="{FF2B5EF4-FFF2-40B4-BE49-F238E27FC236}">
+                <a16:creationId xmlns:a16="http://schemas.microsoft.com/office/drawing/2014/main" id="{3726F426-45D1-14E6-7821-69C9E24C17CC}"/>
+              </a:ext>
+            </a:extLst>
+          </p:cNvPr>
+          <p:cNvSpPr/>
+          <p:nvPr/>
+        </p:nvSpPr>
+        <p:spPr>
+          <a:xfrm>
+            <a:off x="-6728597" y="-8049180"/>
+            <a:ext cx="6862024" cy="1200329"/>
+          </a:xfrm>
+          <a:prstGeom prst="ellipse">
+            <a:avLst/>
+          </a:prstGeom>
+          <a:noFill/>
+          <a:ln w="19050">
+            <a:solidFill>
+              <a:schemeClr val="tx1"/>
+            </a:solidFill>
+          </a:ln>
+        </p:spPr>
+        <p:style>
+          <a:lnRef idx="2">
+            <a:schemeClr val="accent1">
+              <a:shade val="15000"/>
+            </a:schemeClr>
+          </a:lnRef>
+          <a:fillRef idx="1">
+            <a:schemeClr val="accent1"/>
+          </a:fillRef>
+          <a:effectRef idx="0">
+            <a:schemeClr val="accent1"/>
+          </a:effectRef>
+          <a:fontRef idx="minor">
+            <a:schemeClr val="lt1"/>
+          </a:fontRef>
+        </p:style>
+        <p:txBody>
+          <a:bodyPr rtlCol="0" anchor="ctr"/>
+          <a:lstStyle/>
+          <a:p>
+            <a:pPr algn="ctr"/>
+            <a:endParaRPr kumimoji="1" lang="ko-Kore-KR" altLang="en-US"/>
+          </a:p>
+        </p:txBody>
+      </p:sp>
+      <p:cxnSp>
+        <p:nvCxnSpPr>
+          <p:cNvPr id="38" name="구부러진 연결선[U] 37">
+            <a:extLst>
+              <a:ext uri="{FF2B5EF4-FFF2-40B4-BE49-F238E27FC236}">
+                <a16:creationId xmlns:a16="http://schemas.microsoft.com/office/drawing/2014/main" id="{FDADF508-E80A-D7AD-660B-A6DFDBB8B476}"/>
+              </a:ext>
+            </a:extLst>
+          </p:cNvPr>
+          <p:cNvCxnSpPr>
+            <a:cxnSpLocks/>
+            <a:stCxn id="34" idx="4"/>
+            <a:endCxn id="37" idx="0"/>
+          </p:cNvCxnSpPr>
+          <p:nvPr/>
+        </p:nvCxnSpPr>
+        <p:spPr>
+          <a:xfrm rot="5400000">
+            <a:off x="-3281724" y="-8470471"/>
+            <a:ext cx="405430" cy="437152"/>
+          </a:xfrm>
+          <a:prstGeom prst="curvedConnector3">
+            <a:avLst>
+              <a:gd name="adj1" fmla="val 50000"/>
+            </a:avLst>
+          </a:prstGeom>
+          <a:ln w="12700">
+            <a:solidFill>
+              <a:schemeClr val="tx1"/>
+            </a:solidFill>
+          </a:ln>
+        </p:spPr>
+        <p:style>
+          <a:lnRef idx="1">
+            <a:schemeClr val="accent1"/>
+          </a:lnRef>
+          <a:fillRef idx="0">
+            <a:schemeClr val="accent1"/>
+          </a:fillRef>
+          <a:effectRef idx="0">
+            <a:schemeClr val="accent1"/>
+          </a:effectRef>
+          <a:fontRef idx="minor">
+            <a:schemeClr val="tx1"/>
+          </a:fontRef>
+        </p:style>
+      </p:cxnSp>
+      <p:sp>
+        <p:nvSpPr>
+          <p:cNvPr id="42" name="TextBox 41">
+            <a:extLst>
+              <a:ext uri="{FF2B5EF4-FFF2-40B4-BE49-F238E27FC236}">
+                <a16:creationId xmlns:a16="http://schemas.microsoft.com/office/drawing/2014/main" id="{89E7A8F7-4FF5-7BA2-1D5B-55E246533BD1}"/>
+              </a:ext>
+            </a:extLst>
+          </p:cNvPr>
+          <p:cNvSpPr txBox="1"/>
+          <p:nvPr/>
+        </p:nvSpPr>
+        <p:spPr>
+          <a:xfrm>
+            <a:off x="-7006144" y="-6388044"/>
+            <a:ext cx="6862024" cy="1077218"/>
+          </a:xfrm>
+          <a:prstGeom prst="rect">
+            <a:avLst/>
+          </a:prstGeom>
+          <a:noFill/>
+        </p:spPr>
+        <p:txBody>
+          <a:bodyPr wrap="square" rtlCol="0">
+            <a:spAutoFit/>
+          </a:bodyPr>
+          <a:lstStyle/>
+          <a:p>
+            <a:pPr algn="ctr"/>
+            <a:r>
+              <a:rPr kumimoji="1" lang="en-US" altLang="ko-Kore-KR" sz="3200"/>
+              <a:t>Shenango focused more on microsecond scale rebalancing</a:t>
+            </a:r>
+            <a:endParaRPr kumimoji="1" lang="ko-Kore-KR" altLang="en-US" sz="3200"/>
+          </a:p>
+        </p:txBody>
+      </p:sp>
+      <p:sp>
+        <p:nvSpPr>
+          <p:cNvPr id="43" name="타원 42">
+            <a:extLst>
+              <a:ext uri="{FF2B5EF4-FFF2-40B4-BE49-F238E27FC236}">
+                <a16:creationId xmlns:a16="http://schemas.microsoft.com/office/drawing/2014/main" id="{9433937D-8743-B86F-712B-1A72D47D31A3}"/>
+              </a:ext>
+            </a:extLst>
+          </p:cNvPr>
+          <p:cNvSpPr/>
+          <p:nvPr/>
+        </p:nvSpPr>
+        <p:spPr>
+          <a:xfrm>
+            <a:off x="-7304021" y="-6479563"/>
+            <a:ext cx="7617853" cy="1283630"/>
+          </a:xfrm>
+          <a:prstGeom prst="ellipse">
+            <a:avLst/>
+          </a:prstGeom>
+          <a:noFill/>
+          <a:ln w="19050">
+            <a:solidFill>
+              <a:schemeClr val="tx1"/>
+            </a:solidFill>
+          </a:ln>
+        </p:spPr>
+        <p:style>
+          <a:lnRef idx="2">
+            <a:schemeClr val="accent1">
+              <a:shade val="15000"/>
+            </a:schemeClr>
+          </a:lnRef>
+          <a:fillRef idx="1">
+            <a:schemeClr val="accent1"/>
+          </a:fillRef>
+          <a:effectRef idx="0">
+            <a:schemeClr val="accent1"/>
+          </a:effectRef>
+          <a:fontRef idx="minor">
+            <a:schemeClr val="lt1"/>
+          </a:fontRef>
+        </p:style>
+        <p:txBody>
+          <a:bodyPr rtlCol="0" anchor="ctr"/>
+          <a:lstStyle/>
+          <a:p>
+            <a:pPr algn="ctr"/>
+            <a:endParaRPr kumimoji="1" lang="ko-Kore-KR" altLang="en-US"/>
+          </a:p>
+        </p:txBody>
+      </p:sp>
+      <p:cxnSp>
+        <p:nvCxnSpPr>
+          <p:cNvPr id="44" name="구부러진 연결선[U] 43">
+            <a:extLst>
+              <a:ext uri="{FF2B5EF4-FFF2-40B4-BE49-F238E27FC236}">
+                <a16:creationId xmlns:a16="http://schemas.microsoft.com/office/drawing/2014/main" id="{15694FEA-4941-AC58-9946-44ACEFF7ED54}"/>
+              </a:ext>
+            </a:extLst>
+          </p:cNvPr>
+          <p:cNvCxnSpPr>
+            <a:cxnSpLocks/>
+            <a:stCxn id="37" idx="4"/>
+            <a:endCxn id="43" idx="0"/>
+          </p:cNvCxnSpPr>
+          <p:nvPr/>
+        </p:nvCxnSpPr>
+        <p:spPr>
+          <a:xfrm rot="5400000">
+            <a:off x="-3580983" y="-6762961"/>
+            <a:ext cx="369288" cy="197509"/>
+          </a:xfrm>
+          <a:prstGeom prst="curvedConnector3">
+            <a:avLst>
+              <a:gd name="adj1" fmla="val 50000"/>
+            </a:avLst>
+          </a:prstGeom>
+          <a:ln w="12700">
+            <a:solidFill>
+              <a:schemeClr val="tx1"/>
+            </a:solidFill>
+          </a:ln>
+        </p:spPr>
+        <p:style>
+          <a:lnRef idx="1">
+            <a:schemeClr val="accent1"/>
+          </a:lnRef>
+          <a:fillRef idx="0">
+            <a:schemeClr val="accent1"/>
+          </a:fillRef>
+          <a:effectRef idx="0">
+            <a:schemeClr val="accent1"/>
+          </a:effectRef>
+          <a:fontRef idx="minor">
+            <a:schemeClr val="tx1"/>
+          </a:fontRef>
+        </p:style>
+      </p:cxnSp>
+      <p:sp>
+        <p:nvSpPr>
+          <p:cNvPr id="27" name="TextBox 26">
+            <a:extLst>
+              <a:ext uri="{FF2B5EF4-FFF2-40B4-BE49-F238E27FC236}">
+                <a16:creationId xmlns:a16="http://schemas.microsoft.com/office/drawing/2014/main" id="{196DF2C6-3A30-E44C-C24C-D53F0DC1FF6E}"/>
+              </a:ext>
+            </a:extLst>
+          </p:cNvPr>
+          <p:cNvSpPr txBox="1"/>
+          <p:nvPr/>
+        </p:nvSpPr>
+        <p:spPr>
+          <a:xfrm>
+            <a:off x="-8581262" y="-4775330"/>
+            <a:ext cx="6862024" cy="584775"/>
+          </a:xfrm>
+          <a:prstGeom prst="rect">
+            <a:avLst/>
+          </a:prstGeom>
+          <a:noFill/>
+        </p:spPr>
+        <p:txBody>
+          <a:bodyPr wrap="square" rtlCol="0">
+            <a:spAutoFit/>
+          </a:bodyPr>
+          <a:lstStyle/>
+          <a:p>
+            <a:pPr algn="ctr"/>
+            <a:r>
+              <a:rPr kumimoji="1" lang="en-US" altLang="ko-Kore-KR" sz="3200"/>
+              <a:t>How?</a:t>
+            </a:r>
+            <a:endParaRPr kumimoji="1" lang="ko-Kore-KR" altLang="en-US" sz="3200"/>
+          </a:p>
+        </p:txBody>
+      </p:sp>
+      <p:sp>
+        <p:nvSpPr>
+          <p:cNvPr id="30" name="타원 29">
+            <a:extLst>
+              <a:ext uri="{FF2B5EF4-FFF2-40B4-BE49-F238E27FC236}">
+                <a16:creationId xmlns:a16="http://schemas.microsoft.com/office/drawing/2014/main" id="{8A4B12E6-82B5-005E-27BC-CDA4B8DC67C4}"/>
+              </a:ext>
+            </a:extLst>
+          </p:cNvPr>
+          <p:cNvSpPr/>
+          <p:nvPr/>
+        </p:nvSpPr>
+        <p:spPr>
+          <a:xfrm>
+            <a:off x="-6348492" y="-4863848"/>
+            <a:ext cx="2439038" cy="822051"/>
+          </a:xfrm>
+          <a:prstGeom prst="ellipse">
+            <a:avLst/>
+          </a:prstGeom>
+          <a:noFill/>
+          <a:ln w="19050">
+            <a:solidFill>
+              <a:schemeClr val="tx1"/>
+            </a:solidFill>
+          </a:ln>
+        </p:spPr>
+        <p:style>
+          <a:lnRef idx="2">
+            <a:schemeClr val="accent1">
+              <a:shade val="15000"/>
+            </a:schemeClr>
+          </a:lnRef>
+          <a:fillRef idx="1">
+            <a:schemeClr val="accent1"/>
+          </a:fillRef>
+          <a:effectRef idx="0">
+            <a:schemeClr val="accent1"/>
+          </a:effectRef>
+          <a:fontRef idx="minor">
+            <a:schemeClr val="lt1"/>
+          </a:fontRef>
+        </p:style>
+        <p:txBody>
+          <a:bodyPr rtlCol="0" anchor="ctr"/>
+          <a:lstStyle/>
+          <a:p>
+            <a:pPr algn="ctr"/>
+            <a:endParaRPr kumimoji="1" lang="ko-Kore-KR" altLang="en-US"/>
+          </a:p>
+        </p:txBody>
+      </p:sp>
+      <p:cxnSp>
+        <p:nvCxnSpPr>
+          <p:cNvPr id="31" name="구부러진 연결선[U] 30">
+            <a:extLst>
+              <a:ext uri="{FF2B5EF4-FFF2-40B4-BE49-F238E27FC236}">
+                <a16:creationId xmlns:a16="http://schemas.microsoft.com/office/drawing/2014/main" id="{2E324B89-2146-B200-DA42-024EB82A9F30}"/>
+              </a:ext>
+            </a:extLst>
+          </p:cNvPr>
+          <p:cNvCxnSpPr>
+            <a:cxnSpLocks/>
+            <a:stCxn id="43" idx="4"/>
+            <a:endCxn id="30" idx="0"/>
+          </p:cNvCxnSpPr>
+          <p:nvPr/>
+        </p:nvCxnSpPr>
+        <p:spPr>
+          <a:xfrm rot="5400000">
+            <a:off x="-4478075" y="-5846830"/>
+            <a:ext cx="332085" cy="1633879"/>
+          </a:xfrm>
+          <a:prstGeom prst="curvedConnector3">
+            <a:avLst>
+              <a:gd name="adj1" fmla="val 50000"/>
+            </a:avLst>
+          </a:prstGeom>
+          <a:ln w="12700">
+            <a:solidFill>
+              <a:schemeClr val="tx1"/>
+            </a:solidFill>
+          </a:ln>
+        </p:spPr>
+        <p:style>
+          <a:lnRef idx="1">
+            <a:schemeClr val="accent1"/>
+          </a:lnRef>
+          <a:fillRef idx="0">
+            <a:schemeClr val="accent1"/>
+          </a:fillRef>
+          <a:effectRef idx="0">
+            <a:schemeClr val="accent1"/>
+          </a:effectRef>
+          <a:fontRef idx="minor">
+            <a:schemeClr val="tx1"/>
+          </a:fontRef>
+        </p:style>
+      </p:cxnSp>
+      <p:sp>
+        <p:nvSpPr>
+          <p:cNvPr id="41" name="TextBox 40">
+            <a:extLst>
+              <a:ext uri="{FF2B5EF4-FFF2-40B4-BE49-F238E27FC236}">
+                <a16:creationId xmlns:a16="http://schemas.microsoft.com/office/drawing/2014/main" id="{021B6728-407F-9292-13E9-499AD312AD8F}"/>
+              </a:ext>
+            </a:extLst>
+          </p:cNvPr>
+          <p:cNvSpPr txBox="1"/>
+          <p:nvPr/>
+        </p:nvSpPr>
+        <p:spPr>
+          <a:xfrm>
+            <a:off x="-8413105" y="-3668614"/>
+            <a:ext cx="5872368" cy="584775"/>
+          </a:xfrm>
+          <a:prstGeom prst="rect">
+            <a:avLst/>
+          </a:prstGeom>
+          <a:noFill/>
+        </p:spPr>
+        <p:txBody>
+          <a:bodyPr wrap="square" rtlCol="0">
+            <a:spAutoFit/>
+          </a:bodyPr>
+          <a:lstStyle/>
+          <a:p>
+            <a:pPr algn="ctr"/>
+            <a:r>
+              <a:rPr kumimoji="1" lang="en-US" altLang="ko-Kore-KR" sz="3200"/>
+              <a:t>There are lots of tehcniques.</a:t>
+            </a:r>
+            <a:endParaRPr kumimoji="1" lang="ko-Kore-KR" altLang="en-US" sz="3200"/>
+          </a:p>
+        </p:txBody>
+      </p:sp>
+      <p:sp>
+        <p:nvSpPr>
+          <p:cNvPr id="47" name="타원 46">
+            <a:extLst>
+              <a:ext uri="{FF2B5EF4-FFF2-40B4-BE49-F238E27FC236}">
+                <a16:creationId xmlns:a16="http://schemas.microsoft.com/office/drawing/2014/main" id="{6F0D0AC1-6812-C0A1-0422-84F40D6242F0}"/>
+              </a:ext>
+            </a:extLst>
+          </p:cNvPr>
+          <p:cNvSpPr/>
+          <p:nvPr/>
+        </p:nvSpPr>
+        <p:spPr>
+          <a:xfrm>
+            <a:off x="-8309507" y="-3787253"/>
+            <a:ext cx="5872367" cy="930373"/>
+          </a:xfrm>
+          <a:prstGeom prst="ellipse">
+            <a:avLst/>
+          </a:prstGeom>
+          <a:noFill/>
+          <a:ln w="19050">
+            <a:solidFill>
+              <a:schemeClr val="tx1"/>
+            </a:solidFill>
+          </a:ln>
+        </p:spPr>
+        <p:style>
+          <a:lnRef idx="2">
+            <a:schemeClr val="accent1">
+              <a:shade val="15000"/>
+            </a:schemeClr>
+          </a:lnRef>
+          <a:fillRef idx="1">
+            <a:schemeClr val="accent1"/>
+          </a:fillRef>
+          <a:effectRef idx="0">
+            <a:schemeClr val="accent1"/>
+          </a:effectRef>
+          <a:fontRef idx="minor">
+            <a:schemeClr val="lt1"/>
+          </a:fontRef>
+        </p:style>
+        <p:txBody>
+          <a:bodyPr rtlCol="0" anchor="ctr"/>
+          <a:lstStyle/>
+          <a:p>
+            <a:pPr algn="ctr"/>
+            <a:endParaRPr kumimoji="1" lang="ko-Kore-KR" altLang="en-US"/>
+          </a:p>
+        </p:txBody>
+      </p:sp>
+      <p:cxnSp>
+        <p:nvCxnSpPr>
+          <p:cNvPr id="48" name="구부러진 연결선[U] 47">
+            <a:extLst>
+              <a:ext uri="{FF2B5EF4-FFF2-40B4-BE49-F238E27FC236}">
+                <a16:creationId xmlns:a16="http://schemas.microsoft.com/office/drawing/2014/main" id="{BB7225B0-1FF6-A56F-A3FC-414312E6FA10}"/>
+              </a:ext>
+            </a:extLst>
+          </p:cNvPr>
+          <p:cNvCxnSpPr>
+            <a:cxnSpLocks/>
+            <a:stCxn id="30" idx="4"/>
+            <a:endCxn id="47" idx="0"/>
+          </p:cNvCxnSpPr>
+          <p:nvPr/>
+        </p:nvCxnSpPr>
+        <p:spPr>
+          <a:xfrm rot="5400000">
+            <a:off x="-5378420" y="-4036700"/>
+            <a:ext cx="254544" cy="244350"/>
+          </a:xfrm>
+          <a:prstGeom prst="curvedConnector3">
+            <a:avLst>
+              <a:gd name="adj1" fmla="val 50000"/>
+            </a:avLst>
+          </a:prstGeom>
+          <a:ln w="12700">
+            <a:solidFill>
+              <a:schemeClr val="tx1"/>
+            </a:solidFill>
+          </a:ln>
+        </p:spPr>
+        <p:style>
+          <a:lnRef idx="1">
+            <a:schemeClr val="accent1"/>
+          </a:lnRef>
+          <a:fillRef idx="0">
+            <a:schemeClr val="accent1"/>
+          </a:fillRef>
+          <a:effectRef idx="0">
+            <a:schemeClr val="accent1"/>
+          </a:effectRef>
+          <a:fontRef idx="minor">
+            <a:schemeClr val="tx1"/>
+          </a:fontRef>
+        </p:style>
+      </p:cxnSp>
+      <p:sp>
+        <p:nvSpPr>
+          <p:cNvPr id="32" name="TextBox 31">
+            <a:extLst>
+              <a:ext uri="{FF2B5EF4-FFF2-40B4-BE49-F238E27FC236}">
+                <a16:creationId xmlns:a16="http://schemas.microsoft.com/office/drawing/2014/main" id="{9A5C7AE0-708C-53D7-F8B6-5C57D4C13294}"/>
+              </a:ext>
+            </a:extLst>
+          </p:cNvPr>
+          <p:cNvSpPr txBox="1"/>
+          <p:nvPr/>
+        </p:nvSpPr>
+        <p:spPr>
+          <a:xfrm>
+            <a:off x="-9271069" y="-1963491"/>
+            <a:ext cx="8333028" cy="1077218"/>
+          </a:xfrm>
+          <a:prstGeom prst="rect">
+            <a:avLst/>
+          </a:prstGeom>
+          <a:noFill/>
+        </p:spPr>
+        <p:txBody>
+          <a:bodyPr wrap="square" rtlCol="0">
+            <a:spAutoFit/>
+          </a:bodyPr>
+          <a:lstStyle/>
+          <a:p>
+            <a:pPr algn="ctr"/>
+            <a:r>
+              <a:rPr kumimoji="1" lang="en-US" altLang="ko-Kore-KR" sz="3200"/>
+              <a:t>However, one thing I would like to think more about among these is core dedicating</a:t>
+            </a:r>
+            <a:endParaRPr kumimoji="1" lang="ko-Kore-KR" altLang="en-US" sz="3200"/>
+          </a:p>
+        </p:txBody>
+      </p:sp>
+      <p:sp>
+        <p:nvSpPr>
+          <p:cNvPr id="33" name="타원 32">
+            <a:extLst>
+              <a:ext uri="{FF2B5EF4-FFF2-40B4-BE49-F238E27FC236}">
+                <a16:creationId xmlns:a16="http://schemas.microsoft.com/office/drawing/2014/main" id="{2246A85C-64C1-1AEA-8825-A486BE524085}"/>
+              </a:ext>
+            </a:extLst>
+          </p:cNvPr>
+          <p:cNvSpPr/>
+          <p:nvPr/>
+        </p:nvSpPr>
+        <p:spPr>
+          <a:xfrm>
+            <a:off x="-9546806" y="-2265660"/>
+            <a:ext cx="8877769" cy="1593380"/>
+          </a:xfrm>
+          <a:prstGeom prst="ellipse">
+            <a:avLst/>
+          </a:prstGeom>
+          <a:noFill/>
+          <a:ln w="19050">
+            <a:solidFill>
+              <a:schemeClr val="tx1"/>
+            </a:solidFill>
+          </a:ln>
+        </p:spPr>
+        <p:style>
+          <a:lnRef idx="2">
+            <a:schemeClr val="accent1">
+              <a:shade val="15000"/>
+            </a:schemeClr>
+          </a:lnRef>
+          <a:fillRef idx="1">
+            <a:schemeClr val="accent1"/>
+          </a:fillRef>
+          <a:effectRef idx="0">
+            <a:schemeClr val="accent1"/>
+          </a:effectRef>
+          <a:fontRef idx="minor">
+            <a:schemeClr val="lt1"/>
+          </a:fontRef>
+        </p:style>
+        <p:txBody>
+          <a:bodyPr rtlCol="0" anchor="ctr"/>
+          <a:lstStyle/>
+          <a:p>
+            <a:pPr algn="ctr"/>
+            <a:endParaRPr kumimoji="1" lang="ko-Kore-KR" altLang="en-US"/>
+          </a:p>
+        </p:txBody>
+      </p:sp>
+      <p:cxnSp>
+        <p:nvCxnSpPr>
+          <p:cNvPr id="39" name="구부러진 연결선[U] 38">
+            <a:extLst>
+              <a:ext uri="{FF2B5EF4-FFF2-40B4-BE49-F238E27FC236}">
+                <a16:creationId xmlns:a16="http://schemas.microsoft.com/office/drawing/2014/main" id="{8D577159-D17A-BDDF-0B8F-99955AC9DCA0}"/>
+              </a:ext>
+            </a:extLst>
+          </p:cNvPr>
+          <p:cNvCxnSpPr>
+            <a:cxnSpLocks/>
+            <a:stCxn id="47" idx="4"/>
+            <a:endCxn id="33" idx="0"/>
+          </p:cNvCxnSpPr>
+          <p:nvPr/>
+        </p:nvCxnSpPr>
+        <p:spPr>
+          <a:xfrm rot="16200000" flipH="1">
+            <a:off x="-5536232" y="-2693971"/>
+            <a:ext cx="591220" cy="265402"/>
+          </a:xfrm>
+          <a:prstGeom prst="curvedConnector3">
+            <a:avLst>
+              <a:gd name="adj1" fmla="val 50000"/>
+            </a:avLst>
+          </a:prstGeom>
+          <a:ln w="12700">
+            <a:solidFill>
+              <a:schemeClr val="tx1"/>
+            </a:solidFill>
+          </a:ln>
+        </p:spPr>
+        <p:style>
+          <a:lnRef idx="1">
+            <a:schemeClr val="accent1"/>
+          </a:lnRef>
+          <a:fillRef idx="0">
+            <a:schemeClr val="accent1"/>
+          </a:fillRef>
+          <a:effectRef idx="0">
+            <a:schemeClr val="accent1"/>
+          </a:effectRef>
+          <a:fontRef idx="minor">
+            <a:schemeClr val="tx1"/>
+          </a:fontRef>
+        </p:style>
+      </p:cxnSp>
+      <p:sp>
+        <p:nvSpPr>
+          <p:cNvPr id="40" name="TextBox 39">
+            <a:extLst>
+              <a:ext uri="{FF2B5EF4-FFF2-40B4-BE49-F238E27FC236}">
+                <a16:creationId xmlns:a16="http://schemas.microsoft.com/office/drawing/2014/main" id="{BB546239-330A-3BA5-6AE7-3CF00554334F}"/>
+              </a:ext>
+            </a:extLst>
+          </p:cNvPr>
+          <p:cNvSpPr txBox="1"/>
+          <p:nvPr/>
+        </p:nvSpPr>
+        <p:spPr>
+          <a:xfrm>
+            <a:off x="-9089149" y="-4424"/>
+            <a:ext cx="8333028" cy="1077218"/>
+          </a:xfrm>
+          <a:prstGeom prst="rect">
+            <a:avLst/>
+          </a:prstGeom>
+          <a:noFill/>
+        </p:spPr>
+        <p:txBody>
+          <a:bodyPr wrap="square" rtlCol="0">
+            <a:spAutoFit/>
+          </a:bodyPr>
+          <a:lstStyle/>
+          <a:p>
+            <a:pPr algn="ctr"/>
+            <a:r>
+              <a:rPr kumimoji="1" lang="en-US" altLang="ko-Kore-KR" sz="3200"/>
+              <a:t>I think this is a trade-off between low latency and high throughput</a:t>
+            </a:r>
+            <a:endParaRPr kumimoji="1" lang="ko-Kore-KR" altLang="en-US" sz="3200"/>
+          </a:p>
+        </p:txBody>
+      </p:sp>
+      <p:sp>
+        <p:nvSpPr>
+          <p:cNvPr id="45" name="타원 44">
+            <a:extLst>
+              <a:ext uri="{FF2B5EF4-FFF2-40B4-BE49-F238E27FC236}">
+                <a16:creationId xmlns:a16="http://schemas.microsoft.com/office/drawing/2014/main" id="{39B02667-D372-8F9A-4D79-93E3AFD85F10}"/>
+              </a:ext>
+            </a:extLst>
+          </p:cNvPr>
+          <p:cNvSpPr/>
+          <p:nvPr/>
+        </p:nvSpPr>
+        <p:spPr>
+          <a:xfrm>
+            <a:off x="-9599375" y="-526805"/>
+            <a:ext cx="9216908" cy="2019575"/>
+          </a:xfrm>
+          <a:prstGeom prst="ellipse">
+            <a:avLst/>
+          </a:prstGeom>
+          <a:noFill/>
+          <a:ln w="19050">
+            <a:solidFill>
+              <a:schemeClr val="tx1"/>
+            </a:solidFill>
+          </a:ln>
+        </p:spPr>
+        <p:style>
+          <a:lnRef idx="2">
+            <a:schemeClr val="accent1">
+              <a:shade val="15000"/>
+            </a:schemeClr>
+          </a:lnRef>
+          <a:fillRef idx="1">
+            <a:schemeClr val="accent1"/>
+          </a:fillRef>
+          <a:effectRef idx="0">
+            <a:schemeClr val="accent1"/>
+          </a:effectRef>
+          <a:fontRef idx="minor">
+            <a:schemeClr val="lt1"/>
+          </a:fontRef>
+        </p:style>
+        <p:txBody>
+          <a:bodyPr rtlCol="0" anchor="ctr"/>
+          <a:lstStyle/>
+          <a:p>
+            <a:pPr algn="ctr"/>
+            <a:endParaRPr kumimoji="1" lang="ko-Kore-KR" altLang="en-US"/>
+          </a:p>
+        </p:txBody>
+      </p:sp>
+      <p:cxnSp>
+        <p:nvCxnSpPr>
+          <p:cNvPr id="46" name="구부러진 연결선[U] 45">
+            <a:extLst>
+              <a:ext uri="{FF2B5EF4-FFF2-40B4-BE49-F238E27FC236}">
+                <a16:creationId xmlns:a16="http://schemas.microsoft.com/office/drawing/2014/main" id="{54AD135D-0FB6-8F30-3FD1-1B72BFD64B33}"/>
+              </a:ext>
+            </a:extLst>
+          </p:cNvPr>
+          <p:cNvCxnSpPr>
+            <a:cxnSpLocks/>
+            <a:stCxn id="33" idx="4"/>
+            <a:endCxn id="45" idx="0"/>
+          </p:cNvCxnSpPr>
+          <p:nvPr/>
+        </p:nvCxnSpPr>
+        <p:spPr>
+          <a:xfrm rot="16200000" flipH="1">
+            <a:off x="-5122158" y="-658043"/>
+            <a:ext cx="145475" cy="117000"/>
+          </a:xfrm>
+          <a:prstGeom prst="curvedConnector3">
+            <a:avLst>
+              <a:gd name="adj1" fmla="val 50000"/>
+            </a:avLst>
+          </a:prstGeom>
+          <a:ln w="12700">
+            <a:solidFill>
+              <a:schemeClr val="tx1"/>
+            </a:solidFill>
+          </a:ln>
+        </p:spPr>
+        <p:style>
+          <a:lnRef idx="1">
+            <a:schemeClr val="accent1"/>
+          </a:lnRef>
+          <a:fillRef idx="0">
+            <a:schemeClr val="accent1"/>
+          </a:fillRef>
+          <a:effectRef idx="0">
+            <a:schemeClr val="accent1"/>
+          </a:effectRef>
+          <a:fontRef idx="minor">
+            <a:schemeClr val="tx1"/>
+          </a:fontRef>
+        </p:style>
+      </p:cxnSp>
+      <p:sp>
+        <p:nvSpPr>
+          <p:cNvPr id="49" name="TextBox 48">
+            <a:extLst>
+              <a:ext uri="{FF2B5EF4-FFF2-40B4-BE49-F238E27FC236}">
+                <a16:creationId xmlns:a16="http://schemas.microsoft.com/office/drawing/2014/main" id="{8E1950E6-02D7-116D-C7A7-737DBA88D945}"/>
+              </a:ext>
+            </a:extLst>
+          </p:cNvPr>
+          <p:cNvSpPr txBox="1"/>
+          <p:nvPr/>
+        </p:nvSpPr>
+        <p:spPr>
+          <a:xfrm>
+            <a:off x="-11687335" y="2677013"/>
+            <a:ext cx="8333028" cy="1077218"/>
+          </a:xfrm>
+          <a:prstGeom prst="rect">
+            <a:avLst/>
+          </a:prstGeom>
+          <a:noFill/>
+        </p:spPr>
+        <p:txBody>
+          <a:bodyPr wrap="square" rtlCol="0">
+            <a:spAutoFit/>
+          </a:bodyPr>
+          <a:lstStyle/>
+          <a:p>
+            <a:pPr algn="ctr"/>
+            <a:r>
+              <a:rPr kumimoji="1" lang="en-US" altLang="ko-Kore-KR" sz="3200"/>
+              <a:t>Does core dedicating always gurantee microsecond rebalancing?</a:t>
+            </a:r>
+            <a:endParaRPr kumimoji="1" lang="ko-Kore-KR" altLang="en-US" sz="3200"/>
+          </a:p>
+        </p:txBody>
+      </p:sp>
+      <p:sp>
+        <p:nvSpPr>
+          <p:cNvPr id="50" name="TextBox 49">
+            <a:extLst>
+              <a:ext uri="{FF2B5EF4-FFF2-40B4-BE49-F238E27FC236}">
+                <a16:creationId xmlns:a16="http://schemas.microsoft.com/office/drawing/2014/main" id="{669E76CE-5417-1003-F528-AD116461168B}"/>
+              </a:ext>
+            </a:extLst>
+          </p:cNvPr>
+          <p:cNvSpPr txBox="1"/>
+          <p:nvPr/>
+        </p:nvSpPr>
+        <p:spPr>
+          <a:xfrm>
+            <a:off x="-8904889" y="3900793"/>
+            <a:ext cx="8333028" cy="584775"/>
+          </a:xfrm>
+          <a:prstGeom prst="rect">
+            <a:avLst/>
+          </a:prstGeom>
+          <a:noFill/>
+        </p:spPr>
+        <p:txBody>
+          <a:bodyPr wrap="square" rtlCol="0">
+            <a:spAutoFit/>
+          </a:bodyPr>
+          <a:lstStyle/>
+          <a:p>
+            <a:pPr algn="ctr"/>
+            <a:r>
+              <a:rPr kumimoji="1" lang="en-US" altLang="ko-Kore-KR" sz="3200"/>
+              <a:t>What if there are 1000 cores to rebalancing?</a:t>
+            </a:r>
+            <a:endParaRPr kumimoji="1" lang="ko-Kore-KR" altLang="en-US" sz="3200"/>
+          </a:p>
+        </p:txBody>
+      </p:sp>
+      <p:sp>
+        <p:nvSpPr>
+          <p:cNvPr id="51" name="TextBox 50">
+            <a:extLst>
+              <a:ext uri="{FF2B5EF4-FFF2-40B4-BE49-F238E27FC236}">
+                <a16:creationId xmlns:a16="http://schemas.microsoft.com/office/drawing/2014/main" id="{54E550B4-322C-F24B-8FE2-627C85271011}"/>
+              </a:ext>
+            </a:extLst>
+          </p:cNvPr>
+          <p:cNvSpPr txBox="1"/>
+          <p:nvPr/>
+        </p:nvSpPr>
+        <p:spPr>
+          <a:xfrm>
+            <a:off x="-13052820" y="4432319"/>
+            <a:ext cx="8333028" cy="584775"/>
+          </a:xfrm>
+          <a:prstGeom prst="rect">
+            <a:avLst/>
+          </a:prstGeom>
+          <a:noFill/>
+        </p:spPr>
+        <p:txBody>
+          <a:bodyPr wrap="square" rtlCol="0">
+            <a:spAutoFit/>
+          </a:bodyPr>
+          <a:lstStyle/>
+          <a:p>
+            <a:pPr algn="ctr"/>
+            <a:r>
+              <a:rPr kumimoji="1" lang="en-US" altLang="ko-Kore-KR" sz="3200"/>
+              <a:t>interrupt vs polling?</a:t>
+            </a:r>
+            <a:endParaRPr kumimoji="1" lang="ko-Kore-KR" altLang="en-US" sz="3200"/>
+          </a:p>
+        </p:txBody>
+      </p:sp>
+      <p:sp>
+        <p:nvSpPr>
+          <p:cNvPr id="52" name="TextBox 51">
+            <a:extLst>
+              <a:ext uri="{FF2B5EF4-FFF2-40B4-BE49-F238E27FC236}">
+                <a16:creationId xmlns:a16="http://schemas.microsoft.com/office/drawing/2014/main" id="{82C17611-B094-0785-FA44-9D87EA515EC7}"/>
+              </a:ext>
+            </a:extLst>
+          </p:cNvPr>
+          <p:cNvSpPr txBox="1"/>
+          <p:nvPr/>
+        </p:nvSpPr>
+        <p:spPr>
+          <a:xfrm>
+            <a:off x="-8779957" y="4767950"/>
+            <a:ext cx="8333028" cy="584775"/>
+          </a:xfrm>
+          <a:prstGeom prst="rect">
+            <a:avLst/>
+          </a:prstGeom>
+          <a:noFill/>
+        </p:spPr>
+        <p:txBody>
+          <a:bodyPr wrap="square" rtlCol="0">
+            <a:spAutoFit/>
+          </a:bodyPr>
+          <a:lstStyle/>
+          <a:p>
+            <a:pPr algn="ctr"/>
+            <a:r>
+              <a:rPr kumimoji="1" lang="en-US" altLang="ko-Kore-KR" sz="3200"/>
+              <a:t>per-cpu vs dedicating?</a:t>
+            </a:r>
+            <a:endParaRPr kumimoji="1" lang="ko-Kore-KR" altLang="en-US" sz="3200"/>
+          </a:p>
+        </p:txBody>
+      </p:sp>
+      <p:sp>
+        <p:nvSpPr>
+          <p:cNvPr id="53" name="타원 52">
+            <a:extLst>
+              <a:ext uri="{FF2B5EF4-FFF2-40B4-BE49-F238E27FC236}">
+                <a16:creationId xmlns:a16="http://schemas.microsoft.com/office/drawing/2014/main" id="{194DB76C-A7D6-650F-1888-0B47950A228A}"/>
+              </a:ext>
+            </a:extLst>
+          </p:cNvPr>
+          <p:cNvSpPr/>
+          <p:nvPr/>
+        </p:nvSpPr>
+        <p:spPr>
+          <a:xfrm>
+            <a:off x="-12148612" y="2042407"/>
+            <a:ext cx="11738848" cy="3966452"/>
+          </a:xfrm>
+          <a:prstGeom prst="ellipse">
+            <a:avLst/>
+          </a:prstGeom>
+          <a:noFill/>
+          <a:ln w="19050">
+            <a:solidFill>
+              <a:schemeClr val="tx1"/>
+            </a:solidFill>
+          </a:ln>
+        </p:spPr>
+        <p:style>
+          <a:lnRef idx="2">
+            <a:schemeClr val="accent1">
+              <a:shade val="15000"/>
+            </a:schemeClr>
+          </a:lnRef>
+          <a:fillRef idx="1">
+            <a:schemeClr val="accent1"/>
+          </a:fillRef>
+          <a:effectRef idx="0">
+            <a:schemeClr val="accent1"/>
+          </a:effectRef>
+          <a:fontRef idx="minor">
+            <a:schemeClr val="lt1"/>
+          </a:fontRef>
+        </p:style>
+        <p:txBody>
+          <a:bodyPr rtlCol="0" anchor="ctr"/>
+          <a:lstStyle/>
+          <a:p>
+            <a:pPr algn="ctr"/>
+            <a:endParaRPr kumimoji="1" lang="ko-Kore-KR" altLang="en-US"/>
+          </a:p>
+        </p:txBody>
+      </p:sp>
+      <p:cxnSp>
+        <p:nvCxnSpPr>
+          <p:cNvPr id="54" name="구부러진 연결선[U] 53">
+            <a:extLst>
+              <a:ext uri="{FF2B5EF4-FFF2-40B4-BE49-F238E27FC236}">
+                <a16:creationId xmlns:a16="http://schemas.microsoft.com/office/drawing/2014/main" id="{7B60535D-11DA-06F7-B589-71297DCAC60A}"/>
+              </a:ext>
+            </a:extLst>
+          </p:cNvPr>
+          <p:cNvCxnSpPr>
+            <a:cxnSpLocks/>
+            <a:stCxn id="45" idx="4"/>
+            <a:endCxn id="53" idx="0"/>
+          </p:cNvCxnSpPr>
+          <p:nvPr/>
+        </p:nvCxnSpPr>
+        <p:spPr>
+          <a:xfrm rot="5400000">
+            <a:off x="-5909872" y="1123455"/>
+            <a:ext cx="549637" cy="1288267"/>
+          </a:xfrm>
+          <a:prstGeom prst="curvedConnector3">
+            <a:avLst>
+              <a:gd name="adj1" fmla="val 50000"/>
+            </a:avLst>
+          </a:prstGeom>
+          <a:ln w="12700">
+            <a:solidFill>
+              <a:schemeClr val="tx1"/>
+            </a:solidFill>
+          </a:ln>
+        </p:spPr>
+        <p:style>
+          <a:lnRef idx="1">
+            <a:schemeClr val="accent1"/>
+          </a:lnRef>
+          <a:fillRef idx="0">
+            <a:schemeClr val="accent1"/>
+          </a:fillRef>
+          <a:effectRef idx="0">
+            <a:schemeClr val="accent1"/>
+          </a:effectRef>
+          <a:fontRef idx="minor">
+            <a:schemeClr val="tx1"/>
+          </a:fontRef>
+        </p:style>
+      </p:cxnSp>
+      <p:sp>
+        <p:nvSpPr>
+          <p:cNvPr id="55" name="TextBox 54">
+            <a:extLst>
+              <a:ext uri="{FF2B5EF4-FFF2-40B4-BE49-F238E27FC236}">
+                <a16:creationId xmlns:a16="http://schemas.microsoft.com/office/drawing/2014/main" id="{6044872E-C2D5-8438-3C38-103F8F53A275}"/>
+              </a:ext>
+            </a:extLst>
+          </p:cNvPr>
+          <p:cNvSpPr txBox="1"/>
+          <p:nvPr/>
+        </p:nvSpPr>
+        <p:spPr>
+          <a:xfrm>
+            <a:off x="-1783583" y="-4578263"/>
+            <a:ext cx="5093650" cy="1569660"/>
+          </a:xfrm>
+          <a:prstGeom prst="rect">
+            <a:avLst/>
+          </a:prstGeom>
+          <a:noFill/>
+        </p:spPr>
+        <p:txBody>
+          <a:bodyPr wrap="square" rtlCol="0">
+            <a:spAutoFit/>
+          </a:bodyPr>
+          <a:lstStyle/>
+          <a:p>
+            <a:pPr algn="ctr"/>
+            <a:r>
+              <a:rPr kumimoji="1" lang="en-US" altLang="ko-Kore-KR" sz="3200"/>
+              <a:t>Anyway… it seems to me that these are essentially the same works</a:t>
+            </a:r>
+            <a:endParaRPr kumimoji="1" lang="ko-Kore-KR" altLang="en-US" sz="3200"/>
+          </a:p>
+        </p:txBody>
+      </p:sp>
+      <p:sp>
+        <p:nvSpPr>
+          <p:cNvPr id="56" name="타원 55">
+            <a:extLst>
+              <a:ext uri="{FF2B5EF4-FFF2-40B4-BE49-F238E27FC236}">
+                <a16:creationId xmlns:a16="http://schemas.microsoft.com/office/drawing/2014/main" id="{01CF91F0-9C7D-A93E-4397-60A1CEEEB4A5}"/>
+              </a:ext>
+            </a:extLst>
+          </p:cNvPr>
+          <p:cNvSpPr/>
+          <p:nvPr/>
+        </p:nvSpPr>
+        <p:spPr>
+          <a:xfrm>
+            <a:off x="-2443808" y="-5071996"/>
+            <a:ext cx="5872367" cy="2437100"/>
+          </a:xfrm>
+          <a:prstGeom prst="ellipse">
+            <a:avLst/>
+          </a:prstGeom>
+          <a:noFill/>
+          <a:ln w="19050">
+            <a:solidFill>
+              <a:schemeClr val="tx1"/>
+            </a:solidFill>
+          </a:ln>
+        </p:spPr>
+        <p:style>
+          <a:lnRef idx="2">
+            <a:schemeClr val="accent1">
+              <a:shade val="15000"/>
+            </a:schemeClr>
+          </a:lnRef>
+          <a:fillRef idx="1">
+            <a:schemeClr val="accent1"/>
+          </a:fillRef>
+          <a:effectRef idx="0">
+            <a:schemeClr val="accent1"/>
+          </a:effectRef>
+          <a:fontRef idx="minor">
+            <a:schemeClr val="lt1"/>
+          </a:fontRef>
+        </p:style>
+        <p:txBody>
+          <a:bodyPr rtlCol="0" anchor="ctr"/>
+          <a:lstStyle/>
+          <a:p>
+            <a:pPr algn="ctr"/>
+            <a:endParaRPr kumimoji="1" lang="ko-Kore-KR" altLang="en-US"/>
+          </a:p>
+        </p:txBody>
+      </p:sp>
+      <p:cxnSp>
+        <p:nvCxnSpPr>
+          <p:cNvPr id="63" name="구부러진 연결선[U] 62">
+            <a:extLst>
+              <a:ext uri="{FF2B5EF4-FFF2-40B4-BE49-F238E27FC236}">
+                <a16:creationId xmlns:a16="http://schemas.microsoft.com/office/drawing/2014/main" id="{1309F764-C8A2-A5D3-4D01-635CE13CBB44}"/>
+              </a:ext>
+            </a:extLst>
+          </p:cNvPr>
+          <p:cNvCxnSpPr>
+            <a:cxnSpLocks/>
+            <a:stCxn id="43" idx="4"/>
+            <a:endCxn id="56" idx="1"/>
+          </p:cNvCxnSpPr>
+          <p:nvPr/>
+        </p:nvCxnSpPr>
+        <p:spPr>
+          <a:xfrm rot="16200000" flipH="1">
+            <a:off x="-2779878" y="-5911149"/>
+            <a:ext cx="480842" cy="1911274"/>
+          </a:xfrm>
+          <a:prstGeom prst="curvedConnector3">
+            <a:avLst>
+              <a:gd name="adj1" fmla="val 50000"/>
+            </a:avLst>
+          </a:prstGeom>
+          <a:ln w="12700">
+            <a:solidFill>
+              <a:schemeClr val="tx1"/>
+            </a:solidFill>
+          </a:ln>
+        </p:spPr>
+        <p:style>
+          <a:lnRef idx="1">
+            <a:schemeClr val="accent1"/>
+          </a:lnRef>
+          <a:fillRef idx="0">
+            <a:schemeClr val="accent1"/>
+          </a:fillRef>
+          <a:effectRef idx="0">
+            <a:schemeClr val="accent1"/>
+          </a:effectRef>
+          <a:fontRef idx="minor">
+            <a:schemeClr val="tx1"/>
+          </a:fontRef>
+        </p:style>
+      </p:cxnSp>
+      <p:cxnSp>
+        <p:nvCxnSpPr>
+          <p:cNvPr id="59" name="구부러진 연결선[U] 58">
+            <a:extLst>
+              <a:ext uri="{FF2B5EF4-FFF2-40B4-BE49-F238E27FC236}">
+                <a16:creationId xmlns:a16="http://schemas.microsoft.com/office/drawing/2014/main" id="{FC52195D-AF0E-4132-F74F-7E8D0701522E}"/>
+              </a:ext>
+            </a:extLst>
+          </p:cNvPr>
+          <p:cNvCxnSpPr>
+            <a:cxnSpLocks/>
+            <a:stCxn id="56" idx="4"/>
+            <a:endCxn id="79" idx="0"/>
+          </p:cNvCxnSpPr>
+          <p:nvPr/>
+        </p:nvCxnSpPr>
+        <p:spPr>
+          <a:xfrm rot="16200000" flipH="1">
+            <a:off x="2035908" y="-4178428"/>
+            <a:ext cx="685803" cy="3772866"/>
+          </a:xfrm>
+          <a:prstGeom prst="curvedConnector3">
+            <a:avLst>
+              <a:gd name="adj1" fmla="val 50000"/>
+            </a:avLst>
+          </a:prstGeom>
+          <a:ln w="12700">
+            <a:solidFill>
+              <a:schemeClr val="tx1"/>
+            </a:solidFill>
+          </a:ln>
+        </p:spPr>
+        <p:style>
+          <a:lnRef idx="1">
+            <a:schemeClr val="accent1"/>
+          </a:lnRef>
+          <a:fillRef idx="0">
+            <a:schemeClr val="accent1"/>
+          </a:fillRef>
+          <a:effectRef idx="0">
+            <a:schemeClr val="accent1"/>
+          </a:effectRef>
+          <a:fontRef idx="minor">
+            <a:schemeClr val="tx1"/>
+          </a:fontRef>
+        </p:style>
+      </p:cxnSp>
+      <p:sp>
+        <p:nvSpPr>
+          <p:cNvPr id="62" name="TextBox 61">
+            <a:extLst>
+              <a:ext uri="{FF2B5EF4-FFF2-40B4-BE49-F238E27FC236}">
+                <a16:creationId xmlns:a16="http://schemas.microsoft.com/office/drawing/2014/main" id="{044DC8B9-405C-BE1D-53FF-F3D613CEA9A8}"/>
+              </a:ext>
+            </a:extLst>
+          </p:cNvPr>
+          <p:cNvSpPr txBox="1"/>
+          <p:nvPr/>
+        </p:nvSpPr>
+        <p:spPr>
+          <a:xfrm>
+            <a:off x="2344892" y="669079"/>
+            <a:ext cx="6862024" cy="584775"/>
+          </a:xfrm>
+          <a:prstGeom prst="rect">
+            <a:avLst/>
+          </a:prstGeom>
+          <a:noFill/>
+        </p:spPr>
+        <p:txBody>
+          <a:bodyPr wrap="square" rtlCol="0">
+            <a:spAutoFit/>
+          </a:bodyPr>
+          <a:lstStyle/>
+          <a:p>
+            <a:pPr algn="ctr"/>
+            <a:r>
+              <a:rPr kumimoji="1" lang="en-US" altLang="ko-Kore-KR" sz="3200"/>
+              <a:t>What can be futher?</a:t>
+            </a:r>
+            <a:endParaRPr kumimoji="1" lang="ko-Kore-KR" altLang="en-US" sz="3200"/>
+          </a:p>
+        </p:txBody>
+      </p:sp>
+      <p:sp>
+        <p:nvSpPr>
+          <p:cNvPr id="64" name="타원 63">
+            <a:extLst>
+              <a:ext uri="{FF2B5EF4-FFF2-40B4-BE49-F238E27FC236}">
+                <a16:creationId xmlns:a16="http://schemas.microsoft.com/office/drawing/2014/main" id="{AFA2B628-CDD1-C7CB-4DA0-EF03CC9F27CF}"/>
+              </a:ext>
+            </a:extLst>
+          </p:cNvPr>
+          <p:cNvSpPr/>
+          <p:nvPr/>
+        </p:nvSpPr>
+        <p:spPr>
+          <a:xfrm>
+            <a:off x="2764369" y="337692"/>
+            <a:ext cx="6058939" cy="1247551"/>
+          </a:xfrm>
+          <a:prstGeom prst="ellipse">
+            <a:avLst/>
+          </a:prstGeom>
+          <a:noFill/>
+          <a:ln w="19050">
+            <a:solidFill>
+              <a:schemeClr val="tx1"/>
+            </a:solidFill>
+          </a:ln>
+        </p:spPr>
+        <p:style>
+          <a:lnRef idx="2">
+            <a:schemeClr val="accent1">
+              <a:shade val="15000"/>
+            </a:schemeClr>
+          </a:lnRef>
+          <a:fillRef idx="1">
+            <a:schemeClr val="accent1"/>
+          </a:fillRef>
+          <a:effectRef idx="0">
+            <a:schemeClr val="accent1"/>
+          </a:effectRef>
+          <a:fontRef idx="minor">
+            <a:schemeClr val="lt1"/>
+          </a:fontRef>
+        </p:style>
+        <p:txBody>
+          <a:bodyPr rtlCol="0" anchor="ctr"/>
+          <a:lstStyle/>
+          <a:p>
+            <a:pPr algn="ctr"/>
+            <a:endParaRPr kumimoji="1" lang="ko-Kore-KR" altLang="en-US"/>
+          </a:p>
+        </p:txBody>
+      </p:sp>
+      <p:cxnSp>
+        <p:nvCxnSpPr>
+          <p:cNvPr id="65" name="구부러진 연결선[U] 64">
+            <a:extLst>
+              <a:ext uri="{FF2B5EF4-FFF2-40B4-BE49-F238E27FC236}">
+                <a16:creationId xmlns:a16="http://schemas.microsoft.com/office/drawing/2014/main" id="{5A202653-4DDF-1884-1FDF-3F022FF925AC}"/>
+              </a:ext>
+            </a:extLst>
+          </p:cNvPr>
+          <p:cNvCxnSpPr>
+            <a:cxnSpLocks/>
+            <a:stCxn id="79" idx="4"/>
+            <a:endCxn id="64" idx="0"/>
+          </p:cNvCxnSpPr>
+          <p:nvPr/>
+        </p:nvCxnSpPr>
+        <p:spPr>
+          <a:xfrm rot="16200000" flipH="1">
+            <a:off x="4860694" y="-595453"/>
+            <a:ext cx="337692" cy="1528597"/>
+          </a:xfrm>
+          <a:prstGeom prst="curvedConnector3">
+            <a:avLst>
+              <a:gd name="adj1" fmla="val 50000"/>
+            </a:avLst>
+          </a:prstGeom>
+          <a:ln w="12700">
+            <a:solidFill>
+              <a:schemeClr val="tx1"/>
+            </a:solidFill>
+          </a:ln>
+        </p:spPr>
+        <p:style>
+          <a:lnRef idx="1">
+            <a:schemeClr val="accent1"/>
+          </a:lnRef>
+          <a:fillRef idx="0">
+            <a:schemeClr val="accent1"/>
+          </a:fillRef>
+          <a:effectRef idx="0">
+            <a:schemeClr val="accent1"/>
+          </a:effectRef>
+          <a:fontRef idx="minor">
+            <a:schemeClr val="tx1"/>
+          </a:fontRef>
+        </p:style>
+      </p:cxnSp>
+      <p:sp>
+        <p:nvSpPr>
+          <p:cNvPr id="60" name="TextBox 59">
+            <a:extLst>
+              <a:ext uri="{FF2B5EF4-FFF2-40B4-BE49-F238E27FC236}">
+                <a16:creationId xmlns:a16="http://schemas.microsoft.com/office/drawing/2014/main" id="{DDBB059D-5D6B-3948-8952-A25A7D3CD192}"/>
+              </a:ext>
+            </a:extLst>
+          </p:cNvPr>
+          <p:cNvSpPr txBox="1"/>
+          <p:nvPr/>
+        </p:nvSpPr>
+        <p:spPr>
+          <a:xfrm>
+            <a:off x="6888843" y="1892183"/>
+            <a:ext cx="5053383" cy="1569660"/>
+          </a:xfrm>
+          <a:prstGeom prst="rect">
+            <a:avLst/>
+          </a:prstGeom>
+          <a:noFill/>
+        </p:spPr>
+        <p:txBody>
+          <a:bodyPr wrap="square" rtlCol="0">
+            <a:spAutoFit/>
+          </a:bodyPr>
+          <a:lstStyle/>
+          <a:p>
+            <a:pPr algn="ctr"/>
+            <a:r>
+              <a:rPr kumimoji="1" lang="en-US" altLang="ko-Kore-KR" sz="3200"/>
+              <a:t>How about targeting other resources? not the CPU virtualization method.</a:t>
+            </a:r>
+            <a:endParaRPr kumimoji="1" lang="ko-Kore-KR" altLang="en-US" sz="3200"/>
+          </a:p>
+        </p:txBody>
+      </p:sp>
+      <p:sp>
+        <p:nvSpPr>
+          <p:cNvPr id="61" name="타원 60">
+            <a:extLst>
+              <a:ext uri="{FF2B5EF4-FFF2-40B4-BE49-F238E27FC236}">
+                <a16:creationId xmlns:a16="http://schemas.microsoft.com/office/drawing/2014/main" id="{FBFF854A-9D45-7219-071F-1BF37BB3D6D9}"/>
+              </a:ext>
+            </a:extLst>
+          </p:cNvPr>
+          <p:cNvSpPr/>
+          <p:nvPr/>
+        </p:nvSpPr>
+        <p:spPr>
+          <a:xfrm>
+            <a:off x="6376867" y="1742984"/>
+            <a:ext cx="5587799" cy="1796517"/>
+          </a:xfrm>
+          <a:prstGeom prst="ellipse">
+            <a:avLst/>
+          </a:prstGeom>
+          <a:noFill/>
+          <a:ln w="19050">
+            <a:solidFill>
+              <a:schemeClr val="tx1"/>
+            </a:solidFill>
+          </a:ln>
+        </p:spPr>
+        <p:style>
+          <a:lnRef idx="2">
+            <a:schemeClr val="accent1">
+              <a:shade val="15000"/>
+            </a:schemeClr>
+          </a:lnRef>
+          <a:fillRef idx="1">
+            <a:schemeClr val="accent1"/>
+          </a:fillRef>
+          <a:effectRef idx="0">
+            <a:schemeClr val="accent1"/>
+          </a:effectRef>
+          <a:fontRef idx="minor">
+            <a:schemeClr val="lt1"/>
+          </a:fontRef>
+        </p:style>
+        <p:txBody>
+          <a:bodyPr rtlCol="0" anchor="ctr"/>
+          <a:lstStyle/>
+          <a:p>
+            <a:pPr algn="ctr"/>
+            <a:endParaRPr kumimoji="1" lang="ko-Kore-KR" altLang="en-US"/>
+          </a:p>
+        </p:txBody>
+      </p:sp>
+      <p:sp>
+        <p:nvSpPr>
+          <p:cNvPr id="66" name="TextBox 65">
+            <a:extLst>
+              <a:ext uri="{FF2B5EF4-FFF2-40B4-BE49-F238E27FC236}">
+                <a16:creationId xmlns:a16="http://schemas.microsoft.com/office/drawing/2014/main" id="{37D09560-7F26-2FCC-6C92-B1CC6E8CC003}"/>
+              </a:ext>
+            </a:extLst>
+          </p:cNvPr>
+          <p:cNvSpPr txBox="1"/>
+          <p:nvPr/>
+        </p:nvSpPr>
+        <p:spPr>
+          <a:xfrm>
+            <a:off x="881996" y="2152215"/>
+            <a:ext cx="4005603" cy="1569660"/>
+          </a:xfrm>
+          <a:prstGeom prst="rect">
+            <a:avLst/>
+          </a:prstGeom>
+          <a:noFill/>
+        </p:spPr>
+        <p:txBody>
+          <a:bodyPr wrap="square" rtlCol="0">
+            <a:spAutoFit/>
+          </a:bodyPr>
+          <a:lstStyle/>
+          <a:p>
+            <a:pPr algn="ctr"/>
+            <a:r>
+              <a:rPr kumimoji="1" lang="en-US" altLang="ko-Kore-KR" sz="3200"/>
+              <a:t>What if it is based on something other than user application?</a:t>
+            </a:r>
+            <a:endParaRPr kumimoji="1" lang="ko-Kore-KR" altLang="en-US" sz="3200"/>
+          </a:p>
+        </p:txBody>
+      </p:sp>
+      <p:sp>
+        <p:nvSpPr>
+          <p:cNvPr id="67" name="타원 66">
+            <a:extLst>
+              <a:ext uri="{FF2B5EF4-FFF2-40B4-BE49-F238E27FC236}">
+                <a16:creationId xmlns:a16="http://schemas.microsoft.com/office/drawing/2014/main" id="{25EAAB25-29EF-A513-067E-CD8DE02E11AE}"/>
+              </a:ext>
+            </a:extLst>
+          </p:cNvPr>
+          <p:cNvSpPr/>
+          <p:nvPr/>
+        </p:nvSpPr>
+        <p:spPr>
+          <a:xfrm>
+            <a:off x="274358" y="1848790"/>
+            <a:ext cx="5418387" cy="2107766"/>
+          </a:xfrm>
+          <a:prstGeom prst="ellipse">
+            <a:avLst/>
+          </a:prstGeom>
+          <a:noFill/>
+          <a:ln w="19050">
+            <a:solidFill>
+              <a:schemeClr val="tx1"/>
+            </a:solidFill>
+          </a:ln>
+        </p:spPr>
+        <p:style>
+          <a:lnRef idx="2">
+            <a:schemeClr val="accent1">
+              <a:shade val="15000"/>
+            </a:schemeClr>
+          </a:lnRef>
+          <a:fillRef idx="1">
+            <a:schemeClr val="accent1"/>
+          </a:fillRef>
+          <a:effectRef idx="0">
+            <a:schemeClr val="accent1"/>
+          </a:effectRef>
+          <a:fontRef idx="minor">
+            <a:schemeClr val="lt1"/>
+          </a:fontRef>
+        </p:style>
+        <p:txBody>
+          <a:bodyPr rtlCol="0" anchor="ctr"/>
+          <a:lstStyle/>
+          <a:p>
+            <a:pPr algn="ctr"/>
+            <a:endParaRPr kumimoji="1" lang="ko-Kore-KR" altLang="en-US"/>
+          </a:p>
+        </p:txBody>
+      </p:sp>
+      <p:cxnSp>
+        <p:nvCxnSpPr>
+          <p:cNvPr id="68" name="구부러진 연결선[U] 67">
+            <a:extLst>
+              <a:ext uri="{FF2B5EF4-FFF2-40B4-BE49-F238E27FC236}">
+                <a16:creationId xmlns:a16="http://schemas.microsoft.com/office/drawing/2014/main" id="{63126787-7A77-040E-BD9B-284E15045763}"/>
+              </a:ext>
+            </a:extLst>
+          </p:cNvPr>
+          <p:cNvCxnSpPr>
+            <a:cxnSpLocks/>
+            <a:stCxn id="64" idx="4"/>
+            <a:endCxn id="67" idx="7"/>
+          </p:cNvCxnSpPr>
+          <p:nvPr/>
+        </p:nvCxnSpPr>
+        <p:spPr>
+          <a:xfrm rot="5400000">
+            <a:off x="5060429" y="1424055"/>
+            <a:ext cx="572222" cy="894598"/>
+          </a:xfrm>
+          <a:prstGeom prst="curvedConnector3">
+            <a:avLst>
+              <a:gd name="adj1" fmla="val 50000"/>
+            </a:avLst>
+          </a:prstGeom>
+          <a:ln w="12700">
+            <a:solidFill>
+              <a:schemeClr val="tx1"/>
+            </a:solidFill>
+          </a:ln>
+        </p:spPr>
+        <p:style>
+          <a:lnRef idx="1">
+            <a:schemeClr val="accent1"/>
+          </a:lnRef>
+          <a:fillRef idx="0">
+            <a:schemeClr val="accent1"/>
+          </a:fillRef>
+          <a:effectRef idx="0">
+            <a:schemeClr val="accent1"/>
+          </a:effectRef>
+          <a:fontRef idx="minor">
+            <a:schemeClr val="tx1"/>
+          </a:fontRef>
+        </p:style>
+      </p:cxnSp>
+      <p:cxnSp>
+        <p:nvCxnSpPr>
+          <p:cNvPr id="71" name="구부러진 연결선[U] 70">
+            <a:extLst>
+              <a:ext uri="{FF2B5EF4-FFF2-40B4-BE49-F238E27FC236}">
+                <a16:creationId xmlns:a16="http://schemas.microsoft.com/office/drawing/2014/main" id="{873A1E79-4492-2FF4-C730-01106CB4AB1E}"/>
+              </a:ext>
+            </a:extLst>
+          </p:cNvPr>
+          <p:cNvCxnSpPr>
+            <a:cxnSpLocks/>
+            <a:stCxn id="64" idx="4"/>
+            <a:endCxn id="61" idx="1"/>
+          </p:cNvCxnSpPr>
+          <p:nvPr/>
+        </p:nvCxnSpPr>
+        <p:spPr>
+          <a:xfrm rot="16200000" flipH="1">
+            <a:off x="6284093" y="1094989"/>
+            <a:ext cx="420835" cy="1401342"/>
+          </a:xfrm>
+          <a:prstGeom prst="curvedConnector3">
+            <a:avLst>
+              <a:gd name="adj1" fmla="val 50000"/>
+            </a:avLst>
+          </a:prstGeom>
+          <a:ln w="12700">
+            <a:solidFill>
+              <a:schemeClr val="tx1"/>
+            </a:solidFill>
+          </a:ln>
+        </p:spPr>
+        <p:style>
+          <a:lnRef idx="1">
+            <a:schemeClr val="accent1"/>
+          </a:lnRef>
+          <a:fillRef idx="0">
+            <a:schemeClr val="accent1"/>
+          </a:fillRef>
+          <a:effectRef idx="0">
+            <a:schemeClr val="accent1"/>
+          </a:effectRef>
+          <a:fontRef idx="minor">
+            <a:schemeClr val="tx1"/>
+          </a:fontRef>
+        </p:style>
+      </p:cxnSp>
+      <p:sp>
+        <p:nvSpPr>
+          <p:cNvPr id="79" name="타원 78">
+            <a:extLst>
+              <a:ext uri="{FF2B5EF4-FFF2-40B4-BE49-F238E27FC236}">
+                <a16:creationId xmlns:a16="http://schemas.microsoft.com/office/drawing/2014/main" id="{3735FA8D-423D-4373-3D65-F8A524FD6147}"/>
+              </a:ext>
+            </a:extLst>
+          </p:cNvPr>
+          <p:cNvSpPr/>
+          <p:nvPr/>
+        </p:nvSpPr>
+        <p:spPr>
+          <a:xfrm>
+            <a:off x="257875" y="-1949093"/>
+            <a:ext cx="8014734" cy="1949093"/>
+          </a:xfrm>
+          <a:prstGeom prst="ellipse">
+            <a:avLst/>
+          </a:prstGeom>
+          <a:noFill/>
+          <a:ln w="19050">
+            <a:solidFill>
+              <a:schemeClr val="tx1"/>
+            </a:solidFill>
+          </a:ln>
+        </p:spPr>
+        <p:style>
+          <a:lnRef idx="2">
+            <a:schemeClr val="accent1">
+              <a:shade val="15000"/>
+            </a:schemeClr>
+          </a:lnRef>
+          <a:fillRef idx="1">
+            <a:schemeClr val="accent1"/>
+          </a:fillRef>
+          <a:effectRef idx="0">
+            <a:schemeClr val="accent1"/>
+          </a:effectRef>
+          <a:fontRef idx="minor">
+            <a:schemeClr val="lt1"/>
+          </a:fontRef>
+        </p:style>
+        <p:txBody>
+          <a:bodyPr rtlCol="0" anchor="ctr"/>
+          <a:lstStyle/>
+          <a:p>
+            <a:pPr algn="ctr"/>
+            <a:endParaRPr kumimoji="1" lang="ko-Kore-KR" altLang="en-US"/>
+          </a:p>
+        </p:txBody>
+      </p:sp>
+      <p:sp>
+        <p:nvSpPr>
+          <p:cNvPr id="58" name="TextBox 57">
+            <a:extLst>
+              <a:ext uri="{FF2B5EF4-FFF2-40B4-BE49-F238E27FC236}">
+                <a16:creationId xmlns:a16="http://schemas.microsoft.com/office/drawing/2014/main" id="{E3400DD9-75AF-9BE6-0A55-1983A602180D}"/>
+              </a:ext>
+            </a:extLst>
+          </p:cNvPr>
+          <p:cNvSpPr txBox="1"/>
+          <p:nvPr/>
+        </p:nvSpPr>
+        <p:spPr>
+          <a:xfrm>
+            <a:off x="712700" y="-1513156"/>
+            <a:ext cx="6862024" cy="1077218"/>
+          </a:xfrm>
+          <a:prstGeom prst="rect">
+            <a:avLst/>
+          </a:prstGeom>
+          <a:noFill/>
+        </p:spPr>
+        <p:txBody>
+          <a:bodyPr wrap="square" rtlCol="0">
+            <a:spAutoFit/>
+          </a:bodyPr>
+          <a:lstStyle/>
+          <a:p>
+            <a:pPr algn="ctr"/>
+            <a:r>
+              <a:rPr kumimoji="1" lang="en-US" altLang="ko-Kore-KR" sz="3200"/>
+              <a:t>Releasing CPU virtualization method based on application metrics</a:t>
+            </a:r>
+            <a:endParaRPr kumimoji="1" lang="ko-Kore-KR" altLang="en-US" sz="3200"/>
+          </a:p>
+        </p:txBody>
+      </p:sp>
+      <p:sp>
+        <p:nvSpPr>
+          <p:cNvPr id="57" name="TextBox 56">
+            <a:extLst>
+              <a:ext uri="{FF2B5EF4-FFF2-40B4-BE49-F238E27FC236}">
+                <a16:creationId xmlns:a16="http://schemas.microsoft.com/office/drawing/2014/main" id="{8DB9DBA4-F0B3-7EF6-E781-22E07D8A5795}"/>
+              </a:ext>
+            </a:extLst>
+          </p:cNvPr>
+          <p:cNvSpPr txBox="1"/>
+          <p:nvPr/>
+        </p:nvSpPr>
+        <p:spPr>
+          <a:xfrm>
+            <a:off x="5491486" y="4412010"/>
+            <a:ext cx="5053383" cy="1569660"/>
+          </a:xfrm>
+          <a:prstGeom prst="rect">
+            <a:avLst/>
+          </a:prstGeom>
+          <a:noFill/>
+        </p:spPr>
+        <p:txBody>
+          <a:bodyPr wrap="square" rtlCol="0">
+            <a:spAutoFit/>
+          </a:bodyPr>
+          <a:lstStyle/>
+          <a:p>
+            <a:pPr algn="ctr"/>
+            <a:r>
+              <a:rPr kumimoji="1" lang="en-US" altLang="ko-Kore-KR" sz="3200"/>
+              <a:t>What about relaxing CPU virtualization itself? not just method?</a:t>
+            </a:r>
+            <a:endParaRPr kumimoji="1" lang="ko-Kore-KR" altLang="en-US" sz="3200"/>
+          </a:p>
+        </p:txBody>
+      </p:sp>
+      <p:sp>
+        <p:nvSpPr>
+          <p:cNvPr id="69" name="타원 68">
+            <a:extLst>
+              <a:ext uri="{FF2B5EF4-FFF2-40B4-BE49-F238E27FC236}">
+                <a16:creationId xmlns:a16="http://schemas.microsoft.com/office/drawing/2014/main" id="{D87C768C-F130-CBDF-8A6B-51D3C367063D}"/>
+              </a:ext>
+            </a:extLst>
+          </p:cNvPr>
+          <p:cNvSpPr/>
+          <p:nvPr/>
+        </p:nvSpPr>
+        <p:spPr>
+          <a:xfrm>
+            <a:off x="5029540" y="4192382"/>
+            <a:ext cx="5587799" cy="1796517"/>
+          </a:xfrm>
+          <a:prstGeom prst="ellipse">
+            <a:avLst/>
+          </a:prstGeom>
+          <a:noFill/>
+          <a:ln w="19050">
+            <a:solidFill>
+              <a:schemeClr val="tx1"/>
+            </a:solidFill>
+          </a:ln>
+        </p:spPr>
+        <p:style>
+          <a:lnRef idx="2">
+            <a:schemeClr val="accent1">
+              <a:shade val="15000"/>
+            </a:schemeClr>
+          </a:lnRef>
+          <a:fillRef idx="1">
+            <a:schemeClr val="accent1"/>
+          </a:fillRef>
+          <a:effectRef idx="0">
+            <a:schemeClr val="accent1"/>
+          </a:effectRef>
+          <a:fontRef idx="minor">
+            <a:schemeClr val="lt1"/>
+          </a:fontRef>
+        </p:style>
+        <p:txBody>
+          <a:bodyPr rtlCol="0" anchor="ctr"/>
+          <a:lstStyle/>
+          <a:p>
+            <a:pPr algn="ctr"/>
+            <a:endParaRPr kumimoji="1" lang="ko-Kore-KR" altLang="en-US"/>
+          </a:p>
+        </p:txBody>
+      </p:sp>
+      <p:cxnSp>
+        <p:nvCxnSpPr>
+          <p:cNvPr id="70" name="구부러진 연결선[U] 69">
+            <a:extLst>
+              <a:ext uri="{FF2B5EF4-FFF2-40B4-BE49-F238E27FC236}">
+                <a16:creationId xmlns:a16="http://schemas.microsoft.com/office/drawing/2014/main" id="{C43A5C6A-C4FA-0E37-B3DD-B7554B24EB66}"/>
+              </a:ext>
+            </a:extLst>
+          </p:cNvPr>
+          <p:cNvCxnSpPr>
+            <a:cxnSpLocks/>
+            <a:stCxn id="61" idx="4"/>
+            <a:endCxn id="69" idx="0"/>
+          </p:cNvCxnSpPr>
+          <p:nvPr/>
+        </p:nvCxnSpPr>
+        <p:spPr>
+          <a:xfrm rot="5400000">
+            <a:off x="8170664" y="3192278"/>
+            <a:ext cx="652881" cy="1347327"/>
+          </a:xfrm>
+          <a:prstGeom prst="curvedConnector3">
+            <a:avLst>
+              <a:gd name="adj1" fmla="val 50000"/>
+            </a:avLst>
+          </a:prstGeom>
+          <a:ln w="12700">
+            <a:solidFill>
+              <a:schemeClr val="tx1"/>
+            </a:solidFill>
+          </a:ln>
+        </p:spPr>
+        <p:style>
+          <a:lnRef idx="1">
+            <a:schemeClr val="accent1"/>
+          </a:lnRef>
+          <a:fillRef idx="0">
+            <a:schemeClr val="accent1"/>
+          </a:fillRef>
+          <a:effectRef idx="0">
+            <a:schemeClr val="accent1"/>
+          </a:effectRef>
+          <a:fontRef idx="minor">
+            <a:schemeClr val="tx1"/>
+          </a:fontRef>
+        </p:style>
+      </p:cxnSp>
+      <p:sp>
+        <p:nvSpPr>
+          <p:cNvPr id="72" name="TextBox 71">
+            <a:extLst>
+              <a:ext uri="{FF2B5EF4-FFF2-40B4-BE49-F238E27FC236}">
+                <a16:creationId xmlns:a16="http://schemas.microsoft.com/office/drawing/2014/main" id="{13D94792-46CD-B630-A9ED-CCAB4AD73F3F}"/>
+              </a:ext>
+            </a:extLst>
+          </p:cNvPr>
+          <p:cNvSpPr txBox="1"/>
+          <p:nvPr/>
+        </p:nvSpPr>
+        <p:spPr>
+          <a:xfrm>
+            <a:off x="-115727" y="5673905"/>
+            <a:ext cx="5053383" cy="646331"/>
+          </a:xfrm>
+          <a:prstGeom prst="rect">
+            <a:avLst/>
+          </a:prstGeom>
+          <a:noFill/>
+        </p:spPr>
+        <p:txBody>
+          <a:bodyPr wrap="square" rtlCol="0">
+            <a:spAutoFit/>
+          </a:bodyPr>
+          <a:lstStyle/>
+          <a:p>
+            <a:pPr algn="ctr"/>
+            <a:r>
+              <a:rPr kumimoji="1" lang="en-US" altLang="ko-Kore-KR"/>
+              <a:t>releasing virtualization method? relaxing virtualization? Are they different?</a:t>
+            </a:r>
+            <a:endParaRPr kumimoji="1" lang="ko-Kore-KR" altLang="en-US"/>
+          </a:p>
+        </p:txBody>
+      </p:sp>
+      <p:sp>
+        <p:nvSpPr>
+          <p:cNvPr id="73" name="타원 72">
+            <a:extLst>
+              <a:ext uri="{FF2B5EF4-FFF2-40B4-BE49-F238E27FC236}">
+                <a16:creationId xmlns:a16="http://schemas.microsoft.com/office/drawing/2014/main" id="{03850A23-8EE8-5C31-C1A6-1AC16E25C231}"/>
+              </a:ext>
+            </a:extLst>
+          </p:cNvPr>
+          <p:cNvSpPr/>
+          <p:nvPr/>
+        </p:nvSpPr>
+        <p:spPr>
+          <a:xfrm>
+            <a:off x="103485" y="5410703"/>
+            <a:ext cx="4614958" cy="1172733"/>
+          </a:xfrm>
+          <a:prstGeom prst="ellipse">
+            <a:avLst/>
+          </a:prstGeom>
+          <a:noFill/>
+          <a:ln w="19050">
+            <a:solidFill>
+              <a:schemeClr val="tx1"/>
+            </a:solidFill>
+          </a:ln>
+        </p:spPr>
+        <p:style>
+          <a:lnRef idx="2">
+            <a:schemeClr val="accent1">
+              <a:shade val="15000"/>
+            </a:schemeClr>
+          </a:lnRef>
+          <a:fillRef idx="1">
+            <a:schemeClr val="accent1"/>
+          </a:fillRef>
+          <a:effectRef idx="0">
+            <a:schemeClr val="accent1"/>
+          </a:effectRef>
+          <a:fontRef idx="minor">
+            <a:schemeClr val="lt1"/>
+          </a:fontRef>
+        </p:style>
+        <p:txBody>
+          <a:bodyPr rtlCol="0" anchor="ctr"/>
+          <a:lstStyle/>
+          <a:p>
+            <a:pPr algn="ctr"/>
+            <a:endParaRPr kumimoji="1" lang="ko-Kore-KR" altLang="en-US"/>
+          </a:p>
+        </p:txBody>
+      </p:sp>
+      <p:cxnSp>
+        <p:nvCxnSpPr>
+          <p:cNvPr id="74" name="구부러진 연결선[U] 73">
+            <a:extLst>
+              <a:ext uri="{FF2B5EF4-FFF2-40B4-BE49-F238E27FC236}">
+                <a16:creationId xmlns:a16="http://schemas.microsoft.com/office/drawing/2014/main" id="{B4D8DDF5-D953-1713-2AB5-46067E0643B5}"/>
+              </a:ext>
+            </a:extLst>
+          </p:cNvPr>
+          <p:cNvCxnSpPr>
+            <a:cxnSpLocks/>
+            <a:stCxn id="69" idx="3"/>
+            <a:endCxn id="73" idx="6"/>
+          </p:cNvCxnSpPr>
+          <p:nvPr/>
+        </p:nvCxnSpPr>
+        <p:spPr>
+          <a:xfrm rot="5400000">
+            <a:off x="5147517" y="5296732"/>
+            <a:ext cx="271265" cy="1129411"/>
+          </a:xfrm>
+          <a:prstGeom prst="curvedConnector2">
+            <a:avLst/>
+          </a:prstGeom>
+          <a:ln w="12700">
+            <a:solidFill>
+              <a:schemeClr val="tx1"/>
+            </a:solidFill>
+          </a:ln>
+        </p:spPr>
+        <p:style>
+          <a:lnRef idx="1">
+            <a:schemeClr val="accent1"/>
+          </a:lnRef>
+          <a:fillRef idx="0">
+            <a:schemeClr val="accent1"/>
+          </a:fillRef>
+          <a:effectRef idx="0">
+            <a:schemeClr val="accent1"/>
+          </a:effectRef>
+          <a:fontRef idx="minor">
+            <a:schemeClr val="tx1"/>
+          </a:fontRef>
+        </p:style>
+      </p:cxnSp>
+    </p:spTree>
+    <p:extLst>
+      <p:ext uri="{BB962C8B-B14F-4D97-AF65-F5344CB8AC3E}">
+        <p14:creationId xmlns:p14="http://schemas.microsoft.com/office/powerpoint/2010/main" val="3632081070"/>
       </p:ext>
     </p:extLst>
   </p:cSld>

--- a/operating_system/ghOSt/Shenango.pptx
+++ b/operating_system/ghOSt/Shenango.pptx
@@ -270,7 +270,7 @@
           <a:lstStyle/>
           <a:p>
             <a:fld id="{6E8E4B53-7435-8848-A9A4-3916BC481BB9}" type="datetimeFigureOut">
-              <a:t>2023. 12. 29.</a:t>
+              <a:t>2023. 12. 30.</a:t>
             </a:fld>
             <a:endParaRPr kumimoji="1" lang="ko-Kore-KR" altLang="en-US"/>
           </a:p>
@@ -438,7 +438,7 @@
           <a:lstStyle/>
           <a:p>
             <a:fld id="{6E8E4B53-7435-8848-A9A4-3916BC481BB9}" type="datetimeFigureOut">
-              <a:t>2023. 12. 29.</a:t>
+              <a:t>2023. 12. 30.</a:t>
             </a:fld>
             <a:endParaRPr kumimoji="1" lang="ko-Kore-KR" altLang="en-US"/>
           </a:p>
@@ -616,7 +616,7 @@
           <a:lstStyle/>
           <a:p>
             <a:fld id="{6E8E4B53-7435-8848-A9A4-3916BC481BB9}" type="datetimeFigureOut">
-              <a:t>2023. 12. 29.</a:t>
+              <a:t>2023. 12. 30.</a:t>
             </a:fld>
             <a:endParaRPr kumimoji="1" lang="ko-Kore-KR" altLang="en-US"/>
           </a:p>
@@ -784,7 +784,7 @@
           <a:lstStyle/>
           <a:p>
             <a:fld id="{6E8E4B53-7435-8848-A9A4-3916BC481BB9}" type="datetimeFigureOut">
-              <a:t>2023. 12. 29.</a:t>
+              <a:t>2023. 12. 30.</a:t>
             </a:fld>
             <a:endParaRPr kumimoji="1" lang="ko-Kore-KR" altLang="en-US"/>
           </a:p>
@@ -1028,7 +1028,7 @@
           <a:lstStyle/>
           <a:p>
             <a:fld id="{6E8E4B53-7435-8848-A9A4-3916BC481BB9}" type="datetimeFigureOut">
-              <a:t>2023. 12. 29.</a:t>
+              <a:t>2023. 12. 30.</a:t>
             </a:fld>
             <a:endParaRPr kumimoji="1" lang="ko-Kore-KR" altLang="en-US"/>
           </a:p>
@@ -1258,7 +1258,7 @@
           <a:lstStyle/>
           <a:p>
             <a:fld id="{6E8E4B53-7435-8848-A9A4-3916BC481BB9}" type="datetimeFigureOut">
-              <a:t>2023. 12. 29.</a:t>
+              <a:t>2023. 12. 30.</a:t>
             </a:fld>
             <a:endParaRPr kumimoji="1" lang="ko-Kore-KR" altLang="en-US"/>
           </a:p>
@@ -1623,7 +1623,7 @@
           <a:lstStyle/>
           <a:p>
             <a:fld id="{6E8E4B53-7435-8848-A9A4-3916BC481BB9}" type="datetimeFigureOut">
-              <a:t>2023. 12. 29.</a:t>
+              <a:t>2023. 12. 30.</a:t>
             </a:fld>
             <a:endParaRPr kumimoji="1" lang="ko-Kore-KR" altLang="en-US"/>
           </a:p>
@@ -1739,7 +1739,7 @@
           <a:lstStyle/>
           <a:p>
             <a:fld id="{6E8E4B53-7435-8848-A9A4-3916BC481BB9}" type="datetimeFigureOut">
-              <a:t>2023. 12. 29.</a:t>
+              <a:t>2023. 12. 30.</a:t>
             </a:fld>
             <a:endParaRPr kumimoji="1" lang="ko-Kore-KR" altLang="en-US"/>
           </a:p>
@@ -1832,7 +1832,7 @@
           <a:lstStyle/>
           <a:p>
             <a:fld id="{6E8E4B53-7435-8848-A9A4-3916BC481BB9}" type="datetimeFigureOut">
-              <a:t>2023. 12. 29.</a:t>
+              <a:t>2023. 12. 30.</a:t>
             </a:fld>
             <a:endParaRPr kumimoji="1" lang="ko-Kore-KR" altLang="en-US"/>
           </a:p>
@@ -2107,7 +2107,7 @@
           <a:lstStyle/>
           <a:p>
             <a:fld id="{6E8E4B53-7435-8848-A9A4-3916BC481BB9}" type="datetimeFigureOut">
-              <a:t>2023. 12. 29.</a:t>
+              <a:t>2023. 12. 30.</a:t>
             </a:fld>
             <a:endParaRPr kumimoji="1" lang="ko-Kore-KR" altLang="en-US"/>
           </a:p>
@@ -2362,7 +2362,7 @@
           <a:lstStyle/>
           <a:p>
             <a:fld id="{6E8E4B53-7435-8848-A9A4-3916BC481BB9}" type="datetimeFigureOut">
-              <a:t>2023. 12. 29.</a:t>
+              <a:t>2023. 12. 30.</a:t>
             </a:fld>
             <a:endParaRPr kumimoji="1" lang="ko-Kore-KR" altLang="en-US"/>
           </a:p>
@@ -2573,7 +2573,7 @@
           </a:lstStyle>
           <a:p>
             <a:fld id="{6E8E4B53-7435-8848-A9A4-3916BC481BB9}" type="datetimeFigureOut">
-              <a:t>2023. 12. 29.</a:t>
+              <a:t>2023. 12. 30.</a:t>
             </a:fld>
             <a:endParaRPr kumimoji="1" lang="ko-Kore-KR" altLang="en-US"/>
           </a:p>
@@ -39462,7 +39462,7 @@
             <a:pPr algn="ctr"/>
             <a:r>
               <a:rPr kumimoji="1" lang="en-US" altLang="ko-Kore-KR" sz="3200"/>
-              <a:t>What can be futher?</a:t>
+              <a:t>What can be further?</a:t>
             </a:r>
             <a:endParaRPr kumimoji="1" lang="ko-Kore-KR" altLang="en-US" sz="3200"/>
           </a:p>
@@ -42359,7 +42359,7 @@
             <a:pPr algn="ctr"/>
             <a:r>
               <a:rPr kumimoji="1" lang="en-US" altLang="ko-Kore-KR" sz="3200"/>
-              <a:t>What can be futher?</a:t>
+              <a:t>What can be further?</a:t>
             </a:r>
             <a:endParaRPr kumimoji="1" lang="ko-Kore-KR" altLang="en-US" sz="3200"/>
           </a:p>
@@ -45528,7 +45528,7 @@
             <a:pPr algn="ctr"/>
             <a:r>
               <a:rPr kumimoji="1" lang="en-US" altLang="ko-Kore-KR" sz="3200"/>
-              <a:t>What can be futher?</a:t>
+              <a:t>What can be further?</a:t>
             </a:r>
             <a:endParaRPr kumimoji="1" lang="ko-Kore-KR" altLang="en-US" sz="3200"/>
           </a:p>
@@ -48697,7 +48697,7 @@
             <a:pPr algn="ctr"/>
             <a:r>
               <a:rPr kumimoji="1" lang="en-US" altLang="ko-Kore-KR" sz="3200"/>
-              <a:t>What can be futher?</a:t>
+              <a:t>What can be further?</a:t>
             </a:r>
             <a:endParaRPr kumimoji="1" lang="ko-Kore-KR" altLang="en-US" sz="3200"/>
           </a:p>
